--- a/thesis proposal planning pre-heat.pptx
+++ b/thesis proposal planning pre-heat.pptx
@@ -17,6 +17,7 @@
     <p:sldId id="263" r:id="rId11"/>
     <p:sldId id="265" r:id="rId12"/>
     <p:sldId id="267" r:id="rId13"/>
+    <p:sldId id="268" r:id="rId14"/>
   </p:sldIdLst>
   <p:sldSz cx="12192000" cy="6858000"/>
   <p:notesSz cx="6858000" cy="9144000"/>
@@ -992,7 +993,7 @@
           <a:p>
             <a:fld id="{6F938B85-6EAB-4F38-BDA4-E1B0B96483B1}" type="datetimeFigureOut">
               <a:rPr lang="en-US" smtClean="0"/>
-              <a:t>11/17/2023</a:t>
+              <a:t>17-Dec-23</a:t>
             </a:fld>
             <a:endParaRPr lang="en-US"/>
           </a:p>
@@ -1190,7 +1191,7 @@
           <a:p>
             <a:fld id="{6F938B85-6EAB-4F38-BDA4-E1B0B96483B1}" type="datetimeFigureOut">
               <a:rPr lang="en-US" smtClean="0"/>
-              <a:t>11/17/2023</a:t>
+              <a:t>17-Dec-23</a:t>
             </a:fld>
             <a:endParaRPr lang="en-US"/>
           </a:p>
@@ -1398,7 +1399,7 @@
           <a:p>
             <a:fld id="{6F938B85-6EAB-4F38-BDA4-E1B0B96483B1}" type="datetimeFigureOut">
               <a:rPr lang="en-US" smtClean="0"/>
-              <a:t>11/17/2023</a:t>
+              <a:t>17-Dec-23</a:t>
             </a:fld>
             <a:endParaRPr lang="en-US"/>
           </a:p>
@@ -1596,7 +1597,7 @@
           <a:p>
             <a:fld id="{6F938B85-6EAB-4F38-BDA4-E1B0B96483B1}" type="datetimeFigureOut">
               <a:rPr lang="en-US" smtClean="0"/>
-              <a:t>11/17/2023</a:t>
+              <a:t>17-Dec-23</a:t>
             </a:fld>
             <a:endParaRPr lang="en-US"/>
           </a:p>
@@ -1871,7 +1872,7 @@
           <a:p>
             <a:fld id="{6F938B85-6EAB-4F38-BDA4-E1B0B96483B1}" type="datetimeFigureOut">
               <a:rPr lang="en-US" smtClean="0"/>
-              <a:t>11/17/2023</a:t>
+              <a:t>17-Dec-23</a:t>
             </a:fld>
             <a:endParaRPr lang="en-US"/>
           </a:p>
@@ -2136,7 +2137,7 @@
           <a:p>
             <a:fld id="{6F938B85-6EAB-4F38-BDA4-E1B0B96483B1}" type="datetimeFigureOut">
               <a:rPr lang="en-US" smtClean="0"/>
-              <a:t>11/17/2023</a:t>
+              <a:t>17-Dec-23</a:t>
             </a:fld>
             <a:endParaRPr lang="en-US"/>
           </a:p>
@@ -2548,7 +2549,7 @@
           <a:p>
             <a:fld id="{6F938B85-6EAB-4F38-BDA4-E1B0B96483B1}" type="datetimeFigureOut">
               <a:rPr lang="en-US" smtClean="0"/>
-              <a:t>11/17/2023</a:t>
+              <a:t>17-Dec-23</a:t>
             </a:fld>
             <a:endParaRPr lang="en-US"/>
           </a:p>
@@ -2689,7 +2690,7 @@
           <a:p>
             <a:fld id="{6F938B85-6EAB-4F38-BDA4-E1B0B96483B1}" type="datetimeFigureOut">
               <a:rPr lang="en-US" smtClean="0"/>
-              <a:t>11/17/2023</a:t>
+              <a:t>17-Dec-23</a:t>
             </a:fld>
             <a:endParaRPr lang="en-US"/>
           </a:p>
@@ -2802,7 +2803,7 @@
           <a:p>
             <a:fld id="{6F938B85-6EAB-4F38-BDA4-E1B0B96483B1}" type="datetimeFigureOut">
               <a:rPr lang="en-US" smtClean="0"/>
-              <a:t>11/17/2023</a:t>
+              <a:t>17-Dec-23</a:t>
             </a:fld>
             <a:endParaRPr lang="en-US"/>
           </a:p>
@@ -3113,7 +3114,7 @@
           <a:p>
             <a:fld id="{6F938B85-6EAB-4F38-BDA4-E1B0B96483B1}" type="datetimeFigureOut">
               <a:rPr lang="en-US" smtClean="0"/>
-              <a:t>11/17/2023</a:t>
+              <a:t>17-Dec-23</a:t>
             </a:fld>
             <a:endParaRPr lang="en-US"/>
           </a:p>
@@ -3401,7 +3402,7 @@
           <a:p>
             <a:fld id="{6F938B85-6EAB-4F38-BDA4-E1B0B96483B1}" type="datetimeFigureOut">
               <a:rPr lang="en-US" smtClean="0"/>
-              <a:t>11/17/2023</a:t>
+              <a:t>17-Dec-23</a:t>
             </a:fld>
             <a:endParaRPr lang="en-US"/>
           </a:p>
@@ -3642,7 +3643,7 @@
           <a:p>
             <a:fld id="{6F938B85-6EAB-4F38-BDA4-E1B0B96483B1}" type="datetimeFigureOut">
               <a:rPr lang="en-US" smtClean="0"/>
-              <a:t>11/17/2023</a:t>
+              <a:t>17-Dec-23</a:t>
             </a:fld>
             <a:endParaRPr lang="en-US"/>
           </a:p>
@@ -4630,6 +4631,180 @@
 </p:sld>
 </file>
 
+<file path=ppt/slides/slide13.xml><?xml version="1.0" encoding="utf-8"?>
+<p:sld xmlns:a="http://schemas.openxmlformats.org/drawingml/2006/main" xmlns:r="http://schemas.openxmlformats.org/officeDocument/2006/relationships" xmlns:p="http://schemas.openxmlformats.org/presentationml/2006/main">
+  <p:cSld>
+    <p:spTree>
+      <p:nvGrpSpPr>
+        <p:cNvPr id="1" name=""/>
+        <p:cNvGrpSpPr/>
+        <p:nvPr/>
+      </p:nvGrpSpPr>
+      <p:grpSpPr>
+        <a:xfrm>
+          <a:off x="0" y="0"/>
+          <a:ext cx="0" cy="0"/>
+          <a:chOff x="0" y="0"/>
+          <a:chExt cx="0" cy="0"/>
+        </a:xfrm>
+      </p:grpSpPr>
+      <p:sp>
+        <p:nvSpPr>
+          <p:cNvPr id="2" name="Title 1">
+            <a:extLst>
+              <a:ext uri="{FF2B5EF4-FFF2-40B4-BE49-F238E27FC236}">
+                <a16:creationId xmlns:a16="http://schemas.microsoft.com/office/drawing/2014/main" id="{1F7C828B-AC13-1B70-59EA-E16FF27C2F41}"/>
+              </a:ext>
+            </a:extLst>
+          </p:cNvPr>
+          <p:cNvSpPr>
+            <a:spLocks noGrp="1"/>
+          </p:cNvSpPr>
+          <p:nvPr>
+            <p:ph type="title"/>
+          </p:nvPr>
+        </p:nvSpPr>
+        <p:spPr/>
+        <p:txBody>
+          <a:bodyPr/>
+          <a:lstStyle/>
+          <a:p>
+            <a:r>
+              <a:rPr lang="it-IT" dirty="0"/>
+              <a:t>Update 17/12/2023</a:t>
+            </a:r>
+            <a:endParaRPr lang="en-US" dirty="0"/>
+          </a:p>
+        </p:txBody>
+      </p:sp>
+      <p:sp>
+        <p:nvSpPr>
+          <p:cNvPr id="3" name="Content Placeholder 2">
+            <a:extLst>
+              <a:ext uri="{FF2B5EF4-FFF2-40B4-BE49-F238E27FC236}">
+                <a16:creationId xmlns:a16="http://schemas.microsoft.com/office/drawing/2014/main" id="{12710F8F-E24B-3DC0-F275-5AE6F0CB56E2}"/>
+              </a:ext>
+            </a:extLst>
+          </p:cNvPr>
+          <p:cNvSpPr>
+            <a:spLocks noGrp="1"/>
+          </p:cNvSpPr>
+          <p:nvPr>
+            <p:ph idx="1"/>
+          </p:nvPr>
+        </p:nvSpPr>
+        <p:spPr/>
+        <p:txBody>
+          <a:bodyPr/>
+          <a:lstStyle/>
+          <a:p>
+            <a:r>
+              <a:rPr lang="it-IT" dirty="0"/>
+              <a:t>Do meeting with prof Celani in </a:t>
+            </a:r>
+            <a:r>
+              <a:rPr lang="it-IT" dirty="0" err="1"/>
+              <a:t>person</a:t>
+            </a:r>
+            <a:endParaRPr lang="it-IT" dirty="0"/>
+          </a:p>
+          <a:p>
+            <a:r>
+              <a:rPr lang="it-IT" dirty="0"/>
+              <a:t>DO </a:t>
+            </a:r>
+            <a:r>
+              <a:rPr lang="it-IT" dirty="0" err="1"/>
+              <a:t>Predictive</a:t>
+            </a:r>
+            <a:r>
+              <a:rPr lang="it-IT" dirty="0"/>
+              <a:t> LSTM – input set of state output </a:t>
+            </a:r>
+            <a:r>
+              <a:rPr lang="it-IT" dirty="0" err="1"/>
+              <a:t>action+duration</a:t>
+            </a:r>
+            <a:r>
+              <a:rPr lang="it-IT" dirty="0"/>
+              <a:t> for the </a:t>
+            </a:r>
+            <a:r>
+              <a:rPr lang="it-IT" dirty="0" err="1"/>
+              <a:t>next</a:t>
+            </a:r>
+            <a:r>
+              <a:rPr lang="it-IT" dirty="0"/>
+              <a:t> set of </a:t>
+            </a:r>
+            <a:r>
+              <a:rPr lang="it-IT" dirty="0" err="1"/>
+              <a:t>states</a:t>
+            </a:r>
+            <a:endParaRPr lang="it-IT" dirty="0"/>
+          </a:p>
+          <a:p>
+            <a:r>
+              <a:rPr lang="it-IT" dirty="0"/>
+              <a:t>DO regular RL, do state by state and show </a:t>
+            </a:r>
+            <a:r>
+              <a:rPr lang="it-IT" dirty="0" err="1"/>
+              <a:t>physically</a:t>
+            </a:r>
+            <a:r>
+              <a:rPr lang="it-IT" dirty="0"/>
+              <a:t> </a:t>
+            </a:r>
+            <a:r>
+              <a:rPr lang="it-IT" dirty="0" err="1"/>
+              <a:t>how</a:t>
+            </a:r>
+            <a:r>
+              <a:rPr lang="it-IT" dirty="0"/>
+              <a:t> the system </a:t>
+            </a:r>
+            <a:r>
+              <a:rPr lang="it-IT" dirty="0" err="1"/>
+              <a:t>would</a:t>
+            </a:r>
+            <a:r>
+              <a:rPr lang="it-IT" dirty="0"/>
+              <a:t> </a:t>
+            </a:r>
+            <a:r>
+              <a:rPr lang="it-IT" dirty="0" err="1"/>
+              <a:t>react</a:t>
+            </a:r>
+            <a:r>
+              <a:rPr lang="it-IT" dirty="0"/>
+              <a:t> for opening door, </a:t>
+            </a:r>
+            <a:r>
+              <a:rPr lang="it-IT" dirty="0" err="1"/>
+              <a:t>putting</a:t>
+            </a:r>
+            <a:r>
+              <a:rPr lang="it-IT" dirty="0"/>
+              <a:t> food etc.</a:t>
+            </a:r>
+            <a:endParaRPr lang="en-US" dirty="0"/>
+          </a:p>
+        </p:txBody>
+      </p:sp>
+    </p:spTree>
+    <p:extLst>
+      <p:ext uri="{BB962C8B-B14F-4D97-AF65-F5344CB8AC3E}">
+        <p14:creationId xmlns:p14="http://schemas.microsoft.com/office/powerpoint/2010/main" val="621330983"/>
+      </p:ext>
+    </p:extLst>
+  </p:cSld>
+  <p:clrMapOvr>
+    <a:masterClrMapping/>
+  </p:clrMapOvr>
+</p:sld>
+</file>
+
 <file path=ppt/slides/slide2.xml><?xml version="1.0" encoding="utf-8"?>
 <p:sld xmlns:a="http://schemas.openxmlformats.org/drawingml/2006/main" xmlns:r="http://schemas.openxmlformats.org/officeDocument/2006/relationships" xmlns:p="http://schemas.openxmlformats.org/presentationml/2006/main">
   <p:cSld>
@@ -7265,11 +7440,22 @@
               </a:rPr>
               <a:t>https://rohan-v-thorat.github.io/pages/blogs/Deriving-Actor-Critic-method-along-with-some-intuition.html</a:t>
             </a:r>
-            <a:endParaRPr lang="en-US" sz="1200" dirty="0">
-              <a:highlight>
-                <a:srgbClr val="FF00FF"/>
-              </a:highlight>
-            </a:endParaRPr>
+            <a:r>
+              <a:rPr lang="en-US" sz="1200" dirty="0">
+                <a:highlight>
+                  <a:srgbClr val="FF00FF"/>
+                </a:highlight>
+              </a:rPr>
+              <a:t> </a:t>
+            </a:r>
+            <a:r>
+              <a:rPr lang="en-US" sz="1200" dirty="0">
+                <a:highlight>
+                  <a:srgbClr val="00FF00"/>
+                </a:highlight>
+              </a:rPr>
+              <a:t>in progress</a:t>
+            </a:r>
           </a:p>
           <a:p>
             <a:r>
@@ -7288,6 +7474,14 @@
                 </a:highlight>
               </a:rPr>
               <a:t> </a:t>
+            </a:r>
+            <a:r>
+              <a:rPr lang="en-US" sz="1200" dirty="0">
+                <a:highlight>
+                  <a:srgbClr val="00FF00"/>
+                </a:highlight>
+              </a:rPr>
+              <a:t>done</a:t>
             </a:r>
           </a:p>
         </p:txBody>
@@ -7818,7 +8012,7 @@
         <p:spPr/>
         <p:txBody>
           <a:bodyPr>
-            <a:normAutofit lnSpcReduction="10000"/>
+            <a:normAutofit fontScale="77500" lnSpcReduction="20000"/>
           </a:bodyPr>
           <a:lstStyle/>
           <a:p>
@@ -7849,6 +8043,29 @@
               </a:rPr>
               <a:t> CNN + LSTM – TODO</a:t>
             </a:r>
+          </a:p>
+          <a:p>
+            <a:r>
+              <a:rPr lang="it-IT" dirty="0">
+                <a:highlight>
+                  <a:srgbClr val="00FF00"/>
+                </a:highlight>
+              </a:rPr>
+              <a:t>Update : NO NEED for </a:t>
+            </a:r>
+            <a:r>
+              <a:rPr lang="it-IT" dirty="0" err="1">
+                <a:highlight>
+                  <a:srgbClr val="00FF00"/>
+                </a:highlight>
+              </a:rPr>
+              <a:t>padding</a:t>
+            </a:r>
+            <a:endParaRPr lang="it-IT" dirty="0">
+              <a:highlight>
+                <a:srgbClr val="00FF00"/>
+              </a:highlight>
+            </a:endParaRPr>
           </a:p>
           <a:p>
             <a:endParaRPr lang="it-IT" dirty="0"/>
@@ -8055,8 +8272,8 @@
         </p:nvSpPr>
         <p:spPr>
           <a:xfrm>
-            <a:off x="7625593" y="2944536"/>
-            <a:ext cx="3484800" cy="369332"/>
+            <a:off x="6853236" y="3024435"/>
+            <a:ext cx="4988160" cy="646331"/>
           </a:xfrm>
           <a:prstGeom prst="rect">
             <a:avLst/>
@@ -8093,9 +8310,51 @@
               </a:rPr>
               <a:t> training on first 500 steps</a:t>
             </a:r>
+          </a:p>
+          <a:p>
+            <a:r>
+              <a:rPr lang="it-IT" dirty="0">
+                <a:highlight>
+                  <a:srgbClr val="00FF00"/>
+                </a:highlight>
+              </a:rPr>
+              <a:t>UPDATE DONE – works </a:t>
+            </a:r>
+            <a:r>
+              <a:rPr lang="it-IT" dirty="0" err="1">
+                <a:highlight>
+                  <a:srgbClr val="00FF00"/>
+                </a:highlight>
+              </a:rPr>
+              <a:t>also</a:t>
+            </a:r>
+            <a:r>
+              <a:rPr lang="it-IT" dirty="0">
+                <a:highlight>
+                  <a:srgbClr val="00FF00"/>
+                </a:highlight>
+              </a:rPr>
+              <a:t> for </a:t>
+            </a:r>
+            <a:r>
+              <a:rPr lang="it-IT" dirty="0" err="1">
+                <a:highlight>
+                  <a:srgbClr val="00FF00"/>
+                </a:highlight>
+              </a:rPr>
+              <a:t>less</a:t>
+            </a:r>
+            <a:r>
+              <a:rPr lang="it-IT" dirty="0">
+                <a:highlight>
+                  <a:srgbClr val="00FF00"/>
+                </a:highlight>
+              </a:rPr>
+              <a:t> steps, 5, 10 etc.</a:t>
+            </a:r>
             <a:endParaRPr lang="en-US" dirty="0">
               <a:highlight>
-                <a:srgbClr val="FF00FF"/>
+                <a:srgbClr val="00FF00"/>
               </a:highlight>
             </a:endParaRPr>
           </a:p>

--- a/thesis proposal planning pre-heat.pptx
+++ b/thesis proposal planning pre-heat.pptx
@@ -4,6 +4,9 @@
   <p:sldMasterIdLst>
     <p:sldMasterId id="2147483648" r:id="rId1"/>
   </p:sldMasterIdLst>
+  <p:notesMasterIdLst>
+    <p:notesMasterId r:id="rId17"/>
+  </p:notesMasterIdLst>
   <p:sldIdLst>
     <p:sldId id="256" r:id="rId2"/>
     <p:sldId id="260" r:id="rId3"/>
@@ -18,6 +21,8 @@
     <p:sldId id="265" r:id="rId12"/>
     <p:sldId id="267" r:id="rId13"/>
     <p:sldId id="268" r:id="rId14"/>
+    <p:sldId id="270" r:id="rId15"/>
+    <p:sldId id="269" r:id="rId16"/>
   </p:sldIdLst>
   <p:sldSz cx="12192000" cy="6858000"/>
   <p:notesSz cx="6858000" cy="9144000"/>
@@ -846,6 +851,529 @@
 </pc:chgInfo>
 </file>
 
+<file path=ppt/notesMasters/notesMaster1.xml><?xml version="1.0" encoding="utf-8"?>
+<p:notesMaster xmlns:a="http://schemas.openxmlformats.org/drawingml/2006/main" xmlns:r="http://schemas.openxmlformats.org/officeDocument/2006/relationships" xmlns:p="http://schemas.openxmlformats.org/presentationml/2006/main">
+  <p:cSld>
+    <p:bg>
+      <p:bgRef idx="1001">
+        <a:schemeClr val="bg1"/>
+      </p:bgRef>
+    </p:bg>
+    <p:spTree>
+      <p:nvGrpSpPr>
+        <p:cNvPr id="1" name=""/>
+        <p:cNvGrpSpPr/>
+        <p:nvPr/>
+      </p:nvGrpSpPr>
+      <p:grpSpPr>
+        <a:xfrm>
+          <a:off x="0" y="0"/>
+          <a:ext cx="0" cy="0"/>
+          <a:chOff x="0" y="0"/>
+          <a:chExt cx="0" cy="0"/>
+        </a:xfrm>
+      </p:grpSpPr>
+      <p:sp>
+        <p:nvSpPr>
+          <p:cNvPr id="2" name="Header Placeholder 1"/>
+          <p:cNvSpPr>
+            <a:spLocks noGrp="1"/>
+          </p:cNvSpPr>
+          <p:nvPr>
+            <p:ph type="hdr" sz="quarter"/>
+          </p:nvPr>
+        </p:nvSpPr>
+        <p:spPr>
+          <a:xfrm>
+            <a:off x="0" y="0"/>
+            <a:ext cx="2971800" cy="458788"/>
+          </a:xfrm>
+          <a:prstGeom prst="rect">
+            <a:avLst/>
+          </a:prstGeom>
+        </p:spPr>
+        <p:txBody>
+          <a:bodyPr vert="horz" lIns="91440" tIns="45720" rIns="91440" bIns="45720" rtlCol="0"/>
+          <a:lstStyle>
+            <a:lvl1pPr algn="l">
+              <a:defRPr sz="1200"/>
+            </a:lvl1pPr>
+          </a:lstStyle>
+          <a:p>
+            <a:endParaRPr lang="en-US"/>
+          </a:p>
+        </p:txBody>
+      </p:sp>
+      <p:sp>
+        <p:nvSpPr>
+          <p:cNvPr id="3" name="Date Placeholder 2"/>
+          <p:cNvSpPr>
+            <a:spLocks noGrp="1"/>
+          </p:cNvSpPr>
+          <p:nvPr>
+            <p:ph type="dt" idx="1"/>
+          </p:nvPr>
+        </p:nvSpPr>
+        <p:spPr>
+          <a:xfrm>
+            <a:off x="3884613" y="0"/>
+            <a:ext cx="2971800" cy="458788"/>
+          </a:xfrm>
+          <a:prstGeom prst="rect">
+            <a:avLst/>
+          </a:prstGeom>
+        </p:spPr>
+        <p:txBody>
+          <a:bodyPr vert="horz" lIns="91440" tIns="45720" rIns="91440" bIns="45720" rtlCol="0"/>
+          <a:lstStyle>
+            <a:lvl1pPr algn="r">
+              <a:defRPr sz="1200"/>
+            </a:lvl1pPr>
+          </a:lstStyle>
+          <a:p>
+            <a:fld id="{C73643FF-4940-4180-AB63-13EDBDCA489D}" type="datetimeFigureOut">
+              <a:rPr lang="en-US" smtClean="0"/>
+              <a:t>12/27/2023</a:t>
+            </a:fld>
+            <a:endParaRPr lang="en-US"/>
+          </a:p>
+        </p:txBody>
+      </p:sp>
+      <p:sp>
+        <p:nvSpPr>
+          <p:cNvPr id="4" name="Slide Image Placeholder 3"/>
+          <p:cNvSpPr>
+            <a:spLocks noGrp="1" noRot="1" noChangeAspect="1"/>
+          </p:cNvSpPr>
+          <p:nvPr>
+            <p:ph type="sldImg" idx="2"/>
+          </p:nvPr>
+        </p:nvSpPr>
+        <p:spPr>
+          <a:xfrm>
+            <a:off x="685800" y="1143000"/>
+            <a:ext cx="5486400" cy="3086100"/>
+          </a:xfrm>
+          <a:prstGeom prst="rect">
+            <a:avLst/>
+          </a:prstGeom>
+          <a:noFill/>
+          <a:ln w="12700">
+            <a:solidFill>
+              <a:prstClr val="black"/>
+            </a:solidFill>
+          </a:ln>
+        </p:spPr>
+        <p:txBody>
+          <a:bodyPr vert="horz" lIns="91440" tIns="45720" rIns="91440" bIns="45720" rtlCol="0" anchor="ctr"/>
+          <a:lstStyle/>
+          <a:p>
+            <a:endParaRPr lang="en-US"/>
+          </a:p>
+        </p:txBody>
+      </p:sp>
+      <p:sp>
+        <p:nvSpPr>
+          <p:cNvPr id="5" name="Notes Placeholder 4"/>
+          <p:cNvSpPr>
+            <a:spLocks noGrp="1"/>
+          </p:cNvSpPr>
+          <p:nvPr>
+            <p:ph type="body" sz="quarter" idx="3"/>
+          </p:nvPr>
+        </p:nvSpPr>
+        <p:spPr>
+          <a:xfrm>
+            <a:off x="685800" y="4400550"/>
+            <a:ext cx="5486400" cy="3600450"/>
+          </a:xfrm>
+          <a:prstGeom prst="rect">
+            <a:avLst/>
+          </a:prstGeom>
+        </p:spPr>
+        <p:txBody>
+          <a:bodyPr vert="horz" lIns="91440" tIns="45720" rIns="91440" bIns="45720" rtlCol="0"/>
+          <a:lstStyle/>
+          <a:p>
+            <a:pPr lvl="0"/>
+            <a:r>
+              <a:rPr lang="en-US"/>
+              <a:t>Click to edit Master text styles</a:t>
+            </a:r>
+          </a:p>
+          <a:p>
+            <a:pPr lvl="1"/>
+            <a:r>
+              <a:rPr lang="en-US"/>
+              <a:t>Second level</a:t>
+            </a:r>
+          </a:p>
+          <a:p>
+            <a:pPr lvl="2"/>
+            <a:r>
+              <a:rPr lang="en-US"/>
+              <a:t>Third level</a:t>
+            </a:r>
+          </a:p>
+          <a:p>
+            <a:pPr lvl="3"/>
+            <a:r>
+              <a:rPr lang="en-US"/>
+              <a:t>Fourth level</a:t>
+            </a:r>
+          </a:p>
+          <a:p>
+            <a:pPr lvl="4"/>
+            <a:r>
+              <a:rPr lang="en-US"/>
+              <a:t>Fifth level</a:t>
+            </a:r>
+          </a:p>
+        </p:txBody>
+      </p:sp>
+      <p:sp>
+        <p:nvSpPr>
+          <p:cNvPr id="6" name="Footer Placeholder 5"/>
+          <p:cNvSpPr>
+            <a:spLocks noGrp="1"/>
+          </p:cNvSpPr>
+          <p:nvPr>
+            <p:ph type="ftr" sz="quarter" idx="4"/>
+          </p:nvPr>
+        </p:nvSpPr>
+        <p:spPr>
+          <a:xfrm>
+            <a:off x="0" y="8685213"/>
+            <a:ext cx="2971800" cy="458787"/>
+          </a:xfrm>
+          <a:prstGeom prst="rect">
+            <a:avLst/>
+          </a:prstGeom>
+        </p:spPr>
+        <p:txBody>
+          <a:bodyPr vert="horz" lIns="91440" tIns="45720" rIns="91440" bIns="45720" rtlCol="0" anchor="b"/>
+          <a:lstStyle>
+            <a:lvl1pPr algn="l">
+              <a:defRPr sz="1200"/>
+            </a:lvl1pPr>
+          </a:lstStyle>
+          <a:p>
+            <a:endParaRPr lang="en-US"/>
+          </a:p>
+        </p:txBody>
+      </p:sp>
+      <p:sp>
+        <p:nvSpPr>
+          <p:cNvPr id="7" name="Slide Number Placeholder 6"/>
+          <p:cNvSpPr>
+            <a:spLocks noGrp="1"/>
+          </p:cNvSpPr>
+          <p:nvPr>
+            <p:ph type="sldNum" sz="quarter" idx="5"/>
+          </p:nvPr>
+        </p:nvSpPr>
+        <p:spPr>
+          <a:xfrm>
+            <a:off x="3884613" y="8685213"/>
+            <a:ext cx="2971800" cy="458787"/>
+          </a:xfrm>
+          <a:prstGeom prst="rect">
+            <a:avLst/>
+          </a:prstGeom>
+        </p:spPr>
+        <p:txBody>
+          <a:bodyPr vert="horz" lIns="91440" tIns="45720" rIns="91440" bIns="45720" rtlCol="0" anchor="b"/>
+          <a:lstStyle>
+            <a:lvl1pPr algn="r">
+              <a:defRPr sz="1200"/>
+            </a:lvl1pPr>
+          </a:lstStyle>
+          <a:p>
+            <a:fld id="{F87F81AC-F44D-470F-B7F5-0DF799C5A679}" type="slidenum">
+              <a:rPr lang="en-US" smtClean="0"/>
+              <a:t>‹#›</a:t>
+            </a:fld>
+            <a:endParaRPr lang="en-US"/>
+          </a:p>
+        </p:txBody>
+      </p:sp>
+    </p:spTree>
+    <p:extLst>
+      <p:ext uri="{BB962C8B-B14F-4D97-AF65-F5344CB8AC3E}">
+        <p14:creationId xmlns:p14="http://schemas.microsoft.com/office/powerpoint/2010/main" val="417662294"/>
+      </p:ext>
+    </p:extLst>
+  </p:cSld>
+  <p:clrMap bg1="lt1" tx1="dk1" bg2="lt2" tx2="dk2" accent1="accent1" accent2="accent2" accent3="accent3" accent4="accent4" accent5="accent5" accent6="accent6" hlink="hlink" folHlink="folHlink"/>
+  <p:notesStyle>
+    <a:lvl1pPr marL="0" algn="l" defTabSz="914400" rtl="0" eaLnBrk="1" latinLnBrk="0" hangingPunct="1">
+      <a:defRPr sz="1200" kern="1200">
+        <a:solidFill>
+          <a:schemeClr val="tx1"/>
+        </a:solidFill>
+        <a:latin typeface="+mn-lt"/>
+        <a:ea typeface="+mn-ea"/>
+        <a:cs typeface="+mn-cs"/>
+      </a:defRPr>
+    </a:lvl1pPr>
+    <a:lvl2pPr marL="457200" algn="l" defTabSz="914400" rtl="0" eaLnBrk="1" latinLnBrk="0" hangingPunct="1">
+      <a:defRPr sz="1200" kern="1200">
+        <a:solidFill>
+          <a:schemeClr val="tx1"/>
+        </a:solidFill>
+        <a:latin typeface="+mn-lt"/>
+        <a:ea typeface="+mn-ea"/>
+        <a:cs typeface="+mn-cs"/>
+      </a:defRPr>
+    </a:lvl2pPr>
+    <a:lvl3pPr marL="914400" algn="l" defTabSz="914400" rtl="0" eaLnBrk="1" latinLnBrk="0" hangingPunct="1">
+      <a:defRPr sz="1200" kern="1200">
+        <a:solidFill>
+          <a:schemeClr val="tx1"/>
+        </a:solidFill>
+        <a:latin typeface="+mn-lt"/>
+        <a:ea typeface="+mn-ea"/>
+        <a:cs typeface="+mn-cs"/>
+      </a:defRPr>
+    </a:lvl3pPr>
+    <a:lvl4pPr marL="1371600" algn="l" defTabSz="914400" rtl="0" eaLnBrk="1" latinLnBrk="0" hangingPunct="1">
+      <a:defRPr sz="1200" kern="1200">
+        <a:solidFill>
+          <a:schemeClr val="tx1"/>
+        </a:solidFill>
+        <a:latin typeface="+mn-lt"/>
+        <a:ea typeface="+mn-ea"/>
+        <a:cs typeface="+mn-cs"/>
+      </a:defRPr>
+    </a:lvl4pPr>
+    <a:lvl5pPr marL="1828800" algn="l" defTabSz="914400" rtl="0" eaLnBrk="1" latinLnBrk="0" hangingPunct="1">
+      <a:defRPr sz="1200" kern="1200">
+        <a:solidFill>
+          <a:schemeClr val="tx1"/>
+        </a:solidFill>
+        <a:latin typeface="+mn-lt"/>
+        <a:ea typeface="+mn-ea"/>
+        <a:cs typeface="+mn-cs"/>
+      </a:defRPr>
+    </a:lvl5pPr>
+    <a:lvl6pPr marL="2286000" algn="l" defTabSz="914400" rtl="0" eaLnBrk="1" latinLnBrk="0" hangingPunct="1">
+      <a:defRPr sz="1200" kern="1200">
+        <a:solidFill>
+          <a:schemeClr val="tx1"/>
+        </a:solidFill>
+        <a:latin typeface="+mn-lt"/>
+        <a:ea typeface="+mn-ea"/>
+        <a:cs typeface="+mn-cs"/>
+      </a:defRPr>
+    </a:lvl6pPr>
+    <a:lvl7pPr marL="2743200" algn="l" defTabSz="914400" rtl="0" eaLnBrk="1" latinLnBrk="0" hangingPunct="1">
+      <a:defRPr sz="1200" kern="1200">
+        <a:solidFill>
+          <a:schemeClr val="tx1"/>
+        </a:solidFill>
+        <a:latin typeface="+mn-lt"/>
+        <a:ea typeface="+mn-ea"/>
+        <a:cs typeface="+mn-cs"/>
+      </a:defRPr>
+    </a:lvl7pPr>
+    <a:lvl8pPr marL="3200400" algn="l" defTabSz="914400" rtl="0" eaLnBrk="1" latinLnBrk="0" hangingPunct="1">
+      <a:defRPr sz="1200" kern="1200">
+        <a:solidFill>
+          <a:schemeClr val="tx1"/>
+        </a:solidFill>
+        <a:latin typeface="+mn-lt"/>
+        <a:ea typeface="+mn-ea"/>
+        <a:cs typeface="+mn-cs"/>
+      </a:defRPr>
+    </a:lvl8pPr>
+    <a:lvl9pPr marL="3657600" algn="l" defTabSz="914400" rtl="0" eaLnBrk="1" latinLnBrk="0" hangingPunct="1">
+      <a:defRPr sz="1200" kern="1200">
+        <a:solidFill>
+          <a:schemeClr val="tx1"/>
+        </a:solidFill>
+        <a:latin typeface="+mn-lt"/>
+        <a:ea typeface="+mn-ea"/>
+        <a:cs typeface="+mn-cs"/>
+      </a:defRPr>
+    </a:lvl9pPr>
+  </p:notesStyle>
+</p:notesMaster>
+</file>
+
+<file path=ppt/notesSlides/notesSlide1.xml><?xml version="1.0" encoding="utf-8"?>
+<p:notes xmlns:a="http://schemas.openxmlformats.org/drawingml/2006/main" xmlns:r="http://schemas.openxmlformats.org/officeDocument/2006/relationships" xmlns:p="http://schemas.openxmlformats.org/presentationml/2006/main">
+  <p:cSld>
+    <p:spTree>
+      <p:nvGrpSpPr>
+        <p:cNvPr id="1" name=""/>
+        <p:cNvGrpSpPr/>
+        <p:nvPr/>
+      </p:nvGrpSpPr>
+      <p:grpSpPr>
+        <a:xfrm>
+          <a:off x="0" y="0"/>
+          <a:ext cx="0" cy="0"/>
+          <a:chOff x="0" y="0"/>
+          <a:chExt cx="0" cy="0"/>
+        </a:xfrm>
+      </p:grpSpPr>
+      <p:sp>
+        <p:nvSpPr>
+          <p:cNvPr id="2" name="Slide Image Placeholder 1"/>
+          <p:cNvSpPr>
+            <a:spLocks noGrp="1" noRot="1" noChangeAspect="1"/>
+          </p:cNvSpPr>
+          <p:nvPr>
+            <p:ph type="sldImg"/>
+          </p:nvPr>
+        </p:nvSpPr>
+        <p:spPr/>
+      </p:sp>
+      <p:sp>
+        <p:nvSpPr>
+          <p:cNvPr id="3" name="Notes Placeholder 2"/>
+          <p:cNvSpPr>
+            <a:spLocks noGrp="1"/>
+          </p:cNvSpPr>
+          <p:nvPr>
+            <p:ph type="body" idx="1"/>
+          </p:nvPr>
+        </p:nvSpPr>
+        <p:spPr/>
+        <p:txBody>
+          <a:bodyPr/>
+          <a:lstStyle/>
+          <a:p>
+            <a:r>
+              <a:rPr lang="it-IT" dirty="0"/>
+              <a:t>Frame skip steps paper https://arxiv.org/pdf/1605.05365.pdf: </a:t>
+            </a:r>
+            <a:r>
+              <a:rPr lang="it-IT" dirty="0" err="1"/>
+              <a:t>Uses</a:t>
+            </a:r>
+            <a:r>
+              <a:rPr lang="it-IT" dirty="0"/>
+              <a:t> only 2 </a:t>
+            </a:r>
+            <a:r>
+              <a:rPr lang="it-IT" dirty="0" err="1"/>
+              <a:t>possible</a:t>
+            </a:r>
+            <a:r>
+              <a:rPr lang="it-IT" dirty="0"/>
+              <a:t> frame skips, long short (and they call it </a:t>
+            </a:r>
+            <a:r>
+              <a:rPr lang="it-IT" dirty="0" err="1"/>
+              <a:t>dynamic</a:t>
+            </a:r>
+            <a:r>
+              <a:rPr lang="it-IT" dirty="0"/>
+              <a:t>). «</a:t>
+            </a:r>
+            <a:r>
+              <a:rPr lang="en-US" dirty="0"/>
+              <a:t>The idea of dynamic length temporal abstractions in the policy space on Atari Domain has been explored by [</a:t>
+            </a:r>
+            <a:r>
+              <a:rPr lang="en-US" dirty="0" err="1"/>
+              <a:t>Vafadost</a:t>
+            </a:r>
+            <a:r>
+              <a:rPr lang="en-US" dirty="0"/>
+              <a:t>, 2013]. They use a Monte Carlo Tree Search (MCTS) planner with macro-actions that are composed of the same action repeated k times, for different k. The way in which our approach differs from [</a:t>
+            </a:r>
+            <a:r>
+              <a:rPr lang="en-US" dirty="0" err="1"/>
+              <a:t>Vafadost</a:t>
+            </a:r>
+            <a:r>
+              <a:rPr lang="en-US" dirty="0"/>
+              <a:t>, 2013] is in terms of using DQN to build neural network Q-value approximators instead of making use of search techniques that cannot generalize.”</a:t>
+            </a:r>
+          </a:p>
+          <a:p>
+            <a:endParaRPr lang="en-US" dirty="0"/>
+          </a:p>
+          <a:p>
+            <a:r>
+              <a:rPr lang="en-US" dirty="0"/>
+              <a:t>Predict action + duration : </a:t>
+            </a:r>
+            <a:r>
+              <a:rPr lang="en-US" dirty="0" err="1"/>
+              <a:t>FiGar</a:t>
+            </a:r>
+            <a:r>
+              <a:rPr lang="en-US" dirty="0"/>
+              <a:t> https://openreview.net/forum?id=B1GOWV5eg </a:t>
+            </a:r>
+          </a:p>
+          <a:p>
+            <a:endParaRPr lang="en-US" dirty="0"/>
+          </a:p>
+          <a:p>
+            <a:r>
+              <a:rPr lang="en-US" dirty="0"/>
+              <a:t>My idea: maybe choose an action, fourth one, with meaning “keep action”, so output just actions, not duration</a:t>
+            </a:r>
+          </a:p>
+          <a:p>
+            <a:endParaRPr lang="en-US" dirty="0"/>
+          </a:p>
+          <a:p>
+            <a:r>
+              <a:rPr lang="en-US" dirty="0"/>
+              <a:t>Hold for minimum n steps : https://stackoverflow.com/questions/62562463/constraining-a-neural-networks-output-to-be-within-an-arbitrary-range (minimum duration controlling the </a:t>
+            </a:r>
+            <a:r>
+              <a:rPr lang="en-US" dirty="0" err="1"/>
+              <a:t>actiovation</a:t>
+            </a:r>
+            <a:r>
+              <a:rPr lang="en-US" dirty="0"/>
+              <a:t> function output)</a:t>
+            </a:r>
+          </a:p>
+        </p:txBody>
+      </p:sp>
+      <p:sp>
+        <p:nvSpPr>
+          <p:cNvPr id="4" name="Slide Number Placeholder 3"/>
+          <p:cNvSpPr>
+            <a:spLocks noGrp="1"/>
+          </p:cNvSpPr>
+          <p:nvPr>
+            <p:ph type="sldNum" sz="quarter" idx="5"/>
+          </p:nvPr>
+        </p:nvSpPr>
+        <p:spPr/>
+        <p:txBody>
+          <a:bodyPr/>
+          <a:lstStyle/>
+          <a:p>
+            <a:fld id="{F87F81AC-F44D-470F-B7F5-0DF799C5A679}" type="slidenum">
+              <a:rPr lang="en-US" smtClean="0"/>
+              <a:t>5</a:t>
+            </a:fld>
+            <a:endParaRPr lang="en-US"/>
+          </a:p>
+        </p:txBody>
+      </p:sp>
+    </p:spTree>
+    <p:extLst>
+      <p:ext uri="{BB962C8B-B14F-4D97-AF65-F5344CB8AC3E}">
+        <p14:creationId xmlns:p14="http://schemas.microsoft.com/office/powerpoint/2010/main" val="1981168457"/>
+      </p:ext>
+    </p:extLst>
+  </p:cSld>
+  <p:clrMapOvr>
+    <a:masterClrMapping/>
+  </p:clrMapOvr>
+</p:notes>
+</file>
+
 <file path=ppt/slideLayouts/slideLayout1.xml><?xml version="1.0" encoding="utf-8"?>
 <p:sldLayout xmlns:a="http://schemas.openxmlformats.org/drawingml/2006/main" xmlns:r="http://schemas.openxmlformats.org/officeDocument/2006/relationships" xmlns:p="http://schemas.openxmlformats.org/presentationml/2006/main" type="title" preserve="1">
   <p:cSld name="Title Slide">
@@ -993,7 +1521,7 @@
           <a:p>
             <a:fld id="{6F938B85-6EAB-4F38-BDA4-E1B0B96483B1}" type="datetimeFigureOut">
               <a:rPr lang="en-US" smtClean="0"/>
-              <a:t>17-Dec-23</a:t>
+              <a:t>12/27/2023</a:t>
             </a:fld>
             <a:endParaRPr lang="en-US"/>
           </a:p>
@@ -1191,7 +1719,7 @@
           <a:p>
             <a:fld id="{6F938B85-6EAB-4F38-BDA4-E1B0B96483B1}" type="datetimeFigureOut">
               <a:rPr lang="en-US" smtClean="0"/>
-              <a:t>17-Dec-23</a:t>
+              <a:t>12/27/2023</a:t>
             </a:fld>
             <a:endParaRPr lang="en-US"/>
           </a:p>
@@ -1399,7 +1927,7 @@
           <a:p>
             <a:fld id="{6F938B85-6EAB-4F38-BDA4-E1B0B96483B1}" type="datetimeFigureOut">
               <a:rPr lang="en-US" smtClean="0"/>
-              <a:t>17-Dec-23</a:t>
+              <a:t>12/27/2023</a:t>
             </a:fld>
             <a:endParaRPr lang="en-US"/>
           </a:p>
@@ -1597,7 +2125,7 @@
           <a:p>
             <a:fld id="{6F938B85-6EAB-4F38-BDA4-E1B0B96483B1}" type="datetimeFigureOut">
               <a:rPr lang="en-US" smtClean="0"/>
-              <a:t>17-Dec-23</a:t>
+              <a:t>12/27/2023</a:t>
             </a:fld>
             <a:endParaRPr lang="en-US"/>
           </a:p>
@@ -1872,7 +2400,7 @@
           <a:p>
             <a:fld id="{6F938B85-6EAB-4F38-BDA4-E1B0B96483B1}" type="datetimeFigureOut">
               <a:rPr lang="en-US" smtClean="0"/>
-              <a:t>17-Dec-23</a:t>
+              <a:t>12/27/2023</a:t>
             </a:fld>
             <a:endParaRPr lang="en-US"/>
           </a:p>
@@ -2137,7 +2665,7 @@
           <a:p>
             <a:fld id="{6F938B85-6EAB-4F38-BDA4-E1B0B96483B1}" type="datetimeFigureOut">
               <a:rPr lang="en-US" smtClean="0"/>
-              <a:t>17-Dec-23</a:t>
+              <a:t>12/27/2023</a:t>
             </a:fld>
             <a:endParaRPr lang="en-US"/>
           </a:p>
@@ -2549,7 +3077,7 @@
           <a:p>
             <a:fld id="{6F938B85-6EAB-4F38-BDA4-E1B0B96483B1}" type="datetimeFigureOut">
               <a:rPr lang="en-US" smtClean="0"/>
-              <a:t>17-Dec-23</a:t>
+              <a:t>12/27/2023</a:t>
             </a:fld>
             <a:endParaRPr lang="en-US"/>
           </a:p>
@@ -2690,7 +3218,7 @@
           <a:p>
             <a:fld id="{6F938B85-6EAB-4F38-BDA4-E1B0B96483B1}" type="datetimeFigureOut">
               <a:rPr lang="en-US" smtClean="0"/>
-              <a:t>17-Dec-23</a:t>
+              <a:t>12/27/2023</a:t>
             </a:fld>
             <a:endParaRPr lang="en-US"/>
           </a:p>
@@ -2803,7 +3331,7 @@
           <a:p>
             <a:fld id="{6F938B85-6EAB-4F38-BDA4-E1B0B96483B1}" type="datetimeFigureOut">
               <a:rPr lang="en-US" smtClean="0"/>
-              <a:t>17-Dec-23</a:t>
+              <a:t>12/27/2023</a:t>
             </a:fld>
             <a:endParaRPr lang="en-US"/>
           </a:p>
@@ -3114,7 +3642,7 @@
           <a:p>
             <a:fld id="{6F938B85-6EAB-4F38-BDA4-E1B0B96483B1}" type="datetimeFigureOut">
               <a:rPr lang="en-US" smtClean="0"/>
-              <a:t>17-Dec-23</a:t>
+              <a:t>12/27/2023</a:t>
             </a:fld>
             <a:endParaRPr lang="en-US"/>
           </a:p>
@@ -3402,7 +3930,7 @@
           <a:p>
             <a:fld id="{6F938B85-6EAB-4F38-BDA4-E1B0B96483B1}" type="datetimeFigureOut">
               <a:rPr lang="en-US" smtClean="0"/>
-              <a:t>17-Dec-23</a:t>
+              <a:t>12/27/2023</a:t>
             </a:fld>
             <a:endParaRPr lang="en-US"/>
           </a:p>
@@ -3643,7 +4171,7 @@
           <a:p>
             <a:fld id="{6F938B85-6EAB-4F38-BDA4-E1B0B96483B1}" type="datetimeFigureOut">
               <a:rPr lang="en-US" smtClean="0"/>
-              <a:t>17-Dec-23</a:t>
+              <a:t>12/27/2023</a:t>
             </a:fld>
             <a:endParaRPr lang="en-US"/>
           </a:p>
@@ -4805,6 +5333,418 @@
 </p:sld>
 </file>
 
+<file path=ppt/slides/slide14.xml><?xml version="1.0" encoding="utf-8"?>
+<p:sld xmlns:a="http://schemas.openxmlformats.org/drawingml/2006/main" xmlns:r="http://schemas.openxmlformats.org/officeDocument/2006/relationships" xmlns:p="http://schemas.openxmlformats.org/presentationml/2006/main">
+  <p:cSld>
+    <p:spTree>
+      <p:nvGrpSpPr>
+        <p:cNvPr id="1" name=""/>
+        <p:cNvGrpSpPr/>
+        <p:nvPr/>
+      </p:nvGrpSpPr>
+      <p:grpSpPr>
+        <a:xfrm>
+          <a:off x="0" y="0"/>
+          <a:ext cx="0" cy="0"/>
+          <a:chOff x="0" y="0"/>
+          <a:chExt cx="0" cy="0"/>
+        </a:xfrm>
+      </p:grpSpPr>
+      <p:sp>
+        <p:nvSpPr>
+          <p:cNvPr id="2" name="Title 1">
+            <a:extLst>
+              <a:ext uri="{FF2B5EF4-FFF2-40B4-BE49-F238E27FC236}">
+                <a16:creationId xmlns:a16="http://schemas.microsoft.com/office/drawing/2014/main" id="{31A04D7E-E0C9-5094-064F-128DA505441A}"/>
+              </a:ext>
+            </a:extLst>
+          </p:cNvPr>
+          <p:cNvSpPr>
+            <a:spLocks noGrp="1"/>
+          </p:cNvSpPr>
+          <p:nvPr>
+            <p:ph type="title"/>
+          </p:nvPr>
+        </p:nvSpPr>
+        <p:spPr/>
+        <p:txBody>
+          <a:bodyPr/>
+          <a:lstStyle/>
+          <a:p>
+            <a:r>
+              <a:rPr lang="it-IT" dirty="0"/>
+              <a:t>Update 28/12/2023</a:t>
+            </a:r>
+            <a:endParaRPr lang="en-US" dirty="0"/>
+          </a:p>
+        </p:txBody>
+      </p:sp>
+      <p:sp>
+        <p:nvSpPr>
+          <p:cNvPr id="3" name="Content Placeholder 2">
+            <a:extLst>
+              <a:ext uri="{FF2B5EF4-FFF2-40B4-BE49-F238E27FC236}">
+                <a16:creationId xmlns:a16="http://schemas.microsoft.com/office/drawing/2014/main" id="{B99EBEFA-CA77-2314-118D-98B47DE3019A}"/>
+              </a:ext>
+            </a:extLst>
+          </p:cNvPr>
+          <p:cNvSpPr>
+            <a:spLocks noGrp="1"/>
+          </p:cNvSpPr>
+          <p:nvPr>
+            <p:ph idx="1"/>
+          </p:nvPr>
+        </p:nvSpPr>
+        <p:spPr/>
+        <p:txBody>
+          <a:bodyPr>
+            <a:normAutofit lnSpcReduction="10000"/>
+          </a:bodyPr>
+          <a:lstStyle/>
+          <a:p>
+            <a:r>
+              <a:rPr lang="it-IT" dirty="0" err="1"/>
+              <a:t>Consider</a:t>
+            </a:r>
+            <a:r>
+              <a:rPr lang="it-IT" dirty="0"/>
+              <a:t> </a:t>
+            </a:r>
+            <a:r>
+              <a:rPr lang="it-IT" dirty="0" err="1"/>
+              <a:t>experience</a:t>
+            </a:r>
+            <a:r>
+              <a:rPr lang="it-IT" dirty="0"/>
+              <a:t> replay, </a:t>
+            </a:r>
+            <a:r>
+              <a:rPr lang="it-IT" dirty="0">
+                <a:hlinkClick r:id="rId2"/>
+              </a:rPr>
+              <a:t>https://arxiv.org/pdf/1511.05952.pdf</a:t>
+            </a:r>
+            <a:r>
+              <a:rPr lang="it-IT" dirty="0"/>
+              <a:t>, check </a:t>
+            </a:r>
+            <a:r>
+              <a:rPr lang="it-IT" dirty="0" err="1"/>
+              <a:t>drl</a:t>
+            </a:r>
+            <a:r>
+              <a:rPr lang="it-IT" dirty="0"/>
+              <a:t> book </a:t>
+            </a:r>
+          </a:p>
+          <a:p>
+            <a:r>
+              <a:rPr lang="it-IT" dirty="0" err="1"/>
+              <a:t>Change</a:t>
+            </a:r>
+            <a:r>
+              <a:rPr lang="it-IT" dirty="0"/>
+              <a:t> </a:t>
+            </a:r>
+            <a:r>
+              <a:rPr lang="it-IT" dirty="0" err="1"/>
+              <a:t>reward</a:t>
+            </a:r>
+            <a:r>
+              <a:rPr lang="it-IT" dirty="0"/>
+              <a:t> </a:t>
+            </a:r>
+            <a:r>
+              <a:rPr lang="it-IT" dirty="0" err="1"/>
+              <a:t>function</a:t>
+            </a:r>
+            <a:r>
+              <a:rPr lang="it-IT" dirty="0"/>
+              <a:t>, </a:t>
+            </a:r>
+            <a:r>
+              <a:rPr lang="it-IT" dirty="0" err="1"/>
+              <a:t>enforce</a:t>
+            </a:r>
+            <a:r>
+              <a:rPr lang="it-IT" dirty="0"/>
+              <a:t> keeping one action, and </a:t>
+            </a:r>
+            <a:r>
+              <a:rPr lang="it-IT" dirty="0" err="1"/>
+              <a:t>try</a:t>
+            </a:r>
+            <a:r>
+              <a:rPr lang="it-IT" dirty="0"/>
+              <a:t> one task </a:t>
+            </a:r>
+            <a:r>
+              <a:rPr lang="it-IT" dirty="0" err="1"/>
+              <a:t>at</a:t>
+            </a:r>
+            <a:r>
+              <a:rPr lang="it-IT" dirty="0"/>
+              <a:t> a time! </a:t>
+            </a:r>
+          </a:p>
+          <a:p>
+            <a:r>
+              <a:rPr lang="it-IT" dirty="0" err="1"/>
+              <a:t>Try</a:t>
+            </a:r>
+            <a:r>
+              <a:rPr lang="it-IT" dirty="0"/>
+              <a:t> </a:t>
+            </a:r>
+            <a:r>
+              <a:rPr lang="it-IT" dirty="0" err="1"/>
+              <a:t>omitting</a:t>
+            </a:r>
+            <a:r>
+              <a:rPr lang="it-IT" dirty="0"/>
+              <a:t> duration as output and </a:t>
+            </a:r>
+            <a:r>
+              <a:rPr lang="it-IT" dirty="0" err="1"/>
+              <a:t>have</a:t>
+            </a:r>
+            <a:r>
+              <a:rPr lang="it-IT" dirty="0"/>
+              <a:t> an action «</a:t>
+            </a:r>
+            <a:r>
+              <a:rPr lang="it-IT" dirty="0" err="1"/>
+              <a:t>keep</a:t>
+            </a:r>
+            <a:r>
+              <a:rPr lang="it-IT" dirty="0"/>
+              <a:t>» (</a:t>
+            </a:r>
+            <a:r>
+              <a:rPr lang="it-IT" dirty="0" err="1"/>
+              <a:t>potentially</a:t>
+            </a:r>
+            <a:r>
+              <a:rPr lang="it-IT" dirty="0"/>
+              <a:t> innovative)</a:t>
+            </a:r>
+          </a:p>
+          <a:p>
+            <a:r>
+              <a:rPr lang="it-IT" dirty="0" err="1"/>
+              <a:t>Continuous</a:t>
+            </a:r>
+            <a:r>
+              <a:rPr lang="it-IT" dirty="0"/>
+              <a:t> control? NO, PREHEAT IS DISCRETE CONTROL </a:t>
+            </a:r>
+          </a:p>
+          <a:p>
+            <a:r>
+              <a:rPr lang="it-IT" dirty="0"/>
+              <a:t>RL-LSTM has </a:t>
+            </a:r>
+            <a:r>
+              <a:rPr lang="it-IT" dirty="0" err="1"/>
+              <a:t>nice</a:t>
+            </a:r>
+            <a:r>
+              <a:rPr lang="it-IT" dirty="0"/>
+              <a:t> </a:t>
+            </a:r>
+            <a:r>
+              <a:rPr lang="it-IT" dirty="0" err="1"/>
+              <a:t>ideas</a:t>
+            </a:r>
+            <a:endParaRPr lang="it-IT" dirty="0"/>
+          </a:p>
+          <a:p>
+            <a:r>
+              <a:rPr lang="it-IT" dirty="0" err="1"/>
+              <a:t>Since</a:t>
+            </a:r>
+            <a:r>
+              <a:rPr lang="it-IT" dirty="0"/>
+              <a:t> </a:t>
+            </a:r>
+            <a:r>
+              <a:rPr lang="it-IT" dirty="0" err="1"/>
+              <a:t>environment</a:t>
+            </a:r>
+            <a:r>
+              <a:rPr lang="it-IT" dirty="0"/>
+              <a:t> </a:t>
+            </a:r>
+            <a:r>
+              <a:rPr lang="it-IT" dirty="0" err="1"/>
+              <a:t>is</a:t>
+            </a:r>
+            <a:r>
+              <a:rPr lang="it-IT" dirty="0"/>
+              <a:t> </a:t>
+            </a:r>
+            <a:r>
+              <a:rPr lang="it-IT" dirty="0" err="1"/>
+              <a:t>resent</a:t>
+            </a:r>
+            <a:r>
+              <a:rPr lang="it-IT" dirty="0"/>
+              <a:t> (not so accurate but ok), also the Transformer, </a:t>
+            </a:r>
+            <a:r>
+              <a:rPr lang="it-IT" dirty="0" err="1"/>
+              <a:t>stitching</a:t>
+            </a:r>
+            <a:r>
+              <a:rPr lang="it-IT" dirty="0"/>
+              <a:t> can be </a:t>
+            </a:r>
+            <a:r>
+              <a:rPr lang="it-IT" dirty="0" err="1"/>
+              <a:t>considered</a:t>
+            </a:r>
+            <a:r>
+              <a:rPr lang="it-IT"/>
+              <a:t> still</a:t>
+            </a:r>
+            <a:endParaRPr lang="it-IT" dirty="0"/>
+          </a:p>
+          <a:p>
+            <a:endParaRPr lang="en-US" dirty="0"/>
+          </a:p>
+        </p:txBody>
+      </p:sp>
+    </p:spTree>
+    <p:extLst>
+      <p:ext uri="{BB962C8B-B14F-4D97-AF65-F5344CB8AC3E}">
+        <p14:creationId xmlns:p14="http://schemas.microsoft.com/office/powerpoint/2010/main" val="613936014"/>
+      </p:ext>
+    </p:extLst>
+  </p:cSld>
+  <p:clrMapOvr>
+    <a:masterClrMapping/>
+  </p:clrMapOvr>
+</p:sld>
+</file>
+
+<file path=ppt/slides/slide15.xml><?xml version="1.0" encoding="utf-8"?>
+<p:sld xmlns:a="http://schemas.openxmlformats.org/drawingml/2006/main" xmlns:r="http://schemas.openxmlformats.org/officeDocument/2006/relationships" xmlns:p="http://schemas.openxmlformats.org/presentationml/2006/main">
+  <p:cSld>
+    <p:spTree>
+      <p:nvGrpSpPr>
+        <p:cNvPr id="1" name=""/>
+        <p:cNvGrpSpPr/>
+        <p:nvPr/>
+      </p:nvGrpSpPr>
+      <p:grpSpPr>
+        <a:xfrm>
+          <a:off x="0" y="0"/>
+          <a:ext cx="0" cy="0"/>
+          <a:chOff x="0" y="0"/>
+          <a:chExt cx="0" cy="0"/>
+        </a:xfrm>
+      </p:grpSpPr>
+      <p:sp>
+        <p:nvSpPr>
+          <p:cNvPr id="2" name="Title 1">
+            <a:extLst>
+              <a:ext uri="{FF2B5EF4-FFF2-40B4-BE49-F238E27FC236}">
+                <a16:creationId xmlns:a16="http://schemas.microsoft.com/office/drawing/2014/main" id="{C62DEE83-F338-FCF3-C0AA-C727352CBEC0}"/>
+              </a:ext>
+            </a:extLst>
+          </p:cNvPr>
+          <p:cNvSpPr>
+            <a:spLocks noGrp="1"/>
+          </p:cNvSpPr>
+          <p:nvPr>
+            <p:ph type="title"/>
+          </p:nvPr>
+        </p:nvSpPr>
+        <p:spPr/>
+        <p:txBody>
+          <a:bodyPr/>
+          <a:lstStyle/>
+          <a:p>
+            <a:r>
+              <a:rPr lang="it-IT" dirty="0" err="1"/>
+              <a:t>Useful</a:t>
+            </a:r>
+            <a:r>
+              <a:rPr lang="it-IT" dirty="0"/>
+              <a:t> link</a:t>
+            </a:r>
+            <a:endParaRPr lang="en-US" dirty="0"/>
+          </a:p>
+        </p:txBody>
+      </p:sp>
+      <p:sp>
+        <p:nvSpPr>
+          <p:cNvPr id="3" name="Content Placeholder 2">
+            <a:extLst>
+              <a:ext uri="{FF2B5EF4-FFF2-40B4-BE49-F238E27FC236}">
+                <a16:creationId xmlns:a16="http://schemas.microsoft.com/office/drawing/2014/main" id="{01ECB57C-3C42-6CF2-F008-E255912D6037}"/>
+              </a:ext>
+            </a:extLst>
+          </p:cNvPr>
+          <p:cNvSpPr>
+            <a:spLocks noGrp="1"/>
+          </p:cNvSpPr>
+          <p:nvPr>
+            <p:ph idx="1"/>
+          </p:nvPr>
+        </p:nvSpPr>
+        <p:spPr/>
+        <p:txBody>
+          <a:bodyPr/>
+          <a:lstStyle/>
+          <a:p>
+            <a:r>
+              <a:rPr lang="it-IT" dirty="0"/>
+              <a:t>OpenAI </a:t>
+            </a:r>
+            <a:r>
+              <a:rPr lang="it-IT" dirty="0" err="1"/>
+              <a:t>overview</a:t>
+            </a:r>
+            <a:r>
+              <a:rPr lang="it-IT" dirty="0"/>
+              <a:t> of </a:t>
+            </a:r>
+            <a:r>
+              <a:rPr lang="it-IT" dirty="0" err="1"/>
+              <a:t>useful</a:t>
+            </a:r>
+            <a:r>
+              <a:rPr lang="it-IT" dirty="0"/>
+              <a:t> RL papers </a:t>
+            </a:r>
+            <a:r>
+              <a:rPr lang="it-IT" dirty="0">
+                <a:hlinkClick r:id="rId2"/>
+              </a:rPr>
+              <a:t>https://spinningup.openai.com/en/latest/spinningup/keypapers.html</a:t>
+            </a:r>
+            <a:r>
+              <a:rPr lang="it-IT" dirty="0"/>
+              <a:t> </a:t>
+            </a:r>
+            <a:endParaRPr lang="en-US" dirty="0"/>
+          </a:p>
+        </p:txBody>
+      </p:sp>
+    </p:spTree>
+    <p:extLst>
+      <p:ext uri="{BB962C8B-B14F-4D97-AF65-F5344CB8AC3E}">
+        <p14:creationId xmlns:p14="http://schemas.microsoft.com/office/powerpoint/2010/main" val="3287244550"/>
+      </p:ext>
+    </p:extLst>
+  </p:cSld>
+  <p:clrMapOvr>
+    <a:masterClrMapping/>
+  </p:clrMapOvr>
+</p:sld>
+</file>
+
 <file path=ppt/slides/slide2.xml><?xml version="1.0" encoding="utf-8"?>
 <p:sld xmlns:a="http://schemas.openxmlformats.org/drawingml/2006/main" xmlns:r="http://schemas.openxmlformats.org/officeDocument/2006/relationships" xmlns:p="http://schemas.openxmlformats.org/presentationml/2006/main">
   <p:cSld>
@@ -7304,7 +8244,7 @@
           <p:nvPr/>
         </p:nvPicPr>
         <p:blipFill>
-          <a:blip r:embed="rId2">
+          <a:blip r:embed="rId3">
             <a:extLst>
               <a:ext uri="{28A0092B-C50C-407E-A947-70E740481C1C}">
                 <a14:useLocalDpi xmlns:a14="http://schemas.microsoft.com/office/drawing/2010/main" val="0"/>
@@ -7340,7 +8280,7 @@
           <p:nvPr/>
         </p:nvPicPr>
         <p:blipFill>
-          <a:blip r:embed="rId3">
+          <a:blip r:embed="rId4">
             <a:extLst>
               <a:ext uri="{28A0092B-C50C-407E-A947-70E740481C1C}">
                 <a14:useLocalDpi xmlns:a14="http://schemas.microsoft.com/office/drawing/2010/main" val="0"/>
@@ -7436,7 +8376,7 @@
                 <a:highlight>
                   <a:srgbClr val="FF00FF"/>
                 </a:highlight>
-                <a:hlinkClick r:id="rId4"/>
+                <a:hlinkClick r:id="rId5"/>
               </a:rPr>
               <a:t>https://rohan-v-thorat.github.io/pages/blogs/Deriving-Actor-Critic-method-along-with-some-intuition.html</a:t>
             </a:r>
@@ -7463,7 +8403,7 @@
                 <a:highlight>
                   <a:srgbClr val="FF00FF"/>
                 </a:highlight>
-                <a:hlinkClick r:id="rId5"/>
+                <a:hlinkClick r:id="rId6"/>
               </a:rPr>
               <a:t>https://discuss.pytorch.org/t/is-there-a-way-to-combine-classification-and-regression-in-single-model/165549/2</a:t>
             </a:r>
@@ -8666,4 +9606,299 @@
     </a:ext>
   </a:extLst>
 </a:theme>
+</file>
+
+<file path=ppt/theme/theme2.xml><?xml version="1.0" encoding="utf-8"?>
+<a:theme xmlns:a="http://schemas.openxmlformats.org/drawingml/2006/main" name="Office Theme">
+  <a:themeElements>
+    <a:clrScheme name="Office">
+      <a:dk1>
+        <a:sysClr val="windowText" lastClr="000000"/>
+      </a:dk1>
+      <a:lt1>
+        <a:sysClr val="window" lastClr="FFFFFF"/>
+      </a:lt1>
+      <a:dk2>
+        <a:srgbClr val="44546A"/>
+      </a:dk2>
+      <a:lt2>
+        <a:srgbClr val="E7E6E6"/>
+      </a:lt2>
+      <a:accent1>
+        <a:srgbClr val="4472C4"/>
+      </a:accent1>
+      <a:accent2>
+        <a:srgbClr val="ED7D31"/>
+      </a:accent2>
+      <a:accent3>
+        <a:srgbClr val="A5A5A5"/>
+      </a:accent3>
+      <a:accent4>
+        <a:srgbClr val="FFC000"/>
+      </a:accent4>
+      <a:accent5>
+        <a:srgbClr val="5B9BD5"/>
+      </a:accent5>
+      <a:accent6>
+        <a:srgbClr val="70AD47"/>
+      </a:accent6>
+      <a:hlink>
+        <a:srgbClr val="0563C1"/>
+      </a:hlink>
+      <a:folHlink>
+        <a:srgbClr val="954F72"/>
+      </a:folHlink>
+    </a:clrScheme>
+    <a:fontScheme name="Office">
+      <a:majorFont>
+        <a:latin typeface="Calibri Light" panose="020F0302020204030204"/>
+        <a:ea typeface=""/>
+        <a:cs typeface=""/>
+        <a:font script="Jpan" typeface="游ゴシック Light"/>
+        <a:font script="Hang" typeface="맑은 고딕"/>
+        <a:font script="Hans" typeface="等线 Light"/>
+        <a:font script="Hant" typeface="新細明體"/>
+        <a:font script="Arab" typeface="Times New Roman"/>
+        <a:font script="Hebr" typeface="Times New Roman"/>
+        <a:font script="Thai" typeface="Angsana New"/>
+        <a:font script="Ethi" typeface="Nyala"/>
+        <a:font script="Beng" typeface="Vrinda"/>
+        <a:font script="Gujr" typeface="Shruti"/>
+        <a:font script="Khmr" typeface="MoolBoran"/>
+        <a:font script="Knda" typeface="Tunga"/>
+        <a:font script="Guru" typeface="Raavi"/>
+        <a:font script="Cans" typeface="Euphemia"/>
+        <a:font script="Cher" typeface="Plantagenet Cherokee"/>
+        <a:font script="Yiii" typeface="Microsoft Yi Baiti"/>
+        <a:font script="Tibt" typeface="Microsoft Himalaya"/>
+        <a:font script="Thaa" typeface="MV Boli"/>
+        <a:font script="Deva" typeface="Mangal"/>
+        <a:font script="Telu" typeface="Gautami"/>
+        <a:font script="Taml" typeface="Latha"/>
+        <a:font script="Syrc" typeface="Estrangelo Edessa"/>
+        <a:font script="Orya" typeface="Kalinga"/>
+        <a:font script="Mlym" typeface="Kartika"/>
+        <a:font script="Laoo" typeface="DokChampa"/>
+        <a:font script="Sinh" typeface="Iskoola Pota"/>
+        <a:font script="Mong" typeface="Mongolian Baiti"/>
+        <a:font script="Viet" typeface="Times New Roman"/>
+        <a:font script="Uigh" typeface="Microsoft Uighur"/>
+        <a:font script="Geor" typeface="Sylfaen"/>
+        <a:font script="Armn" typeface="Arial"/>
+        <a:font script="Bugi" typeface="Leelawadee UI"/>
+        <a:font script="Bopo" typeface="Microsoft JhengHei"/>
+        <a:font script="Java" typeface="Javanese Text"/>
+        <a:font script="Lisu" typeface="Segoe UI"/>
+        <a:font script="Mymr" typeface="Myanmar Text"/>
+        <a:font script="Nkoo" typeface="Ebrima"/>
+        <a:font script="Olck" typeface="Nirmala UI"/>
+        <a:font script="Osma" typeface="Ebrima"/>
+        <a:font script="Phag" typeface="Phagspa"/>
+        <a:font script="Syrn" typeface="Estrangelo Edessa"/>
+        <a:font script="Syrj" typeface="Estrangelo Edessa"/>
+        <a:font script="Syre" typeface="Estrangelo Edessa"/>
+        <a:font script="Sora" typeface="Nirmala UI"/>
+        <a:font script="Tale" typeface="Microsoft Tai Le"/>
+        <a:font script="Talu" typeface="Microsoft New Tai Lue"/>
+        <a:font script="Tfng" typeface="Ebrima"/>
+      </a:majorFont>
+      <a:minorFont>
+        <a:latin typeface="Calibri" panose="020F0502020204030204"/>
+        <a:ea typeface=""/>
+        <a:cs typeface=""/>
+        <a:font script="Jpan" typeface="游ゴシック"/>
+        <a:font script="Hang" typeface="맑은 고딕"/>
+        <a:font script="Hans" typeface="等线"/>
+        <a:font script="Hant" typeface="新細明體"/>
+        <a:font script="Arab" typeface="Arial"/>
+        <a:font script="Hebr" typeface="Arial"/>
+        <a:font script="Thai" typeface="Cordia New"/>
+        <a:font script="Ethi" typeface="Nyala"/>
+        <a:font script="Beng" typeface="Vrinda"/>
+        <a:font script="Gujr" typeface="Shruti"/>
+        <a:font script="Khmr" typeface="DaunPenh"/>
+        <a:font script="Knda" typeface="Tunga"/>
+        <a:font script="Guru" typeface="Raavi"/>
+        <a:font script="Cans" typeface="Euphemia"/>
+        <a:font script="Cher" typeface="Plantagenet Cherokee"/>
+        <a:font script="Yiii" typeface="Microsoft Yi Baiti"/>
+        <a:font script="Tibt" typeface="Microsoft Himalaya"/>
+        <a:font script="Thaa" typeface="MV Boli"/>
+        <a:font script="Deva" typeface="Mangal"/>
+        <a:font script="Telu" typeface="Gautami"/>
+        <a:font script="Taml" typeface="Latha"/>
+        <a:font script="Syrc" typeface="Estrangelo Edessa"/>
+        <a:font script="Orya" typeface="Kalinga"/>
+        <a:font script="Mlym" typeface="Kartika"/>
+        <a:font script="Laoo" typeface="DokChampa"/>
+        <a:font script="Sinh" typeface="Iskoola Pota"/>
+        <a:font script="Mong" typeface="Mongolian Baiti"/>
+        <a:font script="Viet" typeface="Arial"/>
+        <a:font script="Uigh" typeface="Microsoft Uighur"/>
+        <a:font script="Geor" typeface="Sylfaen"/>
+        <a:font script="Armn" typeface="Arial"/>
+        <a:font script="Bugi" typeface="Leelawadee UI"/>
+        <a:font script="Bopo" typeface="Microsoft JhengHei"/>
+        <a:font script="Java" typeface="Javanese Text"/>
+        <a:font script="Lisu" typeface="Segoe UI"/>
+        <a:font script="Mymr" typeface="Myanmar Text"/>
+        <a:font script="Nkoo" typeface="Ebrima"/>
+        <a:font script="Olck" typeface="Nirmala UI"/>
+        <a:font script="Osma" typeface="Ebrima"/>
+        <a:font script="Phag" typeface="Phagspa"/>
+        <a:font script="Syrn" typeface="Estrangelo Edessa"/>
+        <a:font script="Syrj" typeface="Estrangelo Edessa"/>
+        <a:font script="Syre" typeface="Estrangelo Edessa"/>
+        <a:font script="Sora" typeface="Nirmala UI"/>
+        <a:font script="Tale" typeface="Microsoft Tai Le"/>
+        <a:font script="Talu" typeface="Microsoft New Tai Lue"/>
+        <a:font script="Tfng" typeface="Ebrima"/>
+      </a:minorFont>
+    </a:fontScheme>
+    <a:fmtScheme name="Office">
+      <a:fillStyleLst>
+        <a:solidFill>
+          <a:schemeClr val="phClr"/>
+        </a:solidFill>
+        <a:gradFill rotWithShape="1">
+          <a:gsLst>
+            <a:gs pos="0">
+              <a:schemeClr val="phClr">
+                <a:lumMod val="110000"/>
+                <a:satMod val="105000"/>
+                <a:tint val="67000"/>
+              </a:schemeClr>
+            </a:gs>
+            <a:gs pos="50000">
+              <a:schemeClr val="phClr">
+                <a:lumMod val="105000"/>
+                <a:satMod val="103000"/>
+                <a:tint val="73000"/>
+              </a:schemeClr>
+            </a:gs>
+            <a:gs pos="100000">
+              <a:schemeClr val="phClr">
+                <a:lumMod val="105000"/>
+                <a:satMod val="109000"/>
+                <a:tint val="81000"/>
+              </a:schemeClr>
+            </a:gs>
+          </a:gsLst>
+          <a:lin ang="5400000" scaled="0"/>
+        </a:gradFill>
+        <a:gradFill rotWithShape="1">
+          <a:gsLst>
+            <a:gs pos="0">
+              <a:schemeClr val="phClr">
+                <a:satMod val="103000"/>
+                <a:lumMod val="102000"/>
+                <a:tint val="94000"/>
+              </a:schemeClr>
+            </a:gs>
+            <a:gs pos="50000">
+              <a:schemeClr val="phClr">
+                <a:satMod val="110000"/>
+                <a:lumMod val="100000"/>
+                <a:shade val="100000"/>
+              </a:schemeClr>
+            </a:gs>
+            <a:gs pos="100000">
+              <a:schemeClr val="phClr">
+                <a:lumMod val="99000"/>
+                <a:satMod val="120000"/>
+                <a:shade val="78000"/>
+              </a:schemeClr>
+            </a:gs>
+          </a:gsLst>
+          <a:lin ang="5400000" scaled="0"/>
+        </a:gradFill>
+      </a:fillStyleLst>
+      <a:lnStyleLst>
+        <a:ln w="6350" cap="flat" cmpd="sng" algn="ctr">
+          <a:solidFill>
+            <a:schemeClr val="phClr"/>
+          </a:solidFill>
+          <a:prstDash val="solid"/>
+          <a:miter lim="800000"/>
+        </a:ln>
+        <a:ln w="12700" cap="flat" cmpd="sng" algn="ctr">
+          <a:solidFill>
+            <a:schemeClr val="phClr"/>
+          </a:solidFill>
+          <a:prstDash val="solid"/>
+          <a:miter lim="800000"/>
+        </a:ln>
+        <a:ln w="19050" cap="flat" cmpd="sng" algn="ctr">
+          <a:solidFill>
+            <a:schemeClr val="phClr"/>
+          </a:solidFill>
+          <a:prstDash val="solid"/>
+          <a:miter lim="800000"/>
+        </a:ln>
+      </a:lnStyleLst>
+      <a:effectStyleLst>
+        <a:effectStyle>
+          <a:effectLst/>
+        </a:effectStyle>
+        <a:effectStyle>
+          <a:effectLst/>
+        </a:effectStyle>
+        <a:effectStyle>
+          <a:effectLst>
+            <a:outerShdw blurRad="57150" dist="19050" dir="5400000" algn="ctr" rotWithShape="0">
+              <a:srgbClr val="000000">
+                <a:alpha val="63000"/>
+              </a:srgbClr>
+            </a:outerShdw>
+          </a:effectLst>
+        </a:effectStyle>
+      </a:effectStyleLst>
+      <a:bgFillStyleLst>
+        <a:solidFill>
+          <a:schemeClr val="phClr"/>
+        </a:solidFill>
+        <a:solidFill>
+          <a:schemeClr val="phClr">
+            <a:tint val="95000"/>
+            <a:satMod val="170000"/>
+          </a:schemeClr>
+        </a:solidFill>
+        <a:gradFill rotWithShape="1">
+          <a:gsLst>
+            <a:gs pos="0">
+              <a:schemeClr val="phClr">
+                <a:tint val="93000"/>
+                <a:satMod val="150000"/>
+                <a:shade val="98000"/>
+                <a:lumMod val="102000"/>
+              </a:schemeClr>
+            </a:gs>
+            <a:gs pos="50000">
+              <a:schemeClr val="phClr">
+                <a:tint val="98000"/>
+                <a:satMod val="130000"/>
+                <a:shade val="90000"/>
+                <a:lumMod val="103000"/>
+              </a:schemeClr>
+            </a:gs>
+            <a:gs pos="100000">
+              <a:schemeClr val="phClr">
+                <a:shade val="63000"/>
+                <a:satMod val="120000"/>
+              </a:schemeClr>
+            </a:gs>
+          </a:gsLst>
+          <a:lin ang="5400000" scaled="0"/>
+        </a:gradFill>
+      </a:bgFillStyleLst>
+    </a:fmtScheme>
+  </a:themeElements>
+  <a:objectDefaults/>
+  <a:extraClrSchemeLst/>
+  <a:extLst>
+    <a:ext uri="{05A4C25C-085E-4340-85A3-A5531E510DB2}">
+      <thm15:themeFamily xmlns:thm15="http://schemas.microsoft.com/office/thememl/2012/main" name="Office Theme" id="{62F939B6-93AF-4DB8-9C6B-D6C7DFDC589F}" vid="{4A3C46E8-61CC-4603-A589-7422A47A8E4A}"/>
+    </a:ext>
+  </a:extLst>
+</a:theme>
 </file>
--- a/thesis proposal planning pre-heat.pptx
+++ b/thesis proposal planning pre-heat.pptx
@@ -5,7 +5,7 @@
     <p:sldMasterId id="2147483648" r:id="rId1"/>
   </p:sldMasterIdLst>
   <p:notesMasterIdLst>
-    <p:notesMasterId r:id="rId17"/>
+    <p:notesMasterId r:id="rId18"/>
   </p:notesMasterIdLst>
   <p:sldIdLst>
     <p:sldId id="256" r:id="rId2"/>
@@ -22,7 +22,8 @@
     <p:sldId id="267" r:id="rId13"/>
     <p:sldId id="268" r:id="rId14"/>
     <p:sldId id="270" r:id="rId15"/>
-    <p:sldId id="269" r:id="rId16"/>
+    <p:sldId id="271" r:id="rId16"/>
+    <p:sldId id="269" r:id="rId17"/>
   </p:sldIdLst>
   <p:sldSz cx="12192000" cy="6858000"/>
   <p:notesSz cx="6858000" cy="9144000"/>
@@ -933,7 +934,7 @@
           <a:p>
             <a:fld id="{C73643FF-4940-4180-AB63-13EDBDCA489D}" type="datetimeFigureOut">
               <a:rPr lang="en-US" smtClean="0"/>
-              <a:t>12/27/2023</a:t>
+              <a:t>28-Dec-23</a:t>
             </a:fld>
             <a:endParaRPr lang="en-US"/>
           </a:p>
@@ -1521,7 +1522,7 @@
           <a:p>
             <a:fld id="{6F938B85-6EAB-4F38-BDA4-E1B0B96483B1}" type="datetimeFigureOut">
               <a:rPr lang="en-US" smtClean="0"/>
-              <a:t>12/27/2023</a:t>
+              <a:t>28-Dec-23</a:t>
             </a:fld>
             <a:endParaRPr lang="en-US"/>
           </a:p>
@@ -1719,7 +1720,7 @@
           <a:p>
             <a:fld id="{6F938B85-6EAB-4F38-BDA4-E1B0B96483B1}" type="datetimeFigureOut">
               <a:rPr lang="en-US" smtClean="0"/>
-              <a:t>12/27/2023</a:t>
+              <a:t>28-Dec-23</a:t>
             </a:fld>
             <a:endParaRPr lang="en-US"/>
           </a:p>
@@ -1927,7 +1928,7 @@
           <a:p>
             <a:fld id="{6F938B85-6EAB-4F38-BDA4-E1B0B96483B1}" type="datetimeFigureOut">
               <a:rPr lang="en-US" smtClean="0"/>
-              <a:t>12/27/2023</a:t>
+              <a:t>28-Dec-23</a:t>
             </a:fld>
             <a:endParaRPr lang="en-US"/>
           </a:p>
@@ -2125,7 +2126,7 @@
           <a:p>
             <a:fld id="{6F938B85-6EAB-4F38-BDA4-E1B0B96483B1}" type="datetimeFigureOut">
               <a:rPr lang="en-US" smtClean="0"/>
-              <a:t>12/27/2023</a:t>
+              <a:t>28-Dec-23</a:t>
             </a:fld>
             <a:endParaRPr lang="en-US"/>
           </a:p>
@@ -2400,7 +2401,7 @@
           <a:p>
             <a:fld id="{6F938B85-6EAB-4F38-BDA4-E1B0B96483B1}" type="datetimeFigureOut">
               <a:rPr lang="en-US" smtClean="0"/>
-              <a:t>12/27/2023</a:t>
+              <a:t>28-Dec-23</a:t>
             </a:fld>
             <a:endParaRPr lang="en-US"/>
           </a:p>
@@ -2665,7 +2666,7 @@
           <a:p>
             <a:fld id="{6F938B85-6EAB-4F38-BDA4-E1B0B96483B1}" type="datetimeFigureOut">
               <a:rPr lang="en-US" smtClean="0"/>
-              <a:t>12/27/2023</a:t>
+              <a:t>28-Dec-23</a:t>
             </a:fld>
             <a:endParaRPr lang="en-US"/>
           </a:p>
@@ -3077,7 +3078,7 @@
           <a:p>
             <a:fld id="{6F938B85-6EAB-4F38-BDA4-E1B0B96483B1}" type="datetimeFigureOut">
               <a:rPr lang="en-US" smtClean="0"/>
-              <a:t>12/27/2023</a:t>
+              <a:t>28-Dec-23</a:t>
             </a:fld>
             <a:endParaRPr lang="en-US"/>
           </a:p>
@@ -3218,7 +3219,7 @@
           <a:p>
             <a:fld id="{6F938B85-6EAB-4F38-BDA4-E1B0B96483B1}" type="datetimeFigureOut">
               <a:rPr lang="en-US" smtClean="0"/>
-              <a:t>12/27/2023</a:t>
+              <a:t>28-Dec-23</a:t>
             </a:fld>
             <a:endParaRPr lang="en-US"/>
           </a:p>
@@ -3331,7 +3332,7 @@
           <a:p>
             <a:fld id="{6F938B85-6EAB-4F38-BDA4-E1B0B96483B1}" type="datetimeFigureOut">
               <a:rPr lang="en-US" smtClean="0"/>
-              <a:t>12/27/2023</a:t>
+              <a:t>28-Dec-23</a:t>
             </a:fld>
             <a:endParaRPr lang="en-US"/>
           </a:p>
@@ -3642,7 +3643,7 @@
           <a:p>
             <a:fld id="{6F938B85-6EAB-4F38-BDA4-E1B0B96483B1}" type="datetimeFigureOut">
               <a:rPr lang="en-US" smtClean="0"/>
-              <a:t>12/27/2023</a:t>
+              <a:t>28-Dec-23</a:t>
             </a:fld>
             <a:endParaRPr lang="en-US"/>
           </a:p>
@@ -3930,7 +3931,7 @@
           <a:p>
             <a:fld id="{6F938B85-6EAB-4F38-BDA4-E1B0B96483B1}" type="datetimeFigureOut">
               <a:rPr lang="en-US" smtClean="0"/>
-              <a:t>12/27/2023</a:t>
+              <a:t>28-Dec-23</a:t>
             </a:fld>
             <a:endParaRPr lang="en-US"/>
           </a:p>
@@ -4171,7 +4172,7 @@
           <a:p>
             <a:fld id="{6F938B85-6EAB-4F38-BDA4-E1B0B96483B1}" type="datetimeFigureOut">
               <a:rPr lang="en-US" smtClean="0"/>
-              <a:t>12/27/2023</a:t>
+              <a:t>28-Dec-23</a:t>
             </a:fld>
             <a:endParaRPr lang="en-US"/>
           </a:p>
@@ -5489,43 +5490,83 @@
           </a:p>
           <a:p>
             <a:r>
-              <a:rPr lang="it-IT" dirty="0" err="1"/>
+              <a:rPr lang="it-IT" dirty="0" err="1">
+                <a:highlight>
+                  <a:srgbClr val="FFFF00"/>
+                </a:highlight>
+              </a:rPr>
               <a:t>Try</a:t>
             </a:r>
             <a:r>
-              <a:rPr lang="it-IT" dirty="0"/>
+              <a:rPr lang="it-IT" dirty="0">
+                <a:highlight>
+                  <a:srgbClr val="FFFF00"/>
+                </a:highlight>
+              </a:rPr>
               <a:t> </a:t>
             </a:r>
             <a:r>
-              <a:rPr lang="it-IT" dirty="0" err="1"/>
+              <a:rPr lang="it-IT" dirty="0" err="1">
+                <a:highlight>
+                  <a:srgbClr val="FFFF00"/>
+                </a:highlight>
+              </a:rPr>
               <a:t>omitting</a:t>
             </a:r>
             <a:r>
-              <a:rPr lang="it-IT" dirty="0"/>
+              <a:rPr lang="it-IT" dirty="0">
+                <a:highlight>
+                  <a:srgbClr val="FFFF00"/>
+                </a:highlight>
+              </a:rPr>
               <a:t> duration as output and </a:t>
             </a:r>
             <a:r>
-              <a:rPr lang="it-IT" dirty="0" err="1"/>
+              <a:rPr lang="it-IT" dirty="0" err="1">
+                <a:highlight>
+                  <a:srgbClr val="FFFF00"/>
+                </a:highlight>
+              </a:rPr>
               <a:t>have</a:t>
             </a:r>
             <a:r>
-              <a:rPr lang="it-IT" dirty="0"/>
+              <a:rPr lang="it-IT" dirty="0">
+                <a:highlight>
+                  <a:srgbClr val="FFFF00"/>
+                </a:highlight>
+              </a:rPr>
               <a:t> an action «</a:t>
             </a:r>
             <a:r>
-              <a:rPr lang="it-IT" dirty="0" err="1"/>
+              <a:rPr lang="it-IT" dirty="0" err="1">
+                <a:highlight>
+                  <a:srgbClr val="FFFF00"/>
+                </a:highlight>
+              </a:rPr>
               <a:t>keep</a:t>
             </a:r>
             <a:r>
-              <a:rPr lang="it-IT" dirty="0"/>
+              <a:rPr lang="it-IT" dirty="0">
+                <a:highlight>
+                  <a:srgbClr val="FFFF00"/>
+                </a:highlight>
+              </a:rPr>
               <a:t>» (</a:t>
             </a:r>
             <a:r>
-              <a:rPr lang="it-IT" dirty="0" err="1"/>
+              <a:rPr lang="it-IT" dirty="0" err="1">
+                <a:highlight>
+                  <a:srgbClr val="FFFF00"/>
+                </a:highlight>
+              </a:rPr>
               <a:t>potentially</a:t>
             </a:r>
             <a:r>
-              <a:rPr lang="it-IT" dirty="0"/>
+              <a:rPr lang="it-IT" dirty="0">
+                <a:highlight>
+                  <a:srgbClr val="FFFF00"/>
+                </a:highlight>
+              </a:rPr>
               <a:t> innovative)</a:t>
             </a:r>
           </a:p>
@@ -5604,8 +5645,12 @@
               <a:t>considered</a:t>
             </a:r>
             <a:r>
-              <a:rPr lang="it-IT"/>
-              <a:t> still</a:t>
+              <a:rPr lang="it-IT" dirty="0"/>
+              <a:t> </a:t>
+            </a:r>
+            <a:r>
+              <a:rPr lang="it-IT" dirty="0" err="1"/>
+              <a:t>still</a:t>
             </a:r>
             <a:endParaRPr lang="it-IT" dirty="0"/>
           </a:p>
@@ -5628,6 +5673,382 @@
 </file>
 
 <file path=ppt/slides/slide15.xml><?xml version="1.0" encoding="utf-8"?>
+<p:sld xmlns:a="http://schemas.openxmlformats.org/drawingml/2006/main" xmlns:r="http://schemas.openxmlformats.org/officeDocument/2006/relationships" xmlns:p="http://schemas.openxmlformats.org/presentationml/2006/main">
+  <p:cSld>
+    <p:spTree>
+      <p:nvGrpSpPr>
+        <p:cNvPr id="1" name=""/>
+        <p:cNvGrpSpPr/>
+        <p:nvPr/>
+      </p:nvGrpSpPr>
+      <p:grpSpPr>
+        <a:xfrm>
+          <a:off x="0" y="0"/>
+          <a:ext cx="0" cy="0"/>
+          <a:chOff x="0" y="0"/>
+          <a:chExt cx="0" cy="0"/>
+        </a:xfrm>
+      </p:grpSpPr>
+      <p:sp>
+        <p:nvSpPr>
+          <p:cNvPr id="2" name="Title 1">
+            <a:extLst>
+              <a:ext uri="{FF2B5EF4-FFF2-40B4-BE49-F238E27FC236}">
+                <a16:creationId xmlns:a16="http://schemas.microsoft.com/office/drawing/2014/main" id="{BA068911-C323-FBD0-DD69-B698D5307815}"/>
+              </a:ext>
+            </a:extLst>
+          </p:cNvPr>
+          <p:cNvSpPr>
+            <a:spLocks noGrp="1"/>
+          </p:cNvSpPr>
+          <p:nvPr>
+            <p:ph type="title"/>
+          </p:nvPr>
+        </p:nvSpPr>
+        <p:spPr/>
+        <p:txBody>
+          <a:bodyPr/>
+          <a:lstStyle/>
+          <a:p>
+            <a:r>
+              <a:rPr lang="it-IT" dirty="0" err="1"/>
+              <a:t>TODOs</a:t>
+            </a:r>
+            <a:r>
+              <a:rPr lang="it-IT" dirty="0"/>
+              <a:t> from 29/12/2023</a:t>
+            </a:r>
+            <a:endParaRPr lang="en-US" dirty="0"/>
+          </a:p>
+        </p:txBody>
+      </p:sp>
+      <p:sp>
+        <p:nvSpPr>
+          <p:cNvPr id="3" name="Content Placeholder 2">
+            <a:extLst>
+              <a:ext uri="{FF2B5EF4-FFF2-40B4-BE49-F238E27FC236}">
+                <a16:creationId xmlns:a16="http://schemas.microsoft.com/office/drawing/2014/main" id="{6D2F6FF9-8A9F-0728-0615-76BEC2568D4F}"/>
+              </a:ext>
+            </a:extLst>
+          </p:cNvPr>
+          <p:cNvSpPr>
+            <a:spLocks noGrp="1"/>
+          </p:cNvSpPr>
+          <p:nvPr>
+            <p:ph idx="1"/>
+          </p:nvPr>
+        </p:nvSpPr>
+        <p:spPr/>
+        <p:txBody>
+          <a:bodyPr/>
+          <a:lstStyle/>
+          <a:p>
+            <a:r>
+              <a:rPr lang="it-IT" dirty="0" err="1"/>
+              <a:t>Implemented</a:t>
+            </a:r>
+            <a:r>
+              <a:rPr lang="it-IT" dirty="0"/>
+              <a:t> action 4, </a:t>
+            </a:r>
+            <a:r>
+              <a:rPr lang="it-IT" dirty="0" err="1"/>
+              <a:t>meaning</a:t>
+            </a:r>
+            <a:r>
+              <a:rPr lang="it-IT" dirty="0"/>
+              <a:t> «</a:t>
+            </a:r>
+            <a:r>
+              <a:rPr lang="it-IT" dirty="0" err="1"/>
+              <a:t>keep</a:t>
+            </a:r>
+            <a:r>
+              <a:rPr lang="it-IT" dirty="0"/>
+              <a:t>» </a:t>
+            </a:r>
+            <a:r>
+              <a:rPr lang="it-IT" dirty="0" err="1"/>
+              <a:t>previous</a:t>
+            </a:r>
+            <a:r>
+              <a:rPr lang="it-IT" dirty="0"/>
+              <a:t> action</a:t>
+            </a:r>
+          </a:p>
+          <a:p>
+            <a:r>
+              <a:rPr lang="it-IT" dirty="0"/>
+              <a:t>TODO : </a:t>
+            </a:r>
+          </a:p>
+          <a:p>
+            <a:pPr lvl="1"/>
+            <a:r>
+              <a:rPr lang="it-IT" dirty="0"/>
+              <a:t>Check </a:t>
+            </a:r>
+            <a:r>
+              <a:rPr lang="it-IT" dirty="0" err="1"/>
+              <a:t>sysmodel</a:t>
+            </a:r>
+            <a:r>
+              <a:rPr lang="it-IT" dirty="0"/>
+              <a:t> for some sample </a:t>
+            </a:r>
+            <a:r>
+              <a:rPr lang="it-IT" dirty="0" err="1"/>
+              <a:t>action_taken</a:t>
+            </a:r>
+            <a:r>
+              <a:rPr lang="it-IT" dirty="0"/>
+              <a:t> </a:t>
+            </a:r>
+            <a:r>
+              <a:rPr lang="it-IT" dirty="0" err="1"/>
+              <a:t>sequences</a:t>
+            </a:r>
+            <a:endParaRPr lang="it-IT" dirty="0"/>
+          </a:p>
+          <a:p>
+            <a:pPr lvl="1"/>
+            <a:r>
+              <a:rPr lang="it-IT" dirty="0"/>
+              <a:t>Check </a:t>
+            </a:r>
+            <a:r>
+              <a:rPr lang="it-IT" dirty="0" err="1"/>
+              <a:t>loss</a:t>
+            </a:r>
+            <a:r>
+              <a:rPr lang="it-IT" dirty="0"/>
+              <a:t> </a:t>
+            </a:r>
+            <a:r>
+              <a:rPr lang="it-IT" dirty="0" err="1"/>
+              <a:t>implementation</a:t>
+            </a:r>
+            <a:r>
+              <a:rPr lang="it-IT" dirty="0"/>
+              <a:t> </a:t>
+            </a:r>
+            <a:r>
+              <a:rPr lang="it-IT" dirty="0" err="1"/>
+              <a:t>correctness</a:t>
+            </a:r>
+            <a:endParaRPr lang="it-IT" dirty="0"/>
+          </a:p>
+          <a:p>
+            <a:pPr lvl="1"/>
+            <a:r>
+              <a:rPr lang="it-IT" dirty="0" err="1"/>
+              <a:t>Find</a:t>
+            </a:r>
+            <a:r>
+              <a:rPr lang="it-IT" dirty="0"/>
+              <a:t> </a:t>
+            </a:r>
+            <a:r>
+              <a:rPr lang="it-IT" dirty="0" err="1"/>
+              <a:t>environment</a:t>
+            </a:r>
+            <a:r>
+              <a:rPr lang="it-IT" dirty="0"/>
+              <a:t> with </a:t>
+            </a:r>
+            <a:r>
+              <a:rPr lang="it-IT" dirty="0" err="1"/>
+              <a:t>similar</a:t>
+            </a:r>
+            <a:r>
+              <a:rPr lang="it-IT" dirty="0"/>
+              <a:t> </a:t>
+            </a:r>
+            <a:r>
+              <a:rPr lang="it-IT" dirty="0" err="1"/>
+              <a:t>objective</a:t>
+            </a:r>
+            <a:r>
+              <a:rPr lang="it-IT" dirty="0"/>
+              <a:t>, to </a:t>
+            </a:r>
+            <a:r>
+              <a:rPr lang="it-IT" dirty="0" err="1"/>
+              <a:t>keep</a:t>
+            </a:r>
+            <a:r>
+              <a:rPr lang="it-IT" dirty="0"/>
+              <a:t> a </a:t>
+            </a:r>
+            <a:r>
+              <a:rPr lang="it-IT" dirty="0" err="1"/>
+              <a:t>smooth</a:t>
+            </a:r>
+            <a:r>
+              <a:rPr lang="it-IT" dirty="0"/>
+              <a:t> </a:t>
+            </a:r>
+            <a:r>
+              <a:rPr lang="it-IT" dirty="0" err="1"/>
+              <a:t>increase</a:t>
+            </a:r>
+            <a:r>
+              <a:rPr lang="it-IT" dirty="0"/>
+              <a:t> in state </a:t>
+            </a:r>
+            <a:r>
+              <a:rPr lang="it-IT" dirty="0" err="1"/>
+              <a:t>value</a:t>
+            </a:r>
+            <a:r>
+              <a:rPr lang="it-IT" dirty="0"/>
+              <a:t> – toy </a:t>
+            </a:r>
+            <a:r>
+              <a:rPr lang="it-IT" dirty="0" err="1"/>
+              <a:t>example</a:t>
+            </a:r>
+            <a:r>
+              <a:rPr lang="it-IT" dirty="0"/>
+              <a:t> and test </a:t>
+            </a:r>
+            <a:r>
+              <a:rPr lang="it-IT" dirty="0" err="1"/>
+              <a:t>solution</a:t>
+            </a:r>
+            <a:endParaRPr lang="it-IT" dirty="0"/>
+          </a:p>
+          <a:p>
+            <a:pPr lvl="1"/>
+            <a:r>
+              <a:rPr lang="it-IT" dirty="0"/>
+              <a:t>Do </a:t>
+            </a:r>
+            <a:r>
+              <a:rPr lang="it-IT" dirty="0" err="1"/>
+              <a:t>step-by-step</a:t>
+            </a:r>
+            <a:r>
+              <a:rPr lang="it-IT" dirty="0"/>
+              <a:t> generate session, </a:t>
+            </a:r>
+            <a:r>
+              <a:rPr lang="it-IT" dirty="0" err="1"/>
+              <a:t>not</a:t>
+            </a:r>
+            <a:r>
+              <a:rPr lang="it-IT" dirty="0"/>
+              <a:t> </a:t>
+            </a:r>
+            <a:r>
+              <a:rPr lang="it-IT" dirty="0" err="1"/>
+              <a:t>chunks</a:t>
+            </a:r>
+            <a:endParaRPr lang="it-IT" dirty="0"/>
+          </a:p>
+          <a:p>
+            <a:pPr lvl="1"/>
+            <a:r>
+              <a:rPr lang="it-IT" dirty="0"/>
+              <a:t>Check from RL-LSTM </a:t>
+            </a:r>
+            <a:r>
+              <a:rPr lang="it-IT" dirty="0" err="1"/>
+              <a:t>Advantage</a:t>
+            </a:r>
+            <a:r>
+              <a:rPr lang="it-IT" dirty="0"/>
+              <a:t> </a:t>
+            </a:r>
+            <a:r>
+              <a:rPr lang="it-IT" dirty="0" err="1"/>
+              <a:t>loss</a:t>
+            </a:r>
+            <a:r>
+              <a:rPr lang="it-IT" dirty="0"/>
+              <a:t> and </a:t>
+            </a:r>
+            <a:r>
+              <a:rPr lang="it-IT" dirty="0" err="1"/>
+              <a:t>eligibility</a:t>
+            </a:r>
+            <a:r>
+              <a:rPr lang="it-IT" dirty="0"/>
+              <a:t> </a:t>
+            </a:r>
+            <a:r>
+              <a:rPr lang="it-IT" dirty="0" err="1"/>
+              <a:t>traces</a:t>
+            </a:r>
+            <a:endParaRPr lang="it-IT" dirty="0"/>
+          </a:p>
+          <a:p>
+            <a:pPr lvl="1"/>
+            <a:r>
+              <a:rPr lang="it-IT" dirty="0" err="1"/>
+              <a:t>Try</a:t>
+            </a:r>
+            <a:r>
+              <a:rPr lang="it-IT" dirty="0"/>
+              <a:t> A3C, check </a:t>
+            </a:r>
+            <a:r>
+              <a:rPr lang="it-IT" dirty="0" err="1"/>
+              <a:t>if</a:t>
+            </a:r>
+            <a:r>
+              <a:rPr lang="it-IT" dirty="0"/>
+              <a:t> </a:t>
+            </a:r>
+            <a:r>
+              <a:rPr lang="it-IT" dirty="0" err="1"/>
+              <a:t>it</a:t>
+            </a:r>
+            <a:r>
+              <a:rPr lang="it-IT" dirty="0"/>
+              <a:t> </a:t>
+            </a:r>
+            <a:r>
+              <a:rPr lang="it-IT" dirty="0" err="1"/>
+              <a:t>is</a:t>
+            </a:r>
+            <a:r>
+              <a:rPr lang="it-IT" dirty="0"/>
+              <a:t> </a:t>
+            </a:r>
+            <a:r>
+              <a:rPr lang="it-IT" dirty="0" err="1"/>
+              <a:t>actually</a:t>
+            </a:r>
+            <a:r>
+              <a:rPr lang="it-IT" dirty="0"/>
+              <a:t> </a:t>
+            </a:r>
+            <a:r>
+              <a:rPr lang="it-IT" dirty="0" err="1"/>
+              <a:t>implemented</a:t>
+            </a:r>
+            <a:endParaRPr lang="it-IT" dirty="0"/>
+          </a:p>
+          <a:p>
+            <a:endParaRPr lang="en-US" dirty="0"/>
+          </a:p>
+        </p:txBody>
+      </p:sp>
+    </p:spTree>
+    <p:extLst>
+      <p:ext uri="{BB962C8B-B14F-4D97-AF65-F5344CB8AC3E}">
+        <p14:creationId xmlns:p14="http://schemas.microsoft.com/office/powerpoint/2010/main" val="3796702575"/>
+      </p:ext>
+    </p:extLst>
+  </p:cSld>
+  <p:clrMapOvr>
+    <a:masterClrMapping/>
+  </p:clrMapOvr>
+</p:sld>
+</file>
+
+<file path=ppt/slides/slide16.xml><?xml version="1.0" encoding="utf-8"?>
 <p:sld xmlns:a="http://schemas.openxmlformats.org/drawingml/2006/main" xmlns:r="http://schemas.openxmlformats.org/officeDocument/2006/relationships" xmlns:p="http://schemas.openxmlformats.org/presentationml/2006/main">
   <p:cSld>
     <p:spTree>

--- a/thesis proposal planning pre-heat.pptx
+++ b/thesis proposal planning pre-heat.pptx
@@ -5,7 +5,7 @@
     <p:sldMasterId id="2147483648" r:id="rId1"/>
   </p:sldMasterIdLst>
   <p:notesMasterIdLst>
-    <p:notesMasterId r:id="rId18"/>
+    <p:notesMasterId r:id="rId22"/>
   </p:notesMasterIdLst>
   <p:sldIdLst>
     <p:sldId id="256" r:id="rId2"/>
@@ -23,7 +23,11 @@
     <p:sldId id="268" r:id="rId14"/>
     <p:sldId id="270" r:id="rId15"/>
     <p:sldId id="271" r:id="rId16"/>
-    <p:sldId id="269" r:id="rId17"/>
+    <p:sldId id="272" r:id="rId17"/>
+    <p:sldId id="273" r:id="rId18"/>
+    <p:sldId id="274" r:id="rId19"/>
+    <p:sldId id="275" r:id="rId20"/>
+    <p:sldId id="269" r:id="rId21"/>
   </p:sldIdLst>
   <p:sldSz cx="12192000" cy="6858000"/>
   <p:notesSz cx="6858000" cy="9144000"/>
@@ -934,7 +938,7 @@
           <a:p>
             <a:fld id="{C73643FF-4940-4180-AB63-13EDBDCA489D}" type="datetimeFigureOut">
               <a:rPr lang="en-US" smtClean="0"/>
-              <a:t>28-Dec-23</a:t>
+              <a:t>02-Jan-24</a:t>
             </a:fld>
             <a:endParaRPr lang="en-US"/>
           </a:p>
@@ -1522,7 +1526,7 @@
           <a:p>
             <a:fld id="{6F938B85-6EAB-4F38-BDA4-E1B0B96483B1}" type="datetimeFigureOut">
               <a:rPr lang="en-US" smtClean="0"/>
-              <a:t>28-Dec-23</a:t>
+              <a:t>02-Jan-24</a:t>
             </a:fld>
             <a:endParaRPr lang="en-US"/>
           </a:p>
@@ -1720,7 +1724,7 @@
           <a:p>
             <a:fld id="{6F938B85-6EAB-4F38-BDA4-E1B0B96483B1}" type="datetimeFigureOut">
               <a:rPr lang="en-US" smtClean="0"/>
-              <a:t>28-Dec-23</a:t>
+              <a:t>02-Jan-24</a:t>
             </a:fld>
             <a:endParaRPr lang="en-US"/>
           </a:p>
@@ -1928,7 +1932,7 @@
           <a:p>
             <a:fld id="{6F938B85-6EAB-4F38-BDA4-E1B0B96483B1}" type="datetimeFigureOut">
               <a:rPr lang="en-US" smtClean="0"/>
-              <a:t>28-Dec-23</a:t>
+              <a:t>02-Jan-24</a:t>
             </a:fld>
             <a:endParaRPr lang="en-US"/>
           </a:p>
@@ -2126,7 +2130,7 @@
           <a:p>
             <a:fld id="{6F938B85-6EAB-4F38-BDA4-E1B0B96483B1}" type="datetimeFigureOut">
               <a:rPr lang="en-US" smtClean="0"/>
-              <a:t>28-Dec-23</a:t>
+              <a:t>02-Jan-24</a:t>
             </a:fld>
             <a:endParaRPr lang="en-US"/>
           </a:p>
@@ -2401,7 +2405,7 @@
           <a:p>
             <a:fld id="{6F938B85-6EAB-4F38-BDA4-E1B0B96483B1}" type="datetimeFigureOut">
               <a:rPr lang="en-US" smtClean="0"/>
-              <a:t>28-Dec-23</a:t>
+              <a:t>02-Jan-24</a:t>
             </a:fld>
             <a:endParaRPr lang="en-US"/>
           </a:p>
@@ -2666,7 +2670,7 @@
           <a:p>
             <a:fld id="{6F938B85-6EAB-4F38-BDA4-E1B0B96483B1}" type="datetimeFigureOut">
               <a:rPr lang="en-US" smtClean="0"/>
-              <a:t>28-Dec-23</a:t>
+              <a:t>02-Jan-24</a:t>
             </a:fld>
             <a:endParaRPr lang="en-US"/>
           </a:p>
@@ -3078,7 +3082,7 @@
           <a:p>
             <a:fld id="{6F938B85-6EAB-4F38-BDA4-E1B0B96483B1}" type="datetimeFigureOut">
               <a:rPr lang="en-US" smtClean="0"/>
-              <a:t>28-Dec-23</a:t>
+              <a:t>02-Jan-24</a:t>
             </a:fld>
             <a:endParaRPr lang="en-US"/>
           </a:p>
@@ -3219,7 +3223,7 @@
           <a:p>
             <a:fld id="{6F938B85-6EAB-4F38-BDA4-E1B0B96483B1}" type="datetimeFigureOut">
               <a:rPr lang="en-US" smtClean="0"/>
-              <a:t>28-Dec-23</a:t>
+              <a:t>02-Jan-24</a:t>
             </a:fld>
             <a:endParaRPr lang="en-US"/>
           </a:p>
@@ -3332,7 +3336,7 @@
           <a:p>
             <a:fld id="{6F938B85-6EAB-4F38-BDA4-E1B0B96483B1}" type="datetimeFigureOut">
               <a:rPr lang="en-US" smtClean="0"/>
-              <a:t>28-Dec-23</a:t>
+              <a:t>02-Jan-24</a:t>
             </a:fld>
             <a:endParaRPr lang="en-US"/>
           </a:p>
@@ -3643,7 +3647,7 @@
           <a:p>
             <a:fld id="{6F938B85-6EAB-4F38-BDA4-E1B0B96483B1}" type="datetimeFigureOut">
               <a:rPr lang="en-US" smtClean="0"/>
-              <a:t>28-Dec-23</a:t>
+              <a:t>02-Jan-24</a:t>
             </a:fld>
             <a:endParaRPr lang="en-US"/>
           </a:p>
@@ -3931,7 +3935,7 @@
           <a:p>
             <a:fld id="{6F938B85-6EAB-4F38-BDA4-E1B0B96483B1}" type="datetimeFigureOut">
               <a:rPr lang="en-US" smtClean="0"/>
-              <a:t>28-Dec-23</a:t>
+              <a:t>02-Jan-24</a:t>
             </a:fld>
             <a:endParaRPr lang="en-US"/>
           </a:p>
@@ -4172,7 +4176,7 @@
           <a:p>
             <a:fld id="{6F938B85-6EAB-4F38-BDA4-E1B0B96483B1}" type="datetimeFigureOut">
               <a:rPr lang="en-US" smtClean="0"/>
-              <a:t>28-Dec-23</a:t>
+              <a:t>02-Jan-24</a:t>
             </a:fld>
             <a:endParaRPr lang="en-US"/>
           </a:p>
@@ -5778,6 +5782,40 @@
           </a:p>
           <a:p>
             <a:r>
+              <a:rPr lang="it-IT" dirty="0" err="1"/>
+              <a:t>Critic</a:t>
+            </a:r>
+            <a:r>
+              <a:rPr lang="it-IT" dirty="0"/>
+              <a:t> </a:t>
+            </a:r>
+            <a:r>
+              <a:rPr lang="it-IT" dirty="0" err="1"/>
+              <a:t>also</a:t>
+            </a:r>
+            <a:r>
+              <a:rPr lang="it-IT" dirty="0"/>
+              <a:t> with 1DCNN + LSTM (</a:t>
+            </a:r>
+            <a:r>
+              <a:rPr lang="it-IT" dirty="0" err="1"/>
+              <a:t>feedforward</a:t>
+            </a:r>
+            <a:r>
+              <a:rPr lang="it-IT" dirty="0"/>
+              <a:t> </a:t>
+            </a:r>
+            <a:r>
+              <a:rPr lang="it-IT" dirty="0" err="1"/>
+              <a:t>before</a:t>
+            </a:r>
+            <a:r>
+              <a:rPr lang="it-IT" dirty="0"/>
+              <a:t>)</a:t>
+            </a:r>
+          </a:p>
+          <a:p>
+            <a:r>
               <a:rPr lang="it-IT" dirty="0"/>
               <a:t>TODO : </a:t>
             </a:r>
@@ -5921,50 +5959,70 @@
           <a:p>
             <a:pPr lvl="1"/>
             <a:r>
-              <a:rPr lang="it-IT" dirty="0"/>
+              <a:rPr lang="it-IT" strike="sngStrike" dirty="0"/>
               <a:t>Do </a:t>
             </a:r>
             <a:r>
-              <a:rPr lang="it-IT" dirty="0" err="1"/>
+              <a:rPr lang="it-IT" strike="sngStrike" dirty="0" err="1"/>
               <a:t>step-by-step</a:t>
             </a:r>
             <a:r>
-              <a:rPr lang="it-IT" dirty="0"/>
+              <a:rPr lang="it-IT" strike="sngStrike" dirty="0"/>
               <a:t> generate session, </a:t>
             </a:r>
             <a:r>
-              <a:rPr lang="it-IT" dirty="0" err="1"/>
+              <a:rPr lang="it-IT" strike="sngStrike" dirty="0" err="1"/>
               <a:t>not</a:t>
             </a:r>
             <a:r>
-              <a:rPr lang="it-IT" dirty="0"/>
-              <a:t> </a:t>
-            </a:r>
-            <a:r>
-              <a:rPr lang="it-IT" dirty="0" err="1"/>
+              <a:rPr lang="it-IT" strike="sngStrike" dirty="0"/>
+              <a:t> </a:t>
+            </a:r>
+            <a:r>
+              <a:rPr lang="it-IT" strike="sngStrike" dirty="0" err="1"/>
               <a:t>chunks</a:t>
             </a:r>
+            <a:r>
+              <a:rPr lang="it-IT" strike="sngStrike" dirty="0"/>
+              <a:t> </a:t>
+            </a:r>
+            <a:r>
+              <a:rPr lang="it-IT" dirty="0" err="1"/>
+              <a:t>done</a:t>
+            </a:r>
             <a:endParaRPr lang="it-IT" dirty="0"/>
           </a:p>
           <a:p>
             <a:pPr lvl="1"/>
             <a:r>
               <a:rPr lang="it-IT" dirty="0"/>
-              <a:t>Check from RL-LSTM </a:t>
-            </a:r>
-            <a:r>
-              <a:rPr lang="it-IT" dirty="0" err="1"/>
+              <a:t>Check from </a:t>
+            </a:r>
+            <a:r>
+              <a:rPr lang="it-IT" strike="sngStrike" dirty="0"/>
+              <a:t>RL-LSTM </a:t>
+            </a:r>
+            <a:r>
+              <a:rPr lang="it-IT" strike="sngStrike" dirty="0" err="1"/>
               <a:t>Advantage</a:t>
             </a:r>
             <a:r>
-              <a:rPr lang="it-IT" dirty="0"/>
-              <a:t> </a:t>
-            </a:r>
-            <a:r>
-              <a:rPr lang="it-IT" dirty="0" err="1"/>
+              <a:rPr lang="it-IT" strike="sngStrike" dirty="0"/>
+              <a:t> </a:t>
+            </a:r>
+            <a:r>
+              <a:rPr lang="it-IT" strike="sngStrike" dirty="0" err="1"/>
               <a:t>loss</a:t>
             </a:r>
             <a:r>
+              <a:rPr lang="it-IT" strike="sngStrike" dirty="0"/>
+              <a:t>  </a:t>
+            </a:r>
+            <a:r>
+              <a:rPr lang="it-IT" dirty="0" err="1"/>
+              <a:t>done</a:t>
+            </a:r>
+            <a:r>
               <a:rPr lang="it-IT" dirty="0"/>
               <a:t> and </a:t>
             </a:r>
@@ -6027,6 +6085,34 @@
             <a:r>
               <a:rPr lang="it-IT" dirty="0" err="1"/>
               <a:t>implemented</a:t>
+            </a:r>
+            <a:r>
+              <a:rPr lang="it-IT" dirty="0"/>
+              <a:t> </a:t>
+            </a:r>
+            <a:r>
+              <a:rPr lang="it-IT" strike="sngStrike" dirty="0"/>
+              <a:t>A3C </a:t>
+            </a:r>
+            <a:r>
+              <a:rPr lang="it-IT" strike="sngStrike" dirty="0" err="1"/>
+              <a:t>wont</a:t>
+            </a:r>
+            <a:r>
+              <a:rPr lang="it-IT" strike="sngStrike" dirty="0"/>
+              <a:t> do, A2C </a:t>
+            </a:r>
+            <a:r>
+              <a:rPr lang="it-IT" strike="sngStrike" dirty="0" err="1"/>
+              <a:t>instead</a:t>
+            </a:r>
+            <a:r>
+              <a:rPr lang="it-IT" strike="sngStrike" dirty="0"/>
+              <a:t> </a:t>
+            </a:r>
+            <a:r>
+              <a:rPr lang="it-IT" dirty="0" err="1"/>
+              <a:t>done</a:t>
             </a:r>
             <a:endParaRPr lang="it-IT" dirty="0"/>
           </a:p>
@@ -6070,7 +6156,7 @@
           <p:cNvPr id="2" name="Title 1">
             <a:extLst>
               <a:ext uri="{FF2B5EF4-FFF2-40B4-BE49-F238E27FC236}">
-                <a16:creationId xmlns:a16="http://schemas.microsoft.com/office/drawing/2014/main" id="{C62DEE83-F338-FCF3-C0AA-C727352CBEC0}"/>
+                <a16:creationId xmlns:a16="http://schemas.microsoft.com/office/drawing/2014/main" id="{CC049A27-63E7-4027-6FB9-06290D0A3354}"/>
               </a:ext>
             </a:extLst>
           </p:cNvPr>
@@ -6087,12 +6173,8 @@
           <a:lstStyle/>
           <a:p>
             <a:r>
-              <a:rPr lang="it-IT" dirty="0" err="1"/>
-              <a:t>Useful</a:t>
-            </a:r>
-            <a:r>
-              <a:rPr lang="it-IT" dirty="0"/>
-              <a:t> link</a:t>
+              <a:rPr lang="it-IT" dirty="0"/>
+              <a:t>30/12/2023</a:t>
             </a:r>
             <a:endParaRPr lang="en-US" dirty="0"/>
           </a:p>
@@ -6103,7 +6185,7 @@
           <p:cNvPr id="3" name="Content Placeholder 2">
             <a:extLst>
               <a:ext uri="{FF2B5EF4-FFF2-40B4-BE49-F238E27FC236}">
-                <a16:creationId xmlns:a16="http://schemas.microsoft.com/office/drawing/2014/main" id="{01ECB57C-3C42-6CF2-F008-E255912D6037}"/>
+                <a16:creationId xmlns:a16="http://schemas.microsoft.com/office/drawing/2014/main" id="{5FD68F2C-0836-6DE1-ACEF-45C1FC480FF3}"/>
               </a:ext>
             </a:extLst>
           </p:cNvPr>
@@ -6121,33 +6203,138 @@
           <a:p>
             <a:r>
               <a:rPr lang="it-IT" dirty="0"/>
-              <a:t>OpenAI </a:t>
-            </a:r>
-            <a:r>
-              <a:rPr lang="it-IT" dirty="0" err="1"/>
-              <a:t>overview</a:t>
-            </a:r>
-            <a:r>
-              <a:rPr lang="it-IT" dirty="0"/>
-              <a:t> of </a:t>
-            </a:r>
-            <a:r>
-              <a:rPr lang="it-IT" dirty="0" err="1"/>
-              <a:t>useful</a:t>
-            </a:r>
-            <a:r>
-              <a:rPr lang="it-IT" dirty="0"/>
-              <a:t> RL papers </a:t>
-            </a:r>
-            <a:r>
-              <a:rPr lang="it-IT" dirty="0">
-                <a:hlinkClick r:id="rId2"/>
-              </a:rPr>
-              <a:t>https://spinningup.openai.com/en/latest/spinningup/keypapers.html</a:t>
-            </a:r>
-            <a:r>
-              <a:rPr lang="it-IT" dirty="0"/>
-              <a:t> </a:t>
+              <a:t>1. </a:t>
+            </a:r>
+            <a:r>
+              <a:rPr lang="it-IT" dirty="0" err="1"/>
+              <a:t>appending</a:t>
+            </a:r>
+            <a:r>
+              <a:rPr lang="it-IT" dirty="0"/>
+              <a:t> </a:t>
+            </a:r>
+            <a:r>
+              <a:rPr lang="it-IT" dirty="0" err="1"/>
+              <a:t>all</a:t>
+            </a:r>
+            <a:r>
+              <a:rPr lang="it-IT" dirty="0"/>
+              <a:t> </a:t>
+            </a:r>
+            <a:r>
+              <a:rPr lang="it-IT" dirty="0" err="1"/>
+              <a:t>states</a:t>
+            </a:r>
+            <a:r>
+              <a:rPr lang="it-IT" dirty="0"/>
+              <a:t> to </a:t>
+            </a:r>
+            <a:r>
+              <a:rPr lang="it-IT" dirty="0" err="1"/>
+              <a:t>run</a:t>
+            </a:r>
+            <a:r>
+              <a:rPr lang="it-IT" dirty="0"/>
+              <a:t> policy (</a:t>
+            </a:r>
+            <a:r>
+              <a:rPr lang="it-IT" dirty="0" err="1"/>
+              <a:t>not</a:t>
+            </a:r>
+            <a:r>
+              <a:rPr lang="it-IT" dirty="0"/>
+              <a:t> </a:t>
+            </a:r>
+            <a:r>
+              <a:rPr lang="it-IT" dirty="0" err="1"/>
+              <a:t>chunk</a:t>
+            </a:r>
+            <a:r>
+              <a:rPr lang="it-IT" dirty="0"/>
+              <a:t> by </a:t>
+            </a:r>
+            <a:r>
+              <a:rPr lang="it-IT" dirty="0" err="1"/>
+              <a:t>chunk</a:t>
+            </a:r>
+            <a:r>
+              <a:rPr lang="it-IT" dirty="0"/>
+              <a:t>), </a:t>
+            </a:r>
+            <a:r>
+              <a:rPr lang="it-IT" dirty="0" err="1"/>
+              <a:t>still</a:t>
+            </a:r>
+            <a:r>
+              <a:rPr lang="it-IT" dirty="0"/>
+              <a:t> </a:t>
+            </a:r>
+            <a:r>
+              <a:rPr lang="it-IT" dirty="0" err="1"/>
+              <a:t>many</a:t>
+            </a:r>
+            <a:r>
+              <a:rPr lang="it-IT" dirty="0"/>
+              <a:t> to </a:t>
+            </a:r>
+            <a:r>
+              <a:rPr lang="it-IT" dirty="0" err="1"/>
+              <a:t>many</a:t>
+            </a:r>
+            <a:endParaRPr lang="it-IT" dirty="0"/>
+          </a:p>
+          <a:p>
+            <a:r>
+              <a:rPr lang="it-IT" dirty="0"/>
+              <a:t>2. </a:t>
+            </a:r>
+            <a:r>
+              <a:rPr lang="it-IT" dirty="0" err="1"/>
+              <a:t>appending</a:t>
+            </a:r>
+            <a:r>
+              <a:rPr lang="it-IT" dirty="0"/>
+              <a:t> </a:t>
+            </a:r>
+            <a:r>
+              <a:rPr lang="it-IT" dirty="0" err="1"/>
+              <a:t>states</a:t>
+            </a:r>
+            <a:r>
+              <a:rPr lang="it-IT" dirty="0"/>
+              <a:t> </a:t>
+            </a:r>
+            <a:r>
+              <a:rPr lang="it-IT" dirty="0" err="1"/>
+              <a:t>but</a:t>
+            </a:r>
+            <a:r>
+              <a:rPr lang="it-IT" dirty="0"/>
+              <a:t> policy outputs last </a:t>
+            </a:r>
+            <a:r>
+              <a:rPr lang="it-IT" dirty="0" err="1"/>
+              <a:t>logit</a:t>
+            </a:r>
+            <a:r>
+              <a:rPr lang="it-IT" dirty="0"/>
+              <a:t> </a:t>
+            </a:r>
+            <a:r>
+              <a:rPr lang="it-IT" dirty="0" err="1"/>
+              <a:t>only</a:t>
+            </a:r>
+            <a:r>
+              <a:rPr lang="it-IT" dirty="0"/>
+              <a:t> (</a:t>
+            </a:r>
+            <a:r>
+              <a:rPr lang="it-IT" dirty="0" err="1"/>
+              <a:t>many</a:t>
+            </a:r>
+            <a:r>
+              <a:rPr lang="it-IT" dirty="0"/>
+              <a:t> to one)</a:t>
             </a:r>
             <a:endParaRPr lang="en-US" dirty="0"/>
           </a:p>
@@ -6156,7 +6343,1711 @@
     </p:spTree>
     <p:extLst>
       <p:ext uri="{BB962C8B-B14F-4D97-AF65-F5344CB8AC3E}">
-        <p14:creationId xmlns:p14="http://schemas.microsoft.com/office/powerpoint/2010/main" val="3287244550"/>
+        <p14:creationId xmlns:p14="http://schemas.microsoft.com/office/powerpoint/2010/main" val="3386974591"/>
+      </p:ext>
+    </p:extLst>
+  </p:cSld>
+  <p:clrMapOvr>
+    <a:masterClrMapping/>
+  </p:clrMapOvr>
+</p:sld>
+</file>
+
+<file path=ppt/slides/slide17.xml><?xml version="1.0" encoding="utf-8"?>
+<p:sld xmlns:a="http://schemas.openxmlformats.org/drawingml/2006/main" xmlns:r="http://schemas.openxmlformats.org/officeDocument/2006/relationships" xmlns:p="http://schemas.openxmlformats.org/presentationml/2006/main">
+  <p:cSld>
+    <p:spTree>
+      <p:nvGrpSpPr>
+        <p:cNvPr id="1" name=""/>
+        <p:cNvGrpSpPr/>
+        <p:nvPr/>
+      </p:nvGrpSpPr>
+      <p:grpSpPr>
+        <a:xfrm>
+          <a:off x="0" y="0"/>
+          <a:ext cx="0" cy="0"/>
+          <a:chOff x="0" y="0"/>
+          <a:chExt cx="0" cy="0"/>
+        </a:xfrm>
+      </p:grpSpPr>
+      <p:sp>
+        <p:nvSpPr>
+          <p:cNvPr id="2" name="Title 1">
+            <a:extLst>
+              <a:ext uri="{FF2B5EF4-FFF2-40B4-BE49-F238E27FC236}">
+                <a16:creationId xmlns:a16="http://schemas.microsoft.com/office/drawing/2014/main" id="{8D924A7B-FC2E-AD4F-572F-8B879F59C7B9}"/>
+              </a:ext>
+            </a:extLst>
+          </p:cNvPr>
+          <p:cNvSpPr>
+            <a:spLocks noGrp="1"/>
+          </p:cNvSpPr>
+          <p:nvPr>
+            <p:ph type="title"/>
+          </p:nvPr>
+        </p:nvSpPr>
+        <p:spPr/>
+        <p:txBody>
+          <a:bodyPr/>
+          <a:lstStyle/>
+          <a:p>
+            <a:r>
+              <a:rPr lang="it-IT" dirty="0"/>
+              <a:t>02/01/2024</a:t>
+            </a:r>
+            <a:endParaRPr lang="en-US" dirty="0"/>
+          </a:p>
+        </p:txBody>
+      </p:sp>
+      <p:sp>
+        <p:nvSpPr>
+          <p:cNvPr id="3" name="Content Placeholder 2">
+            <a:extLst>
+              <a:ext uri="{FF2B5EF4-FFF2-40B4-BE49-F238E27FC236}">
+                <a16:creationId xmlns:a16="http://schemas.microsoft.com/office/drawing/2014/main" id="{7B0F7223-14CC-A8C6-D340-1386BE3854B7}"/>
+              </a:ext>
+            </a:extLst>
+          </p:cNvPr>
+          <p:cNvSpPr>
+            <a:spLocks noGrp="1"/>
+          </p:cNvSpPr>
+          <p:nvPr>
+            <p:ph idx="1"/>
+          </p:nvPr>
+        </p:nvSpPr>
+        <p:spPr/>
+        <p:txBody>
+          <a:bodyPr>
+            <a:normAutofit fontScale="92500" lnSpcReduction="10000"/>
+          </a:bodyPr>
+          <a:lstStyle/>
+          <a:p>
+            <a:r>
+              <a:rPr lang="it-IT" dirty="0"/>
+              <a:t>Fix </a:t>
+            </a:r>
+            <a:r>
+              <a:rPr lang="it-IT" dirty="0" err="1"/>
+              <a:t>actor-critic</a:t>
+            </a:r>
+            <a:r>
+              <a:rPr lang="it-IT" dirty="0"/>
+              <a:t> and </a:t>
+            </a:r>
+            <a:r>
+              <a:rPr lang="it-IT" dirty="0" err="1"/>
+              <a:t>retrain</a:t>
+            </a:r>
+            <a:r>
+              <a:rPr lang="it-IT" dirty="0"/>
+              <a:t> </a:t>
+            </a:r>
+            <a:r>
+              <a:rPr lang="it-IT" dirty="0" err="1"/>
+              <a:t>params</a:t>
+            </a:r>
+            <a:r>
+              <a:rPr lang="it-IT" dirty="0"/>
+              <a:t> </a:t>
+            </a:r>
+            <a:r>
+              <a:rPr lang="it-IT" dirty="0" err="1"/>
+              <a:t>at</a:t>
+            </a:r>
+            <a:r>
+              <a:rPr lang="it-IT" dirty="0"/>
+              <a:t> </a:t>
+            </a:r>
+            <a:r>
+              <a:rPr lang="it-IT" dirty="0" err="1"/>
+              <a:t>every</a:t>
+            </a:r>
+            <a:r>
+              <a:rPr lang="it-IT" dirty="0"/>
+              <a:t> step t of </a:t>
+            </a:r>
+            <a:r>
+              <a:rPr lang="it-IT" dirty="0" err="1"/>
+              <a:t>traj</a:t>
+            </a:r>
+            <a:endParaRPr lang="it-IT" dirty="0"/>
+          </a:p>
+          <a:p>
+            <a:r>
+              <a:rPr lang="it-IT" dirty="0" err="1"/>
+              <a:t>Simplification</a:t>
+            </a:r>
+            <a:r>
+              <a:rPr lang="it-IT" dirty="0"/>
+              <a:t> : </a:t>
+            </a:r>
+            <a:r>
+              <a:rPr lang="it-IT" dirty="0" err="1"/>
+              <a:t>Try</a:t>
+            </a:r>
+            <a:r>
+              <a:rPr lang="it-IT" dirty="0"/>
+              <a:t> </a:t>
+            </a:r>
+            <a:r>
+              <a:rPr lang="it-IT" dirty="0" err="1"/>
+              <a:t>only</a:t>
+            </a:r>
+            <a:r>
+              <a:rPr lang="it-IT" dirty="0"/>
+              <a:t> </a:t>
+            </a:r>
+            <a:r>
+              <a:rPr lang="it-IT" dirty="0" err="1"/>
+              <a:t>cot</a:t>
+            </a:r>
+            <a:r>
+              <a:rPr lang="it-IT" dirty="0"/>
+              <a:t> temperature, </a:t>
+            </a:r>
+            <a:r>
+              <a:rPr lang="it-IT" dirty="0" err="1"/>
+              <a:t>not</a:t>
+            </a:r>
+            <a:r>
+              <a:rPr lang="it-IT" dirty="0"/>
+              <a:t> </a:t>
+            </a:r>
+            <a:r>
+              <a:rPr lang="it-IT" dirty="0" err="1"/>
+              <a:t>all</a:t>
+            </a:r>
+            <a:r>
+              <a:rPr lang="it-IT" dirty="0"/>
+              <a:t> 9</a:t>
+            </a:r>
+          </a:p>
+          <a:p>
+            <a:r>
+              <a:rPr lang="it-IT" dirty="0"/>
+              <a:t>Reading papers for HVAC, multi-</a:t>
+            </a:r>
+            <a:r>
+              <a:rPr lang="it-IT" dirty="0" err="1"/>
+              <a:t>objective</a:t>
+            </a:r>
+            <a:r>
+              <a:rPr lang="it-IT" dirty="0"/>
+              <a:t> </a:t>
+            </a:r>
+            <a:r>
+              <a:rPr lang="it-IT" dirty="0" err="1"/>
+              <a:t>optimization</a:t>
+            </a:r>
+            <a:endParaRPr lang="it-IT" dirty="0"/>
+          </a:p>
+          <a:p>
+            <a:r>
+              <a:rPr lang="it-IT" dirty="0" err="1"/>
+              <a:t>Try</a:t>
+            </a:r>
+            <a:r>
+              <a:rPr lang="it-IT" dirty="0"/>
+              <a:t> to model </a:t>
+            </a:r>
+            <a:r>
+              <a:rPr lang="it-IT" dirty="0" err="1"/>
+              <a:t>as</a:t>
+            </a:r>
+            <a:r>
+              <a:rPr lang="it-IT" dirty="0"/>
+              <a:t> </a:t>
+            </a:r>
+            <a:r>
+              <a:rPr lang="it-IT" dirty="0" err="1"/>
+              <a:t>continuing</a:t>
+            </a:r>
+            <a:r>
+              <a:rPr lang="it-IT" dirty="0"/>
+              <a:t> task with </a:t>
+            </a:r>
+            <a:r>
+              <a:rPr lang="it-IT" dirty="0" err="1"/>
+              <a:t>average</a:t>
+            </a:r>
+            <a:r>
+              <a:rPr lang="it-IT" dirty="0"/>
+              <a:t> </a:t>
+            </a:r>
+            <a:r>
+              <a:rPr lang="it-IT" dirty="0" err="1"/>
+              <a:t>reward</a:t>
+            </a:r>
+            <a:r>
+              <a:rPr lang="it-IT" dirty="0"/>
+              <a:t> (</a:t>
+            </a:r>
+            <a:r>
+              <a:rPr lang="en-US" dirty="0"/>
+              <a:t>Data-driven control of micro-climate in buildings_ An event-triggered reinforcement learning approach</a:t>
+            </a:r>
+            <a:r>
+              <a:rPr lang="it-IT" dirty="0"/>
+              <a:t>)? </a:t>
+            </a:r>
+            <a:r>
+              <a:rPr lang="it-IT" dirty="0" err="1"/>
+              <a:t>Maybe</a:t>
+            </a:r>
+            <a:r>
+              <a:rPr lang="it-IT" dirty="0"/>
+              <a:t> </a:t>
+            </a:r>
+            <a:r>
+              <a:rPr lang="it-IT" dirty="0" err="1"/>
+              <a:t>too</a:t>
+            </a:r>
+            <a:r>
+              <a:rPr lang="it-IT" dirty="0"/>
+              <a:t> </a:t>
+            </a:r>
+            <a:r>
+              <a:rPr lang="it-IT" dirty="0" err="1"/>
+              <a:t>complex</a:t>
+            </a:r>
+            <a:endParaRPr lang="it-IT" dirty="0"/>
+          </a:p>
+          <a:p>
+            <a:r>
+              <a:rPr lang="it-IT" dirty="0" err="1"/>
+              <a:t>Try</a:t>
+            </a:r>
+            <a:r>
+              <a:rPr lang="it-IT" dirty="0"/>
+              <a:t> </a:t>
+            </a:r>
+            <a:r>
+              <a:rPr lang="it-IT" dirty="0" err="1"/>
+              <a:t>reward</a:t>
+            </a:r>
+            <a:r>
+              <a:rPr lang="it-IT" dirty="0"/>
+              <a:t> </a:t>
+            </a:r>
+            <a:r>
+              <a:rPr lang="it-IT" dirty="0" err="1"/>
+              <a:t>function</a:t>
+            </a:r>
+            <a:r>
+              <a:rPr lang="it-IT" dirty="0"/>
+              <a:t> </a:t>
+            </a:r>
+            <a:r>
+              <a:rPr lang="it-IT" dirty="0" err="1"/>
+              <a:t>as</a:t>
+            </a:r>
+            <a:r>
+              <a:rPr lang="it-IT" dirty="0"/>
+              <a:t> </a:t>
+            </a:r>
+          </a:p>
+          <a:p>
+            <a:r>
+              <a:rPr lang="en-US" dirty="0"/>
+              <a:t>Efficient learning over large time horizons in complex environments requires hierarchical reasoning. Temporally extended actions is one such abstraction. MDPs in their conventional form do no involve actions that are temporally extended. Try SMDP?</a:t>
+            </a:r>
+          </a:p>
+        </p:txBody>
+      </p:sp>
+      <p:pic>
+        <p:nvPicPr>
+          <p:cNvPr id="5" name="Picture 4">
+            <a:extLst>
+              <a:ext uri="{FF2B5EF4-FFF2-40B4-BE49-F238E27FC236}">
+                <a16:creationId xmlns:a16="http://schemas.microsoft.com/office/drawing/2014/main" id="{3A19B955-8C04-D52E-3E12-51DE9A8EAD94}"/>
+              </a:ext>
+            </a:extLst>
+          </p:cNvPr>
+          <p:cNvPicPr>
+            <a:picLocks noChangeAspect="1"/>
+          </p:cNvPicPr>
+          <p:nvPr/>
+        </p:nvPicPr>
+        <p:blipFill>
+          <a:blip r:embed="rId2"/>
+          <a:stretch>
+            <a:fillRect/>
+          </a:stretch>
+        </p:blipFill>
+        <p:spPr>
+          <a:xfrm>
+            <a:off x="4376738" y="4186138"/>
+            <a:ext cx="3157537" cy="497085"/>
+          </a:xfrm>
+          <a:prstGeom prst="rect">
+            <a:avLst/>
+          </a:prstGeom>
+        </p:spPr>
+      </p:pic>
+    </p:spTree>
+    <p:extLst>
+      <p:ext uri="{BB962C8B-B14F-4D97-AF65-F5344CB8AC3E}">
+        <p14:creationId xmlns:p14="http://schemas.microsoft.com/office/powerpoint/2010/main" val="2818462292"/>
+      </p:ext>
+    </p:extLst>
+  </p:cSld>
+  <p:clrMapOvr>
+    <a:masterClrMapping/>
+  </p:clrMapOvr>
+</p:sld>
+</file>
+
+<file path=ppt/slides/slide18.xml><?xml version="1.0" encoding="utf-8"?>
+<p:sld xmlns:a="http://schemas.openxmlformats.org/drawingml/2006/main" xmlns:r="http://schemas.openxmlformats.org/officeDocument/2006/relationships" xmlns:p="http://schemas.openxmlformats.org/presentationml/2006/main">
+  <p:cSld>
+    <p:spTree>
+      <p:nvGrpSpPr>
+        <p:cNvPr id="1" name=""/>
+        <p:cNvGrpSpPr/>
+        <p:nvPr/>
+      </p:nvGrpSpPr>
+      <p:grpSpPr>
+        <a:xfrm>
+          <a:off x="0" y="0"/>
+          <a:ext cx="0" cy="0"/>
+          <a:chOff x="0" y="0"/>
+          <a:chExt cx="0" cy="0"/>
+        </a:xfrm>
+      </p:grpSpPr>
+      <p:sp>
+        <p:nvSpPr>
+          <p:cNvPr id="2" name="Title 1">
+            <a:extLst>
+              <a:ext uri="{FF2B5EF4-FFF2-40B4-BE49-F238E27FC236}">
+                <a16:creationId xmlns:a16="http://schemas.microsoft.com/office/drawing/2014/main" id="{A18E74F5-6373-D473-B814-D186D23CBC71}"/>
+              </a:ext>
+            </a:extLst>
+          </p:cNvPr>
+          <p:cNvSpPr>
+            <a:spLocks noGrp="1"/>
+          </p:cNvSpPr>
+          <p:nvPr>
+            <p:ph type="title"/>
+          </p:nvPr>
+        </p:nvSpPr>
+        <p:spPr/>
+        <p:txBody>
+          <a:bodyPr/>
+          <a:lstStyle/>
+          <a:p>
+            <a:r>
+              <a:rPr lang="it-IT" dirty="0"/>
+              <a:t>03/01/2023 </a:t>
+            </a:r>
+            <a:r>
+              <a:rPr lang="it-IT" dirty="0" err="1"/>
+              <a:t>Past</a:t>
+            </a:r>
+            <a:r>
+              <a:rPr lang="it-IT" dirty="0"/>
+              <a:t> </a:t>
+            </a:r>
+            <a:r>
+              <a:rPr lang="it-IT" dirty="0" err="1"/>
+              <a:t>Todos</a:t>
+            </a:r>
+            <a:r>
+              <a:rPr lang="it-IT" dirty="0"/>
+              <a:t> </a:t>
+            </a:r>
+            <a:r>
+              <a:rPr lang="it-IT" dirty="0" err="1"/>
+              <a:t>collected</a:t>
+            </a:r>
+            <a:endParaRPr lang="en-US" dirty="0"/>
+          </a:p>
+        </p:txBody>
+      </p:sp>
+      <p:sp>
+        <p:nvSpPr>
+          <p:cNvPr id="3" name="Content Placeholder 2">
+            <a:extLst>
+              <a:ext uri="{FF2B5EF4-FFF2-40B4-BE49-F238E27FC236}">
+                <a16:creationId xmlns:a16="http://schemas.microsoft.com/office/drawing/2014/main" id="{1A9ED2EE-E618-FE1E-AE5C-478EF355576D}"/>
+              </a:ext>
+            </a:extLst>
+          </p:cNvPr>
+          <p:cNvSpPr>
+            <a:spLocks noGrp="1"/>
+          </p:cNvSpPr>
+          <p:nvPr>
+            <p:ph idx="1"/>
+          </p:nvPr>
+        </p:nvSpPr>
+        <p:spPr>
+          <a:xfrm>
+            <a:off x="838200" y="1466850"/>
+            <a:ext cx="10515600" cy="5105399"/>
+          </a:xfrm>
+        </p:spPr>
+        <p:txBody>
+          <a:bodyPr>
+            <a:normAutofit fontScale="70000" lnSpcReduction="20000"/>
+          </a:bodyPr>
+          <a:lstStyle/>
+          <a:p>
+            <a:r>
+              <a:rPr lang="it-IT" strike="sngStrike" dirty="0" err="1"/>
+              <a:t>Simplification</a:t>
+            </a:r>
+            <a:r>
+              <a:rPr lang="it-IT" strike="sngStrike" dirty="0"/>
+              <a:t> : </a:t>
+            </a:r>
+            <a:r>
+              <a:rPr lang="it-IT" strike="sngStrike" dirty="0" err="1"/>
+              <a:t>Try</a:t>
+            </a:r>
+            <a:r>
+              <a:rPr lang="it-IT" strike="sngStrike" dirty="0"/>
+              <a:t> </a:t>
+            </a:r>
+            <a:r>
+              <a:rPr lang="it-IT" strike="sngStrike" dirty="0" err="1"/>
+              <a:t>only</a:t>
+            </a:r>
+            <a:r>
+              <a:rPr lang="it-IT" strike="sngStrike" dirty="0"/>
+              <a:t> </a:t>
+            </a:r>
+            <a:r>
+              <a:rPr lang="it-IT" strike="sngStrike" dirty="0" err="1"/>
+              <a:t>cot</a:t>
+            </a:r>
+            <a:r>
+              <a:rPr lang="it-IT" strike="sngStrike" dirty="0"/>
+              <a:t> temperature, </a:t>
+            </a:r>
+            <a:r>
+              <a:rPr lang="it-IT" strike="sngStrike" dirty="0" err="1"/>
+              <a:t>not</a:t>
+            </a:r>
+            <a:r>
+              <a:rPr lang="it-IT" strike="sngStrike" dirty="0"/>
+              <a:t> </a:t>
+            </a:r>
+            <a:r>
+              <a:rPr lang="it-IT" strike="sngStrike" dirty="0" err="1"/>
+              <a:t>all</a:t>
+            </a:r>
+            <a:r>
+              <a:rPr lang="it-IT" strike="sngStrike" dirty="0"/>
+              <a:t> 9</a:t>
+            </a:r>
+          </a:p>
+          <a:p>
+            <a:r>
+              <a:rPr lang="it-IT" strike="sngStrike" dirty="0"/>
+              <a:t>Check </a:t>
+            </a:r>
+            <a:r>
+              <a:rPr lang="it-IT" strike="sngStrike" dirty="0" err="1"/>
+              <a:t>loss</a:t>
+            </a:r>
+            <a:r>
+              <a:rPr lang="it-IT" strike="sngStrike" dirty="0"/>
+              <a:t> </a:t>
+            </a:r>
+            <a:r>
+              <a:rPr lang="it-IT" strike="sngStrike" dirty="0" err="1"/>
+              <a:t>implementation</a:t>
+            </a:r>
+            <a:r>
+              <a:rPr lang="it-IT" strike="sngStrike" dirty="0"/>
+              <a:t> </a:t>
+            </a:r>
+            <a:r>
+              <a:rPr lang="it-IT" strike="sngStrike" dirty="0" err="1"/>
+              <a:t>correctness</a:t>
+            </a:r>
+            <a:r>
+              <a:rPr lang="it-IT" strike="sngStrike" dirty="0"/>
+              <a:t> </a:t>
+            </a:r>
+            <a:r>
+              <a:rPr lang="it-IT" strike="sngStrike" dirty="0" err="1"/>
+              <a:t>corrected</a:t>
+            </a:r>
+            <a:r>
+              <a:rPr lang="it-IT" strike="sngStrike" dirty="0"/>
+              <a:t> ,</a:t>
+            </a:r>
+            <a:r>
+              <a:rPr lang="it-IT" dirty="0"/>
+              <a:t> 04/12 </a:t>
+            </a:r>
+            <a:r>
+              <a:rPr lang="it-IT" dirty="0" err="1"/>
+              <a:t>fixed</a:t>
+            </a:r>
+            <a:r>
+              <a:rPr lang="it-IT" dirty="0"/>
+              <a:t> to </a:t>
+            </a:r>
+            <a:r>
+              <a:rPr lang="it-IT" dirty="0" err="1"/>
+              <a:t>reinforce</a:t>
+            </a:r>
+            <a:r>
+              <a:rPr lang="it-IT" dirty="0"/>
+              <a:t> with baseline, </a:t>
+            </a:r>
+            <a:r>
+              <a:rPr lang="it-IT" dirty="0" err="1"/>
+              <a:t>critic</a:t>
+            </a:r>
+            <a:r>
+              <a:rPr lang="it-IT" dirty="0"/>
+              <a:t> </a:t>
+            </a:r>
+            <a:r>
+              <a:rPr lang="it-IT" dirty="0" err="1"/>
+              <a:t>is</a:t>
+            </a:r>
+            <a:r>
+              <a:rPr lang="it-IT" dirty="0"/>
+              <a:t> </a:t>
+            </a:r>
+            <a:r>
+              <a:rPr lang="it-IT" dirty="0" err="1"/>
+              <a:t>only</a:t>
+            </a:r>
+            <a:r>
+              <a:rPr lang="it-IT" dirty="0"/>
+              <a:t> </a:t>
+            </a:r>
+            <a:r>
+              <a:rPr lang="it-IT" dirty="0" err="1"/>
+              <a:t>updating</a:t>
+            </a:r>
+            <a:r>
+              <a:rPr lang="it-IT" dirty="0"/>
+              <a:t> </a:t>
+            </a:r>
+            <a:r>
+              <a:rPr lang="it-IT" dirty="0" err="1"/>
+              <a:t>at</a:t>
+            </a:r>
+            <a:r>
+              <a:rPr lang="it-IT" dirty="0"/>
+              <a:t> </a:t>
+            </a:r>
+            <a:r>
+              <a:rPr lang="it-IT" dirty="0" err="1"/>
+              <a:t>each</a:t>
+            </a:r>
+            <a:r>
+              <a:rPr lang="it-IT" dirty="0"/>
+              <a:t> </a:t>
+            </a:r>
+            <a:r>
+              <a:rPr lang="it-IT" dirty="0" err="1"/>
+              <a:t>trajectory</a:t>
+            </a:r>
+            <a:r>
+              <a:rPr lang="it-IT" dirty="0"/>
+              <a:t> step, </a:t>
+            </a:r>
+            <a:r>
+              <a:rPr lang="it-IT" dirty="0" err="1"/>
+              <a:t>it</a:t>
+            </a:r>
+            <a:r>
+              <a:rPr lang="it-IT" dirty="0"/>
+              <a:t> </a:t>
+            </a:r>
+            <a:r>
+              <a:rPr lang="it-IT" dirty="0" err="1"/>
+              <a:t>is</a:t>
+            </a:r>
+            <a:r>
+              <a:rPr lang="it-IT" dirty="0"/>
+              <a:t> </a:t>
+            </a:r>
+            <a:r>
+              <a:rPr lang="it-IT" dirty="0" err="1"/>
+              <a:t>still</a:t>
+            </a:r>
+            <a:r>
+              <a:rPr lang="it-IT" dirty="0"/>
+              <a:t> </a:t>
+            </a:r>
+            <a:r>
+              <a:rPr lang="it-IT" dirty="0" err="1"/>
+              <a:t>not</a:t>
+            </a:r>
+            <a:r>
+              <a:rPr lang="it-IT" dirty="0"/>
+              <a:t> </a:t>
+            </a:r>
+            <a:r>
+              <a:rPr lang="it-IT" dirty="0" err="1"/>
+              <a:t>implemented</a:t>
+            </a:r>
+            <a:endParaRPr lang="it-IT" strike="sngStrike" dirty="0"/>
+          </a:p>
+          <a:p>
+            <a:r>
+              <a:rPr lang="it-IT" dirty="0"/>
+              <a:t>Fix </a:t>
+            </a:r>
+            <a:r>
+              <a:rPr lang="it-IT" dirty="0" err="1"/>
+              <a:t>actor-critic</a:t>
+            </a:r>
+            <a:r>
+              <a:rPr lang="it-IT" dirty="0"/>
+              <a:t> and </a:t>
+            </a:r>
+            <a:r>
+              <a:rPr lang="it-IT" dirty="0" err="1"/>
+              <a:t>retrain</a:t>
+            </a:r>
+            <a:r>
+              <a:rPr lang="it-IT" dirty="0"/>
+              <a:t> </a:t>
+            </a:r>
+            <a:r>
+              <a:rPr lang="it-IT" dirty="0" err="1"/>
+              <a:t>params</a:t>
+            </a:r>
+            <a:r>
+              <a:rPr lang="it-IT" dirty="0"/>
+              <a:t> </a:t>
+            </a:r>
+            <a:r>
+              <a:rPr lang="it-IT" dirty="0" err="1"/>
+              <a:t>at</a:t>
+            </a:r>
+            <a:r>
+              <a:rPr lang="it-IT" dirty="0"/>
+              <a:t> </a:t>
+            </a:r>
+            <a:r>
+              <a:rPr lang="it-IT" dirty="0" err="1"/>
+              <a:t>every</a:t>
+            </a:r>
+            <a:r>
+              <a:rPr lang="it-IT" dirty="0"/>
+              <a:t> step t of </a:t>
+            </a:r>
+            <a:r>
+              <a:rPr lang="it-IT" dirty="0" err="1"/>
+              <a:t>traj</a:t>
+            </a:r>
+            <a:endParaRPr lang="it-IT" dirty="0"/>
+          </a:p>
+          <a:p>
+            <a:r>
+              <a:rPr lang="it-IT" strike="sngStrike" dirty="0" err="1"/>
+              <a:t>Try</a:t>
+            </a:r>
+            <a:r>
+              <a:rPr lang="it-IT" strike="sngStrike" dirty="0"/>
+              <a:t> </a:t>
+            </a:r>
+            <a:r>
+              <a:rPr lang="it-IT" strike="sngStrike" dirty="0" err="1"/>
+              <a:t>reward</a:t>
+            </a:r>
+            <a:r>
+              <a:rPr lang="it-IT" strike="sngStrike" dirty="0"/>
+              <a:t> </a:t>
+            </a:r>
+            <a:r>
+              <a:rPr lang="it-IT" strike="sngStrike" dirty="0" err="1"/>
+              <a:t>function</a:t>
+            </a:r>
+            <a:r>
+              <a:rPr lang="it-IT" strike="sngStrike" dirty="0"/>
+              <a:t> </a:t>
+            </a:r>
+            <a:r>
+              <a:rPr lang="it-IT" strike="sngStrike" dirty="0" err="1"/>
+              <a:t>tweaks</a:t>
+            </a:r>
+            <a:r>
+              <a:rPr lang="it-IT" strike="sngStrike" dirty="0"/>
+              <a:t> </a:t>
+            </a:r>
+            <a:r>
+              <a:rPr lang="it-IT" dirty="0"/>
+              <a:t>and </a:t>
+            </a:r>
+            <a:r>
+              <a:rPr lang="it-IT" dirty="0" err="1"/>
+              <a:t>as</a:t>
+            </a:r>
+            <a:r>
+              <a:rPr lang="it-IT" dirty="0"/>
+              <a:t> </a:t>
+            </a:r>
+          </a:p>
+          <a:p>
+            <a:r>
+              <a:rPr lang="it-IT" dirty="0"/>
+              <a:t>Check </a:t>
+            </a:r>
+            <a:r>
+              <a:rPr lang="it-IT" dirty="0" err="1"/>
+              <a:t>sysmodel</a:t>
+            </a:r>
+            <a:r>
+              <a:rPr lang="it-IT" dirty="0"/>
+              <a:t> for some sample </a:t>
+            </a:r>
+            <a:r>
+              <a:rPr lang="it-IT" dirty="0" err="1"/>
+              <a:t>action_taken</a:t>
+            </a:r>
+            <a:r>
+              <a:rPr lang="it-IT" dirty="0"/>
+              <a:t> </a:t>
+            </a:r>
+            <a:r>
+              <a:rPr lang="it-IT" dirty="0" err="1"/>
+              <a:t>sequences</a:t>
+            </a:r>
+            <a:endParaRPr lang="it-IT" dirty="0"/>
+          </a:p>
+          <a:p>
+            <a:r>
+              <a:rPr lang="it-IT" dirty="0"/>
+              <a:t>Check from RL-LSTM </a:t>
+            </a:r>
+            <a:r>
+              <a:rPr lang="it-IT" dirty="0" err="1"/>
+              <a:t>eligibility</a:t>
+            </a:r>
+            <a:r>
+              <a:rPr lang="it-IT" dirty="0"/>
+              <a:t> </a:t>
+            </a:r>
+            <a:r>
+              <a:rPr lang="it-IT" dirty="0" err="1"/>
+              <a:t>traces</a:t>
+            </a:r>
+            <a:endParaRPr lang="it-IT" dirty="0"/>
+          </a:p>
+          <a:p>
+            <a:r>
+              <a:rPr lang="it-IT" strike="sngStrike" dirty="0" err="1"/>
+              <a:t>Changed</a:t>
+            </a:r>
+            <a:r>
+              <a:rPr lang="it-IT" strike="sngStrike" dirty="0"/>
+              <a:t> </a:t>
+            </a:r>
+            <a:r>
+              <a:rPr lang="it-IT" strike="sngStrike" dirty="0" err="1"/>
+              <a:t>Critic</a:t>
+            </a:r>
+            <a:r>
+              <a:rPr lang="it-IT" strike="sngStrike" dirty="0"/>
+              <a:t> to MLP, input </a:t>
+            </a:r>
+            <a:r>
+              <a:rPr lang="it-IT" strike="sngStrike" dirty="0" err="1"/>
+              <a:t>mean</a:t>
+            </a:r>
+            <a:r>
+              <a:rPr lang="it-IT" strike="sngStrike" dirty="0"/>
+              <a:t> features from </a:t>
+            </a:r>
+            <a:r>
+              <a:rPr lang="it-IT" strike="sngStrike" dirty="0" err="1"/>
+              <a:t>past</a:t>
+            </a:r>
+            <a:r>
+              <a:rPr lang="it-IT" strike="sngStrike" dirty="0"/>
+              <a:t> </a:t>
+            </a:r>
+            <a:r>
+              <a:rPr lang="it-IT" strike="sngStrike" dirty="0" err="1"/>
+              <a:t>states</a:t>
+            </a:r>
+            <a:endParaRPr lang="it-IT" strike="sngStrike" dirty="0"/>
+          </a:p>
+          <a:p>
+            <a:endParaRPr lang="it-IT" dirty="0"/>
+          </a:p>
+          <a:p>
+            <a:pPr marL="0" indent="0">
+              <a:buNone/>
+            </a:pPr>
+            <a:r>
+              <a:rPr lang="it-IT" dirty="0"/>
+              <a:t>Next days:</a:t>
+            </a:r>
+          </a:p>
+          <a:p>
+            <a:r>
+              <a:rPr lang="it-IT" dirty="0" err="1"/>
+              <a:t>Pre-train</a:t>
+            </a:r>
+            <a:r>
+              <a:rPr lang="it-IT" dirty="0"/>
+              <a:t> policy with </a:t>
+            </a:r>
+            <a:r>
+              <a:rPr lang="it-IT" dirty="0" err="1"/>
+              <a:t>suboptimal</a:t>
+            </a:r>
+            <a:r>
+              <a:rPr lang="it-IT" dirty="0"/>
+              <a:t> </a:t>
+            </a:r>
+            <a:r>
+              <a:rPr lang="it-IT" dirty="0" err="1"/>
+              <a:t>trajectories</a:t>
+            </a:r>
+            <a:r>
+              <a:rPr lang="it-IT" dirty="0"/>
+              <a:t>? No, </a:t>
+            </a:r>
+            <a:r>
+              <a:rPr lang="it-IT" dirty="0" err="1"/>
+              <a:t>bc</a:t>
+            </a:r>
+            <a:r>
+              <a:rPr lang="it-IT" dirty="0"/>
+              <a:t> </a:t>
+            </a:r>
+            <a:r>
+              <a:rPr lang="it-IT" dirty="0" err="1"/>
+              <a:t>our</a:t>
+            </a:r>
+            <a:r>
+              <a:rPr lang="it-IT" dirty="0"/>
+              <a:t> </a:t>
+            </a:r>
+            <a:r>
+              <a:rPr lang="it-IT" dirty="0" err="1"/>
+              <a:t>suboptimal</a:t>
+            </a:r>
+            <a:r>
+              <a:rPr lang="it-IT" dirty="0"/>
+              <a:t> are random, </a:t>
+            </a:r>
+            <a:r>
+              <a:rPr lang="it-IT" dirty="0" err="1"/>
+              <a:t>maybe</a:t>
+            </a:r>
+            <a:r>
+              <a:rPr lang="it-IT" dirty="0"/>
+              <a:t> </a:t>
+            </a:r>
+            <a:r>
+              <a:rPr lang="it-IT" dirty="0" err="1"/>
+              <a:t>choosing</a:t>
+            </a:r>
+            <a:r>
+              <a:rPr lang="it-IT" dirty="0"/>
+              <a:t> good </a:t>
+            </a:r>
+            <a:r>
+              <a:rPr lang="it-IT" dirty="0" err="1"/>
+              <a:t>ones</a:t>
+            </a:r>
+            <a:r>
+              <a:rPr lang="it-IT" dirty="0"/>
+              <a:t>..</a:t>
+            </a:r>
+            <a:r>
+              <a:rPr lang="it-IT" dirty="0" err="1"/>
+              <a:t>maybe</a:t>
+            </a:r>
+            <a:r>
+              <a:rPr lang="it-IT" dirty="0"/>
+              <a:t> </a:t>
+            </a:r>
+            <a:r>
+              <a:rPr lang="it-IT" dirty="0" err="1"/>
+              <a:t>try</a:t>
+            </a:r>
+            <a:r>
+              <a:rPr lang="it-IT" dirty="0"/>
+              <a:t> MCAC https://drive.google.com/file/d/18kd9IvrNLeko6vYRPr2YFZMfOZGRM44g/view</a:t>
+            </a:r>
+          </a:p>
+          <a:p>
+            <a:r>
+              <a:rPr lang="it-IT" dirty="0" err="1"/>
+              <a:t>Since</a:t>
+            </a:r>
+            <a:r>
+              <a:rPr lang="it-IT" dirty="0"/>
+              <a:t> </a:t>
+            </a:r>
+            <a:r>
+              <a:rPr lang="it-IT" dirty="0" err="1"/>
+              <a:t>environment</a:t>
+            </a:r>
+            <a:r>
+              <a:rPr lang="it-IT" dirty="0"/>
+              <a:t> </a:t>
+            </a:r>
+            <a:r>
+              <a:rPr lang="it-IT" dirty="0" err="1"/>
+              <a:t>is</a:t>
+            </a:r>
+            <a:r>
+              <a:rPr lang="it-IT" dirty="0"/>
+              <a:t> </a:t>
+            </a:r>
+            <a:r>
+              <a:rPr lang="it-IT" dirty="0" err="1"/>
+              <a:t>present</a:t>
+            </a:r>
+            <a:r>
+              <a:rPr lang="it-IT" dirty="0"/>
+              <a:t> (</a:t>
+            </a:r>
+            <a:r>
+              <a:rPr lang="it-IT" dirty="0" err="1"/>
+              <a:t>not</a:t>
+            </a:r>
+            <a:r>
+              <a:rPr lang="it-IT" dirty="0"/>
+              <a:t> so accurate </a:t>
+            </a:r>
+            <a:r>
+              <a:rPr lang="it-IT" dirty="0" err="1"/>
+              <a:t>but</a:t>
+            </a:r>
+            <a:r>
+              <a:rPr lang="it-IT" dirty="0"/>
+              <a:t> ok), </a:t>
+            </a:r>
+            <a:r>
+              <a:rPr lang="it-IT" dirty="0" err="1"/>
+              <a:t>also</a:t>
+            </a:r>
+            <a:r>
+              <a:rPr lang="it-IT" dirty="0"/>
+              <a:t> the Transformer, </a:t>
+            </a:r>
+            <a:r>
+              <a:rPr lang="it-IT" dirty="0" err="1"/>
+              <a:t>stitching</a:t>
+            </a:r>
+            <a:r>
+              <a:rPr lang="it-IT" dirty="0"/>
+              <a:t> can be </a:t>
+            </a:r>
+            <a:r>
+              <a:rPr lang="it-IT" dirty="0" err="1"/>
+              <a:t>considered</a:t>
+            </a:r>
+            <a:r>
+              <a:rPr lang="it-IT" dirty="0"/>
+              <a:t> </a:t>
+            </a:r>
+            <a:r>
+              <a:rPr lang="it-IT" dirty="0" err="1"/>
+              <a:t>still</a:t>
+            </a:r>
+            <a:endParaRPr lang="it-IT" dirty="0"/>
+          </a:p>
+          <a:p>
+            <a:r>
+              <a:rPr lang="it-IT" dirty="0"/>
+              <a:t>Do Celani paper </a:t>
+            </a:r>
+            <a:r>
+              <a:rPr lang="en-US" dirty="0">
+                <a:hlinkClick r:id="rId2"/>
+              </a:rPr>
+              <a:t>2310.05808.pdf (arxiv.org)</a:t>
+            </a:r>
+            <a:endParaRPr lang="en-US" dirty="0"/>
+          </a:p>
+          <a:p>
+            <a:endParaRPr lang="it-IT" dirty="0"/>
+          </a:p>
+          <a:p>
+            <a:endParaRPr lang="it-IT" dirty="0"/>
+          </a:p>
+          <a:p>
+            <a:endParaRPr lang="it-IT" dirty="0"/>
+          </a:p>
+          <a:p>
+            <a:endParaRPr lang="it-IT" dirty="0"/>
+          </a:p>
+          <a:p>
+            <a:endParaRPr lang="en-US" dirty="0"/>
+          </a:p>
+        </p:txBody>
+      </p:sp>
+      <p:pic>
+        <p:nvPicPr>
+          <p:cNvPr id="4" name="Picture 3">
+            <a:extLst>
+              <a:ext uri="{FF2B5EF4-FFF2-40B4-BE49-F238E27FC236}">
+                <a16:creationId xmlns:a16="http://schemas.microsoft.com/office/drawing/2014/main" id="{6ED49CDE-38A8-E763-B4D4-664A0A9FCCA8}"/>
+              </a:ext>
+            </a:extLst>
+          </p:cNvPr>
+          <p:cNvPicPr>
+            <a:picLocks noChangeAspect="1"/>
+          </p:cNvPicPr>
+          <p:nvPr/>
+        </p:nvPicPr>
+        <p:blipFill>
+          <a:blip r:embed="rId3"/>
+          <a:stretch>
+            <a:fillRect/>
+          </a:stretch>
+        </p:blipFill>
+        <p:spPr>
+          <a:xfrm>
+            <a:off x="4774407" y="2605435"/>
+            <a:ext cx="2375402" cy="373955"/>
+          </a:xfrm>
+          <a:prstGeom prst="rect">
+            <a:avLst/>
+          </a:prstGeom>
+        </p:spPr>
+      </p:pic>
+    </p:spTree>
+    <p:extLst>
+      <p:ext uri="{BB962C8B-B14F-4D97-AF65-F5344CB8AC3E}">
+        <p14:creationId xmlns:p14="http://schemas.microsoft.com/office/powerpoint/2010/main" val="1165853706"/>
+      </p:ext>
+    </p:extLst>
+  </p:cSld>
+  <p:clrMapOvr>
+    <a:masterClrMapping/>
+  </p:clrMapOvr>
+</p:sld>
+</file>
+
+<file path=ppt/slides/slide19.xml><?xml version="1.0" encoding="utf-8"?>
+<p:sld xmlns:a="http://schemas.openxmlformats.org/drawingml/2006/main" xmlns:r="http://schemas.openxmlformats.org/officeDocument/2006/relationships" xmlns:p="http://schemas.openxmlformats.org/presentationml/2006/main">
+  <p:cSld>
+    <p:spTree>
+      <p:nvGrpSpPr>
+        <p:cNvPr id="1" name=""/>
+        <p:cNvGrpSpPr/>
+        <p:nvPr/>
+      </p:nvGrpSpPr>
+      <p:grpSpPr>
+        <a:xfrm>
+          <a:off x="0" y="0"/>
+          <a:ext cx="0" cy="0"/>
+          <a:chOff x="0" y="0"/>
+          <a:chExt cx="0" cy="0"/>
+        </a:xfrm>
+      </p:grpSpPr>
+      <p:sp>
+        <p:nvSpPr>
+          <p:cNvPr id="2" name="Title 1">
+            <a:extLst>
+              <a:ext uri="{FF2B5EF4-FFF2-40B4-BE49-F238E27FC236}">
+                <a16:creationId xmlns:a16="http://schemas.microsoft.com/office/drawing/2014/main" id="{5C2FE687-A6F3-D343-F0D9-17EA460152D4}"/>
+              </a:ext>
+            </a:extLst>
+          </p:cNvPr>
+          <p:cNvSpPr>
+            <a:spLocks noGrp="1"/>
+          </p:cNvSpPr>
+          <p:nvPr>
+            <p:ph type="title"/>
+          </p:nvPr>
+        </p:nvSpPr>
+        <p:spPr/>
+        <p:txBody>
+          <a:bodyPr/>
+          <a:lstStyle/>
+          <a:p>
+            <a:r>
+              <a:rPr lang="it-IT" dirty="0"/>
+              <a:t>05/01/2024</a:t>
+            </a:r>
+            <a:endParaRPr lang="en-US" dirty="0"/>
+          </a:p>
+        </p:txBody>
+      </p:sp>
+      <p:sp>
+        <p:nvSpPr>
+          <p:cNvPr id="3" name="Content Placeholder 2">
+            <a:extLst>
+              <a:ext uri="{FF2B5EF4-FFF2-40B4-BE49-F238E27FC236}">
+                <a16:creationId xmlns:a16="http://schemas.microsoft.com/office/drawing/2014/main" id="{34DE388D-C93F-E148-D95B-54C5764FAF31}"/>
+              </a:ext>
+            </a:extLst>
+          </p:cNvPr>
+          <p:cNvSpPr>
+            <a:spLocks noGrp="1"/>
+          </p:cNvSpPr>
+          <p:nvPr>
+            <p:ph idx="1"/>
+          </p:nvPr>
+        </p:nvSpPr>
+        <p:spPr/>
+        <p:txBody>
+          <a:bodyPr>
+            <a:normAutofit fontScale="62500" lnSpcReduction="20000"/>
+          </a:bodyPr>
+          <a:lstStyle/>
+          <a:p>
+            <a:r>
+              <a:rPr lang="it-IT" dirty="0"/>
+              <a:t>04/12 </a:t>
+            </a:r>
+            <a:r>
+              <a:rPr lang="it-IT" dirty="0" err="1"/>
+              <a:t>fixed</a:t>
+            </a:r>
+            <a:r>
+              <a:rPr lang="it-IT" dirty="0"/>
+              <a:t> to </a:t>
+            </a:r>
+            <a:r>
+              <a:rPr lang="it-IT" dirty="0" err="1"/>
+              <a:t>reinforce</a:t>
+            </a:r>
+            <a:r>
+              <a:rPr lang="it-IT" dirty="0"/>
+              <a:t> with baseline, </a:t>
+            </a:r>
+            <a:r>
+              <a:rPr lang="it-IT" dirty="0" err="1"/>
+              <a:t>critic</a:t>
+            </a:r>
+            <a:r>
+              <a:rPr lang="it-IT" dirty="0"/>
+              <a:t> </a:t>
+            </a:r>
+            <a:r>
+              <a:rPr lang="it-IT" dirty="0" err="1"/>
+              <a:t>is</a:t>
+            </a:r>
+            <a:r>
+              <a:rPr lang="it-IT" dirty="0"/>
+              <a:t> </a:t>
+            </a:r>
+            <a:r>
+              <a:rPr lang="it-IT" dirty="0" err="1"/>
+              <a:t>only</a:t>
+            </a:r>
+            <a:r>
+              <a:rPr lang="it-IT" dirty="0"/>
+              <a:t> </a:t>
+            </a:r>
+            <a:r>
+              <a:rPr lang="it-IT" dirty="0" err="1"/>
+              <a:t>updating</a:t>
+            </a:r>
+            <a:r>
+              <a:rPr lang="it-IT" dirty="0"/>
+              <a:t> </a:t>
+            </a:r>
+            <a:r>
+              <a:rPr lang="it-IT" dirty="0" err="1"/>
+              <a:t>at</a:t>
+            </a:r>
+            <a:r>
+              <a:rPr lang="it-IT" dirty="0"/>
+              <a:t> </a:t>
+            </a:r>
+            <a:r>
+              <a:rPr lang="it-IT" dirty="0" err="1"/>
+              <a:t>each</a:t>
+            </a:r>
+            <a:r>
+              <a:rPr lang="it-IT" dirty="0"/>
+              <a:t> </a:t>
+            </a:r>
+            <a:r>
+              <a:rPr lang="it-IT" dirty="0" err="1"/>
+              <a:t>trajectory</a:t>
+            </a:r>
+            <a:r>
+              <a:rPr lang="it-IT" dirty="0"/>
+              <a:t> step, </a:t>
+            </a:r>
+            <a:r>
+              <a:rPr lang="it-IT" dirty="0" err="1"/>
+              <a:t>it</a:t>
+            </a:r>
+            <a:r>
+              <a:rPr lang="it-IT" dirty="0"/>
+              <a:t> </a:t>
+            </a:r>
+            <a:r>
+              <a:rPr lang="it-IT" dirty="0" err="1"/>
+              <a:t>is</a:t>
+            </a:r>
+            <a:r>
+              <a:rPr lang="it-IT" dirty="0"/>
+              <a:t> </a:t>
+            </a:r>
+            <a:r>
+              <a:rPr lang="it-IT" dirty="0" err="1"/>
+              <a:t>still</a:t>
+            </a:r>
+            <a:r>
+              <a:rPr lang="it-IT" dirty="0"/>
+              <a:t> </a:t>
+            </a:r>
+            <a:r>
+              <a:rPr lang="it-IT" dirty="0" err="1"/>
+              <a:t>not</a:t>
+            </a:r>
+            <a:r>
+              <a:rPr lang="it-IT" dirty="0"/>
+              <a:t> </a:t>
+            </a:r>
+            <a:r>
+              <a:rPr lang="it-IT" dirty="0" err="1"/>
+              <a:t>implemented</a:t>
+            </a:r>
+            <a:r>
+              <a:rPr lang="it-IT" dirty="0"/>
+              <a:t>, 05/12 </a:t>
+            </a:r>
+            <a:r>
+              <a:rPr lang="it-IT" dirty="0" err="1"/>
+              <a:t>changed</a:t>
+            </a:r>
+            <a:r>
+              <a:rPr lang="it-IT" dirty="0"/>
+              <a:t> to REINFORCE </a:t>
+            </a:r>
+            <a:r>
+              <a:rPr lang="it-IT" dirty="0" err="1"/>
+              <a:t>Wwith</a:t>
+            </a:r>
+            <a:r>
+              <a:rPr lang="it-IT" dirty="0"/>
+              <a:t> baseline, </a:t>
+            </a:r>
+            <a:r>
+              <a:rPr lang="it-IT" dirty="0" err="1"/>
+              <a:t>where</a:t>
+            </a:r>
+            <a:r>
+              <a:rPr lang="it-IT" dirty="0"/>
+              <a:t> b </a:t>
+            </a:r>
+            <a:r>
+              <a:rPr lang="it-IT" dirty="0" err="1"/>
+              <a:t>is</a:t>
+            </a:r>
+            <a:r>
+              <a:rPr lang="it-IT" dirty="0"/>
+              <a:t> just the </a:t>
+            </a:r>
+            <a:r>
+              <a:rPr lang="it-IT" dirty="0" err="1"/>
+              <a:t>mean</a:t>
+            </a:r>
+            <a:r>
+              <a:rPr lang="it-IT" dirty="0"/>
+              <a:t> of the </a:t>
+            </a:r>
+            <a:r>
+              <a:rPr lang="it-IT" dirty="0" err="1"/>
+              <a:t>rewards</a:t>
+            </a:r>
+            <a:r>
+              <a:rPr lang="it-IT" dirty="0"/>
+              <a:t> of </a:t>
+            </a:r>
+            <a:r>
+              <a:rPr lang="it-IT" dirty="0" err="1"/>
+              <a:t>trajectories</a:t>
+            </a:r>
+            <a:endParaRPr lang="it-IT" strike="sngStrike" dirty="0"/>
+          </a:p>
+          <a:p>
+            <a:r>
+              <a:rPr lang="it-IT" dirty="0"/>
+              <a:t>Fix </a:t>
+            </a:r>
+            <a:r>
+              <a:rPr lang="it-IT" dirty="0" err="1"/>
+              <a:t>actor-critic</a:t>
+            </a:r>
+            <a:r>
+              <a:rPr lang="it-IT" dirty="0"/>
+              <a:t> and </a:t>
+            </a:r>
+            <a:r>
+              <a:rPr lang="it-IT" dirty="0" err="1"/>
+              <a:t>retrain</a:t>
+            </a:r>
+            <a:r>
+              <a:rPr lang="it-IT" dirty="0"/>
+              <a:t> </a:t>
+            </a:r>
+            <a:r>
+              <a:rPr lang="it-IT" dirty="0" err="1"/>
+              <a:t>params</a:t>
+            </a:r>
+            <a:r>
+              <a:rPr lang="it-IT" dirty="0"/>
+              <a:t> </a:t>
+            </a:r>
+            <a:r>
+              <a:rPr lang="it-IT" dirty="0" err="1"/>
+              <a:t>at</a:t>
+            </a:r>
+            <a:r>
+              <a:rPr lang="it-IT" dirty="0"/>
+              <a:t> </a:t>
+            </a:r>
+            <a:r>
+              <a:rPr lang="it-IT" dirty="0" err="1"/>
+              <a:t>every</a:t>
+            </a:r>
+            <a:r>
+              <a:rPr lang="it-IT" dirty="0"/>
+              <a:t> step t of </a:t>
+            </a:r>
+            <a:r>
+              <a:rPr lang="it-IT" dirty="0" err="1"/>
+              <a:t>traj</a:t>
+            </a:r>
+            <a:r>
+              <a:rPr lang="it-IT" dirty="0"/>
+              <a:t> (</a:t>
+            </a:r>
+            <a:r>
+              <a:rPr lang="it-IT" dirty="0" err="1"/>
+              <a:t>would</a:t>
+            </a:r>
+            <a:r>
+              <a:rPr lang="it-IT" dirty="0"/>
+              <a:t> do </a:t>
+            </a:r>
+            <a:r>
+              <a:rPr lang="it-IT" dirty="0" err="1"/>
+              <a:t>this</a:t>
+            </a:r>
+            <a:r>
+              <a:rPr lang="it-IT" dirty="0"/>
+              <a:t> </a:t>
+            </a:r>
+            <a:r>
+              <a:rPr lang="it-IT" dirty="0" err="1"/>
+              <a:t>only</a:t>
+            </a:r>
+            <a:r>
+              <a:rPr lang="it-IT" dirty="0"/>
+              <a:t> </a:t>
+            </a:r>
+            <a:r>
+              <a:rPr lang="it-IT" dirty="0" err="1"/>
+              <a:t>if</a:t>
+            </a:r>
+            <a:r>
+              <a:rPr lang="it-IT" dirty="0"/>
+              <a:t> </a:t>
+            </a:r>
+            <a:r>
+              <a:rPr lang="it-IT" dirty="0" err="1"/>
+              <a:t>within</a:t>
+            </a:r>
+            <a:r>
+              <a:rPr lang="it-IT" dirty="0"/>
+              <a:t> MCAC)</a:t>
+            </a:r>
+          </a:p>
+          <a:p>
+            <a:r>
+              <a:rPr lang="it-IT" dirty="0" err="1"/>
+              <a:t>Reward</a:t>
+            </a:r>
+            <a:r>
+              <a:rPr lang="it-IT" dirty="0"/>
+              <a:t> engineering, or </a:t>
+            </a:r>
+            <a:r>
+              <a:rPr lang="it-IT" dirty="0" err="1"/>
+              <a:t>at</a:t>
+            </a:r>
+            <a:r>
+              <a:rPr lang="it-IT" dirty="0"/>
+              <a:t> </a:t>
+            </a:r>
+            <a:r>
+              <a:rPr lang="it-IT" dirty="0" err="1"/>
+              <a:t>least</a:t>
+            </a:r>
+            <a:r>
+              <a:rPr lang="it-IT" dirty="0"/>
+              <a:t> </a:t>
+            </a:r>
+            <a:r>
+              <a:rPr lang="it-IT" dirty="0" err="1"/>
+              <a:t>showing</a:t>
+            </a:r>
+            <a:r>
+              <a:rPr lang="it-IT" dirty="0"/>
+              <a:t> </a:t>
+            </a:r>
+            <a:r>
+              <a:rPr lang="it-IT" dirty="0" err="1"/>
+              <a:t>improvements</a:t>
+            </a:r>
+            <a:r>
+              <a:rPr lang="it-IT" dirty="0"/>
+              <a:t> (</a:t>
+            </a:r>
+            <a:r>
+              <a:rPr lang="it-IT" dirty="0" err="1"/>
+              <a:t>keepign</a:t>
+            </a:r>
+            <a:r>
+              <a:rPr lang="it-IT" dirty="0"/>
+              <a:t> an action, </a:t>
+            </a:r>
+            <a:r>
+              <a:rPr lang="it-IT" dirty="0" err="1"/>
+              <a:t>avoiding</a:t>
+            </a:r>
+            <a:r>
+              <a:rPr lang="it-IT" dirty="0"/>
+              <a:t> negative </a:t>
+            </a:r>
+            <a:r>
+              <a:rPr lang="it-IT" dirty="0" err="1"/>
+              <a:t>values</a:t>
+            </a:r>
+            <a:r>
+              <a:rPr lang="it-IT" dirty="0"/>
+              <a:t>…)</a:t>
+            </a:r>
+          </a:p>
+          <a:p>
+            <a:r>
+              <a:rPr lang="it-IT" dirty="0"/>
+              <a:t>Check from RL-LSTM </a:t>
+            </a:r>
+            <a:r>
+              <a:rPr lang="it-IT" dirty="0" err="1"/>
+              <a:t>eligibility</a:t>
+            </a:r>
+            <a:r>
+              <a:rPr lang="it-IT" dirty="0"/>
+              <a:t> </a:t>
+            </a:r>
+            <a:r>
+              <a:rPr lang="it-IT" dirty="0" err="1"/>
+              <a:t>traces</a:t>
+            </a:r>
+            <a:endParaRPr lang="it-IT" dirty="0"/>
+          </a:p>
+          <a:p>
+            <a:r>
+              <a:rPr lang="it-IT" dirty="0" err="1"/>
+              <a:t>Change</a:t>
+            </a:r>
+            <a:r>
+              <a:rPr lang="it-IT" dirty="0"/>
+              <a:t> input to Value NN</a:t>
+            </a:r>
+          </a:p>
+          <a:p>
+            <a:pPr marL="0" indent="0">
+              <a:buNone/>
+            </a:pPr>
+            <a:r>
+              <a:rPr lang="it-IT" dirty="0"/>
+              <a:t>Next days:</a:t>
+            </a:r>
+          </a:p>
+          <a:p>
+            <a:r>
+              <a:rPr lang="it-IT" strike="sngStrike" dirty="0" err="1"/>
+              <a:t>Pre-train</a:t>
+            </a:r>
+            <a:r>
+              <a:rPr lang="it-IT" strike="sngStrike" dirty="0"/>
+              <a:t> policy with </a:t>
+            </a:r>
+            <a:r>
+              <a:rPr lang="it-IT" strike="sngStrike" dirty="0" err="1"/>
+              <a:t>suboptimal</a:t>
+            </a:r>
+            <a:r>
+              <a:rPr lang="it-IT" strike="sngStrike" dirty="0"/>
+              <a:t> </a:t>
+            </a:r>
+            <a:r>
+              <a:rPr lang="it-IT" strike="sngStrike" dirty="0" err="1"/>
+              <a:t>trajectories</a:t>
+            </a:r>
+            <a:r>
+              <a:rPr lang="it-IT" strike="sngStrike" dirty="0"/>
+              <a:t>? </a:t>
+            </a:r>
+            <a:r>
+              <a:rPr lang="it-IT" dirty="0" err="1"/>
+              <a:t>Choose</a:t>
+            </a:r>
+            <a:r>
+              <a:rPr lang="it-IT" dirty="0"/>
+              <a:t> good </a:t>
+            </a:r>
+            <a:r>
+              <a:rPr lang="it-IT" dirty="0" err="1"/>
+              <a:t>ones</a:t>
+            </a:r>
+            <a:r>
+              <a:rPr lang="it-IT" dirty="0"/>
+              <a:t>..</a:t>
+            </a:r>
+            <a:r>
+              <a:rPr lang="it-IT" dirty="0" err="1"/>
+              <a:t>maybe</a:t>
+            </a:r>
+            <a:r>
+              <a:rPr lang="it-IT" dirty="0"/>
+              <a:t> </a:t>
+            </a:r>
+            <a:r>
+              <a:rPr lang="it-IT" dirty="0" err="1"/>
+              <a:t>try</a:t>
+            </a:r>
+            <a:r>
+              <a:rPr lang="it-IT" dirty="0"/>
+              <a:t> </a:t>
+            </a:r>
+            <a:r>
+              <a:rPr lang="it-IT" dirty="0" err="1"/>
+              <a:t>also</a:t>
+            </a:r>
+            <a:r>
+              <a:rPr lang="it-IT" dirty="0"/>
+              <a:t> MCAC https://drive.google.com/file/d/18kd9IvrNLeko6vYRPr2YFZMfOZGRM44g/view</a:t>
+            </a:r>
+          </a:p>
+          <a:p>
+            <a:r>
+              <a:rPr lang="it-IT" dirty="0" err="1"/>
+              <a:t>Since</a:t>
+            </a:r>
+            <a:r>
+              <a:rPr lang="it-IT" dirty="0"/>
+              <a:t> </a:t>
+            </a:r>
+            <a:r>
+              <a:rPr lang="it-IT" dirty="0" err="1"/>
+              <a:t>environment</a:t>
+            </a:r>
+            <a:r>
+              <a:rPr lang="it-IT" dirty="0"/>
+              <a:t> </a:t>
+            </a:r>
+            <a:r>
+              <a:rPr lang="it-IT" dirty="0" err="1"/>
+              <a:t>is</a:t>
+            </a:r>
+            <a:r>
+              <a:rPr lang="it-IT" dirty="0"/>
+              <a:t> </a:t>
+            </a:r>
+            <a:r>
+              <a:rPr lang="it-IT" dirty="0" err="1"/>
+              <a:t>present</a:t>
+            </a:r>
+            <a:r>
+              <a:rPr lang="it-IT" dirty="0"/>
+              <a:t> (</a:t>
+            </a:r>
+            <a:r>
+              <a:rPr lang="it-IT" dirty="0" err="1"/>
+              <a:t>not</a:t>
+            </a:r>
+            <a:r>
+              <a:rPr lang="it-IT" dirty="0"/>
+              <a:t> so accurate </a:t>
+            </a:r>
+            <a:r>
+              <a:rPr lang="it-IT" dirty="0" err="1"/>
+              <a:t>but</a:t>
+            </a:r>
+            <a:r>
+              <a:rPr lang="it-IT" dirty="0"/>
+              <a:t> ok), </a:t>
+            </a:r>
+            <a:r>
+              <a:rPr lang="it-IT" dirty="0" err="1"/>
+              <a:t>also</a:t>
+            </a:r>
+            <a:r>
+              <a:rPr lang="it-IT" dirty="0"/>
+              <a:t> the Transformer, </a:t>
+            </a:r>
+            <a:r>
+              <a:rPr lang="it-IT" dirty="0" err="1"/>
+              <a:t>stitching</a:t>
+            </a:r>
+            <a:r>
+              <a:rPr lang="it-IT" dirty="0"/>
+              <a:t> can be </a:t>
+            </a:r>
+            <a:r>
+              <a:rPr lang="it-IT" dirty="0" err="1"/>
+              <a:t>considered</a:t>
+            </a:r>
+            <a:r>
+              <a:rPr lang="it-IT" dirty="0"/>
+              <a:t> </a:t>
+            </a:r>
+            <a:r>
+              <a:rPr lang="it-IT" dirty="0" err="1"/>
+              <a:t>still</a:t>
+            </a:r>
+            <a:endParaRPr lang="it-IT" dirty="0"/>
+          </a:p>
+          <a:p>
+            <a:r>
+              <a:rPr lang="it-IT" dirty="0"/>
+              <a:t>Do Celani paper </a:t>
+            </a:r>
+            <a:r>
+              <a:rPr lang="en-US" dirty="0">
+                <a:hlinkClick r:id="rId2"/>
+              </a:rPr>
+              <a:t>2310.05808.pdf (arxiv.org)</a:t>
+            </a:r>
+            <a:endParaRPr lang="en-US" dirty="0"/>
+          </a:p>
+          <a:p>
+            <a:pPr marL="0" indent="0">
+              <a:buNone/>
+            </a:pPr>
+            <a:r>
+              <a:rPr lang="en-US" dirty="0"/>
+              <a:t>Idea: drop idea of RL, do </a:t>
+            </a:r>
+            <a:r>
+              <a:rPr lang="en-US" dirty="0" err="1"/>
+              <a:t>SysId</a:t>
+            </a:r>
+            <a:r>
+              <a:rPr lang="en-US" dirty="0"/>
+              <a:t> as thesis, cover apollo and peregrine</a:t>
+            </a:r>
+          </a:p>
+          <a:p>
+            <a:endParaRPr lang="en-US" dirty="0"/>
+          </a:p>
+        </p:txBody>
+      </p:sp>
+    </p:spTree>
+    <p:extLst>
+      <p:ext uri="{BB962C8B-B14F-4D97-AF65-F5344CB8AC3E}">
+        <p14:creationId xmlns:p14="http://schemas.microsoft.com/office/powerpoint/2010/main" val="1967194992"/>
       </p:ext>
     </p:extLst>
   </p:cSld>
@@ -6267,6 +8158,124 @@
     <p:extLst>
       <p:ext uri="{BB962C8B-B14F-4D97-AF65-F5344CB8AC3E}">
         <p14:creationId xmlns:p14="http://schemas.microsoft.com/office/powerpoint/2010/main" val="4224310557"/>
+      </p:ext>
+    </p:extLst>
+  </p:cSld>
+  <p:clrMapOvr>
+    <a:masterClrMapping/>
+  </p:clrMapOvr>
+</p:sld>
+</file>
+
+<file path=ppt/slides/slide20.xml><?xml version="1.0" encoding="utf-8"?>
+<p:sld xmlns:a="http://schemas.openxmlformats.org/drawingml/2006/main" xmlns:r="http://schemas.openxmlformats.org/officeDocument/2006/relationships" xmlns:p="http://schemas.openxmlformats.org/presentationml/2006/main">
+  <p:cSld>
+    <p:spTree>
+      <p:nvGrpSpPr>
+        <p:cNvPr id="1" name=""/>
+        <p:cNvGrpSpPr/>
+        <p:nvPr/>
+      </p:nvGrpSpPr>
+      <p:grpSpPr>
+        <a:xfrm>
+          <a:off x="0" y="0"/>
+          <a:ext cx="0" cy="0"/>
+          <a:chOff x="0" y="0"/>
+          <a:chExt cx="0" cy="0"/>
+        </a:xfrm>
+      </p:grpSpPr>
+      <p:sp>
+        <p:nvSpPr>
+          <p:cNvPr id="2" name="Title 1">
+            <a:extLst>
+              <a:ext uri="{FF2B5EF4-FFF2-40B4-BE49-F238E27FC236}">
+                <a16:creationId xmlns:a16="http://schemas.microsoft.com/office/drawing/2014/main" id="{C62DEE83-F338-FCF3-C0AA-C727352CBEC0}"/>
+              </a:ext>
+            </a:extLst>
+          </p:cNvPr>
+          <p:cNvSpPr>
+            <a:spLocks noGrp="1"/>
+          </p:cNvSpPr>
+          <p:nvPr>
+            <p:ph type="title"/>
+          </p:nvPr>
+        </p:nvSpPr>
+        <p:spPr/>
+        <p:txBody>
+          <a:bodyPr/>
+          <a:lstStyle/>
+          <a:p>
+            <a:r>
+              <a:rPr lang="it-IT" dirty="0" err="1"/>
+              <a:t>Useful</a:t>
+            </a:r>
+            <a:r>
+              <a:rPr lang="it-IT" dirty="0"/>
+              <a:t> link</a:t>
+            </a:r>
+            <a:endParaRPr lang="en-US" dirty="0"/>
+          </a:p>
+        </p:txBody>
+      </p:sp>
+      <p:sp>
+        <p:nvSpPr>
+          <p:cNvPr id="3" name="Content Placeholder 2">
+            <a:extLst>
+              <a:ext uri="{FF2B5EF4-FFF2-40B4-BE49-F238E27FC236}">
+                <a16:creationId xmlns:a16="http://schemas.microsoft.com/office/drawing/2014/main" id="{01ECB57C-3C42-6CF2-F008-E255912D6037}"/>
+              </a:ext>
+            </a:extLst>
+          </p:cNvPr>
+          <p:cNvSpPr>
+            <a:spLocks noGrp="1"/>
+          </p:cNvSpPr>
+          <p:nvPr>
+            <p:ph idx="1"/>
+          </p:nvPr>
+        </p:nvSpPr>
+        <p:spPr/>
+        <p:txBody>
+          <a:bodyPr/>
+          <a:lstStyle/>
+          <a:p>
+            <a:r>
+              <a:rPr lang="it-IT" dirty="0"/>
+              <a:t>OpenAI </a:t>
+            </a:r>
+            <a:r>
+              <a:rPr lang="it-IT" dirty="0" err="1"/>
+              <a:t>overview</a:t>
+            </a:r>
+            <a:r>
+              <a:rPr lang="it-IT" dirty="0"/>
+              <a:t> of </a:t>
+            </a:r>
+            <a:r>
+              <a:rPr lang="it-IT" dirty="0" err="1"/>
+              <a:t>useful</a:t>
+            </a:r>
+            <a:r>
+              <a:rPr lang="it-IT" dirty="0"/>
+              <a:t> RL papers </a:t>
+            </a:r>
+            <a:r>
+              <a:rPr lang="it-IT" dirty="0">
+                <a:hlinkClick r:id="rId2"/>
+              </a:rPr>
+              <a:t>https://spinningup.openai.com/en/latest/spinningup/keypapers.html</a:t>
+            </a:r>
+            <a:r>
+              <a:rPr lang="it-IT" dirty="0"/>
+              <a:t> </a:t>
+            </a:r>
+            <a:endParaRPr lang="en-US" dirty="0"/>
+          </a:p>
+        </p:txBody>
+      </p:sp>
+    </p:spTree>
+    <p:extLst>
+      <p:ext uri="{BB962C8B-B14F-4D97-AF65-F5344CB8AC3E}">
+        <p14:creationId xmlns:p14="http://schemas.microsoft.com/office/powerpoint/2010/main" val="3287244550"/>
       </p:ext>
     </p:extLst>
   </p:cSld>

--- a/thesis proposal planning pre-heat.pptx
+++ b/thesis proposal planning pre-heat.pptx
@@ -5,7 +5,7 @@
     <p:sldMasterId id="2147483648" r:id="rId1"/>
   </p:sldMasterIdLst>
   <p:notesMasterIdLst>
-    <p:notesMasterId r:id="rId22"/>
+    <p:notesMasterId r:id="rId28"/>
   </p:notesMasterIdLst>
   <p:sldIdLst>
     <p:sldId id="256" r:id="rId2"/>
@@ -27,7 +27,13 @@
     <p:sldId id="273" r:id="rId18"/>
     <p:sldId id="274" r:id="rId19"/>
     <p:sldId id="275" r:id="rId20"/>
-    <p:sldId id="269" r:id="rId21"/>
+    <p:sldId id="276" r:id="rId21"/>
+    <p:sldId id="280" r:id="rId22"/>
+    <p:sldId id="281" r:id="rId23"/>
+    <p:sldId id="269" r:id="rId24"/>
+    <p:sldId id="277" r:id="rId25"/>
+    <p:sldId id="278" r:id="rId26"/>
+    <p:sldId id="279" r:id="rId27"/>
   </p:sldIdLst>
   <p:sldSz cx="12192000" cy="6858000"/>
   <p:notesSz cx="6858000" cy="9144000"/>
@@ -938,7 +944,7 @@
           <a:p>
             <a:fld id="{C73643FF-4940-4180-AB63-13EDBDCA489D}" type="datetimeFigureOut">
               <a:rPr lang="en-US" smtClean="0"/>
-              <a:t>02-Jan-24</a:t>
+              <a:t>09-Jan-24</a:t>
             </a:fld>
             <a:endParaRPr lang="en-US"/>
           </a:p>
@@ -1379,6 +1385,178 @@
 </p:notes>
 </file>
 
+<file path=ppt/notesSlides/notesSlide2.xml><?xml version="1.0" encoding="utf-8"?>
+<p:notes xmlns:a="http://schemas.openxmlformats.org/drawingml/2006/main" xmlns:r="http://schemas.openxmlformats.org/officeDocument/2006/relationships" xmlns:p="http://schemas.openxmlformats.org/presentationml/2006/main">
+  <p:cSld>
+    <p:spTree>
+      <p:nvGrpSpPr>
+        <p:cNvPr id="1" name=""/>
+        <p:cNvGrpSpPr/>
+        <p:nvPr/>
+      </p:nvGrpSpPr>
+      <p:grpSpPr>
+        <a:xfrm>
+          <a:off x="0" y="0"/>
+          <a:ext cx="0" cy="0"/>
+          <a:chOff x="0" y="0"/>
+          <a:chExt cx="0" cy="0"/>
+        </a:xfrm>
+      </p:grpSpPr>
+      <p:sp>
+        <p:nvSpPr>
+          <p:cNvPr id="2" name="Slide Image Placeholder 1"/>
+          <p:cNvSpPr>
+            <a:spLocks noGrp="1" noRot="1" noChangeAspect="1"/>
+          </p:cNvSpPr>
+          <p:nvPr>
+            <p:ph type="sldImg"/>
+          </p:nvPr>
+        </p:nvSpPr>
+        <p:spPr/>
+      </p:sp>
+      <p:sp>
+        <p:nvSpPr>
+          <p:cNvPr id="3" name="Notes Placeholder 2"/>
+          <p:cNvSpPr>
+            <a:spLocks noGrp="1"/>
+          </p:cNvSpPr>
+          <p:nvPr>
+            <p:ph type="body" idx="1"/>
+          </p:nvPr>
+        </p:nvSpPr>
+        <p:spPr/>
+        <p:txBody>
+          <a:bodyPr/>
+          <a:lstStyle/>
+          <a:p>
+            <a:r>
+              <a:rPr lang="it-IT" dirty="0" err="1"/>
+              <a:t>Other</a:t>
+            </a:r>
+            <a:r>
+              <a:rPr lang="it-IT" dirty="0"/>
+              <a:t> </a:t>
+            </a:r>
+            <a:r>
+              <a:rPr lang="it-IT" dirty="0" err="1"/>
+              <a:t>hvac</a:t>
+            </a:r>
+            <a:r>
+              <a:rPr lang="it-IT" dirty="0"/>
+              <a:t> papers </a:t>
+            </a:r>
+            <a:r>
+              <a:rPr lang="it-IT" dirty="0" err="1"/>
+              <a:t>explored</a:t>
+            </a:r>
+            <a:r>
+              <a:rPr lang="it-IT" dirty="0"/>
+              <a:t>, </a:t>
+            </a:r>
+            <a:r>
+              <a:rPr lang="it-IT" dirty="0" err="1"/>
+              <a:t>bad</a:t>
+            </a:r>
+            <a:r>
+              <a:rPr lang="it-IT" dirty="0"/>
+              <a:t> </a:t>
+            </a:r>
+            <a:r>
+              <a:rPr lang="it-IT" dirty="0" err="1"/>
+              <a:t>ones</a:t>
+            </a:r>
+            <a:r>
+              <a:rPr lang="it-IT" dirty="0"/>
+              <a:t>: https://www.mdpi.com/2411-9660/6/3/52, https://www.frontiersin.org/articles/10.3389/fenrg.2020.610518/full, https://www.sciencedirect.com/science/</a:t>
+            </a:r>
+            <a:r>
+              <a:rPr lang="it-IT" dirty="0" err="1"/>
+              <a:t>article</a:t>
+            </a:r>
+            <a:r>
+              <a:rPr lang="it-IT" dirty="0"/>
+              <a:t>/pii/S0306261920309387?via%3Dihub, https://ieeexplore.ieee.org/</a:t>
+            </a:r>
+            <a:r>
+              <a:rPr lang="it-IT" dirty="0" err="1"/>
+              <a:t>document</a:t>
+            </a:r>
+            <a:r>
+              <a:rPr lang="it-IT" dirty="0"/>
+              <a:t>/9504800, https://ieeexplore.ieee.org/</a:t>
+            </a:r>
+            <a:r>
+              <a:rPr lang="it-IT" dirty="0" err="1"/>
+              <a:t>document</a:t>
+            </a:r>
+            <a:r>
+              <a:rPr lang="it-IT" dirty="0"/>
+              <a:t>/9334865, https://link.springer.com/chapter/10.1007/978-3-319-23461-8_1, https://link.springer.com/</a:t>
+            </a:r>
+            <a:r>
+              <a:rPr lang="it-IT" dirty="0" err="1"/>
+              <a:t>chapter</a:t>
+            </a:r>
+            <a:r>
+              <a:rPr lang="it-IT" dirty="0"/>
+              <a:t>/10.1007/978-3-319-23461-8_1, event </a:t>
+            </a:r>
+            <a:r>
+              <a:rPr lang="it-IT" dirty="0" err="1"/>
+              <a:t>triggered</a:t>
+            </a:r>
+            <a:r>
+              <a:rPr lang="it-IT" dirty="0"/>
+              <a:t> https://www.sciencedirect.com/science/article/pii/S0306261920309636?via=ihub , </a:t>
+            </a:r>
+            <a:r>
+              <a:rPr lang="it-IT" dirty="0" err="1"/>
+              <a:t>lstm</a:t>
+            </a:r>
+            <a:r>
+              <a:rPr lang="it-IT" dirty="0"/>
+              <a:t> https://www.mdpi.com/2227-9717/5/3/46 </a:t>
+            </a:r>
+            <a:endParaRPr lang="en-US" dirty="0"/>
+          </a:p>
+        </p:txBody>
+      </p:sp>
+      <p:sp>
+        <p:nvSpPr>
+          <p:cNvPr id="4" name="Slide Number Placeholder 3"/>
+          <p:cNvSpPr>
+            <a:spLocks noGrp="1"/>
+          </p:cNvSpPr>
+          <p:nvPr>
+            <p:ph type="sldNum" sz="quarter" idx="5"/>
+          </p:nvPr>
+        </p:nvSpPr>
+        <p:spPr/>
+        <p:txBody>
+          <a:bodyPr/>
+          <a:lstStyle/>
+          <a:p>
+            <a:fld id="{F87F81AC-F44D-470F-B7F5-0DF799C5A679}" type="slidenum">
+              <a:rPr lang="en-US" smtClean="0"/>
+              <a:t>24</a:t>
+            </a:fld>
+            <a:endParaRPr lang="en-US"/>
+          </a:p>
+        </p:txBody>
+      </p:sp>
+    </p:spTree>
+    <p:extLst>
+      <p:ext uri="{BB962C8B-B14F-4D97-AF65-F5344CB8AC3E}">
+        <p14:creationId xmlns:p14="http://schemas.microsoft.com/office/powerpoint/2010/main" val="4121224023"/>
+      </p:ext>
+    </p:extLst>
+  </p:cSld>
+  <p:clrMapOvr>
+    <a:masterClrMapping/>
+  </p:clrMapOvr>
+</p:notes>
+</file>
+
 <file path=ppt/slideLayouts/slideLayout1.xml><?xml version="1.0" encoding="utf-8"?>
 <p:sldLayout xmlns:a="http://schemas.openxmlformats.org/drawingml/2006/main" xmlns:r="http://schemas.openxmlformats.org/officeDocument/2006/relationships" xmlns:p="http://schemas.openxmlformats.org/presentationml/2006/main" type="title" preserve="1">
   <p:cSld name="Title Slide">
@@ -1526,7 +1704,7 @@
           <a:p>
             <a:fld id="{6F938B85-6EAB-4F38-BDA4-E1B0B96483B1}" type="datetimeFigureOut">
               <a:rPr lang="en-US" smtClean="0"/>
-              <a:t>02-Jan-24</a:t>
+              <a:t>09-Jan-24</a:t>
             </a:fld>
             <a:endParaRPr lang="en-US"/>
           </a:p>
@@ -1724,7 +1902,7 @@
           <a:p>
             <a:fld id="{6F938B85-6EAB-4F38-BDA4-E1B0B96483B1}" type="datetimeFigureOut">
               <a:rPr lang="en-US" smtClean="0"/>
-              <a:t>02-Jan-24</a:t>
+              <a:t>09-Jan-24</a:t>
             </a:fld>
             <a:endParaRPr lang="en-US"/>
           </a:p>
@@ -1932,7 +2110,7 @@
           <a:p>
             <a:fld id="{6F938B85-6EAB-4F38-BDA4-E1B0B96483B1}" type="datetimeFigureOut">
               <a:rPr lang="en-US" smtClean="0"/>
-              <a:t>02-Jan-24</a:t>
+              <a:t>09-Jan-24</a:t>
             </a:fld>
             <a:endParaRPr lang="en-US"/>
           </a:p>
@@ -2130,7 +2308,7 @@
           <a:p>
             <a:fld id="{6F938B85-6EAB-4F38-BDA4-E1B0B96483B1}" type="datetimeFigureOut">
               <a:rPr lang="en-US" smtClean="0"/>
-              <a:t>02-Jan-24</a:t>
+              <a:t>09-Jan-24</a:t>
             </a:fld>
             <a:endParaRPr lang="en-US"/>
           </a:p>
@@ -2405,7 +2583,7 @@
           <a:p>
             <a:fld id="{6F938B85-6EAB-4F38-BDA4-E1B0B96483B1}" type="datetimeFigureOut">
               <a:rPr lang="en-US" smtClean="0"/>
-              <a:t>02-Jan-24</a:t>
+              <a:t>09-Jan-24</a:t>
             </a:fld>
             <a:endParaRPr lang="en-US"/>
           </a:p>
@@ -2670,7 +2848,7 @@
           <a:p>
             <a:fld id="{6F938B85-6EAB-4F38-BDA4-E1B0B96483B1}" type="datetimeFigureOut">
               <a:rPr lang="en-US" smtClean="0"/>
-              <a:t>02-Jan-24</a:t>
+              <a:t>09-Jan-24</a:t>
             </a:fld>
             <a:endParaRPr lang="en-US"/>
           </a:p>
@@ -3082,7 +3260,7 @@
           <a:p>
             <a:fld id="{6F938B85-6EAB-4F38-BDA4-E1B0B96483B1}" type="datetimeFigureOut">
               <a:rPr lang="en-US" smtClean="0"/>
-              <a:t>02-Jan-24</a:t>
+              <a:t>09-Jan-24</a:t>
             </a:fld>
             <a:endParaRPr lang="en-US"/>
           </a:p>
@@ -3223,7 +3401,7 @@
           <a:p>
             <a:fld id="{6F938B85-6EAB-4F38-BDA4-E1B0B96483B1}" type="datetimeFigureOut">
               <a:rPr lang="en-US" smtClean="0"/>
-              <a:t>02-Jan-24</a:t>
+              <a:t>09-Jan-24</a:t>
             </a:fld>
             <a:endParaRPr lang="en-US"/>
           </a:p>
@@ -3336,7 +3514,7 @@
           <a:p>
             <a:fld id="{6F938B85-6EAB-4F38-BDA4-E1B0B96483B1}" type="datetimeFigureOut">
               <a:rPr lang="en-US" smtClean="0"/>
-              <a:t>02-Jan-24</a:t>
+              <a:t>09-Jan-24</a:t>
             </a:fld>
             <a:endParaRPr lang="en-US"/>
           </a:p>
@@ -3647,7 +3825,7 @@
           <a:p>
             <a:fld id="{6F938B85-6EAB-4F38-BDA4-E1B0B96483B1}" type="datetimeFigureOut">
               <a:rPr lang="en-US" smtClean="0"/>
-              <a:t>02-Jan-24</a:t>
+              <a:t>09-Jan-24</a:t>
             </a:fld>
             <a:endParaRPr lang="en-US"/>
           </a:p>
@@ -3935,7 +4113,7 @@
           <a:p>
             <a:fld id="{6F938B85-6EAB-4F38-BDA4-E1B0B96483B1}" type="datetimeFigureOut">
               <a:rPr lang="en-US" smtClean="0"/>
-              <a:t>02-Jan-24</a:t>
+              <a:t>09-Jan-24</a:t>
             </a:fld>
             <a:endParaRPr lang="en-US"/>
           </a:p>
@@ -4176,7 +4354,7 @@
           <a:p>
             <a:fld id="{6F938B85-6EAB-4F38-BDA4-E1B0B96483B1}" type="datetimeFigureOut">
               <a:rPr lang="en-US" smtClean="0"/>
-              <a:t>02-Jan-24</a:t>
+              <a:t>09-Jan-24</a:t>
             </a:fld>
             <a:endParaRPr lang="en-US"/>
           </a:p>
@@ -5494,85 +5672,98 @@
           </a:p>
           <a:p>
             <a:r>
+              <a:rPr lang="it-IT" strike="sngStrike" dirty="0" err="1">
+                <a:highlight>
+                  <a:srgbClr val="FFFF00"/>
+                </a:highlight>
+              </a:rPr>
+              <a:t>Try</a:t>
+            </a:r>
+            <a:r>
+              <a:rPr lang="it-IT" strike="sngStrike" dirty="0">
+                <a:highlight>
+                  <a:srgbClr val="FFFF00"/>
+                </a:highlight>
+              </a:rPr>
+              <a:t> </a:t>
+            </a:r>
+            <a:r>
+              <a:rPr lang="it-IT" strike="sngStrike" dirty="0" err="1">
+                <a:highlight>
+                  <a:srgbClr val="FFFF00"/>
+                </a:highlight>
+              </a:rPr>
+              <a:t>omitting</a:t>
+            </a:r>
+            <a:r>
+              <a:rPr lang="it-IT" strike="sngStrike" dirty="0">
+                <a:highlight>
+                  <a:srgbClr val="FFFF00"/>
+                </a:highlight>
+              </a:rPr>
+              <a:t> duration as output and </a:t>
+            </a:r>
+            <a:r>
+              <a:rPr lang="it-IT" strike="sngStrike" dirty="0" err="1">
+                <a:highlight>
+                  <a:srgbClr val="FFFF00"/>
+                </a:highlight>
+              </a:rPr>
+              <a:t>have</a:t>
+            </a:r>
+            <a:r>
+              <a:rPr lang="it-IT" strike="sngStrike" dirty="0">
+                <a:highlight>
+                  <a:srgbClr val="FFFF00"/>
+                </a:highlight>
+              </a:rPr>
+              <a:t> an action «</a:t>
+            </a:r>
+            <a:r>
+              <a:rPr lang="it-IT" strike="sngStrike" dirty="0" err="1">
+                <a:highlight>
+                  <a:srgbClr val="FFFF00"/>
+                </a:highlight>
+              </a:rPr>
+              <a:t>keep</a:t>
+            </a:r>
+            <a:r>
+              <a:rPr lang="it-IT" strike="sngStrike" dirty="0">
+                <a:highlight>
+                  <a:srgbClr val="FFFF00"/>
+                </a:highlight>
+              </a:rPr>
+              <a:t>» (</a:t>
+            </a:r>
+            <a:r>
+              <a:rPr lang="it-IT" strike="sngStrike" dirty="0" err="1">
+                <a:highlight>
+                  <a:srgbClr val="FFFF00"/>
+                </a:highlight>
+              </a:rPr>
+              <a:t>potentially</a:t>
+            </a:r>
+            <a:r>
+              <a:rPr lang="it-IT" strike="sngStrike" dirty="0">
+                <a:highlight>
+                  <a:srgbClr val="FFFF00"/>
+                </a:highlight>
+              </a:rPr>
+              <a:t> innovative) </a:t>
+            </a:r>
+            <a:r>
               <a:rPr lang="it-IT" dirty="0" err="1">
                 <a:highlight>
                   <a:srgbClr val="FFFF00"/>
                 </a:highlight>
               </a:rPr>
-              <a:t>Try</a:t>
-            </a:r>
-            <a:r>
-              <a:rPr lang="it-IT" dirty="0">
-                <a:highlight>
-                  <a:srgbClr val="FFFF00"/>
-                </a:highlight>
-              </a:rPr>
-              <a:t> </a:t>
-            </a:r>
-            <a:r>
-              <a:rPr lang="it-IT" dirty="0" err="1">
-                <a:highlight>
-                  <a:srgbClr val="FFFF00"/>
-                </a:highlight>
-              </a:rPr>
-              <a:t>omitting</a:t>
-            </a:r>
-            <a:r>
-              <a:rPr lang="it-IT" dirty="0">
-                <a:highlight>
-                  <a:srgbClr val="FFFF00"/>
-                </a:highlight>
-              </a:rPr>
-              <a:t> duration as output and </a:t>
-            </a:r>
-            <a:r>
-              <a:rPr lang="it-IT" dirty="0" err="1">
-                <a:highlight>
-                  <a:srgbClr val="FFFF00"/>
-                </a:highlight>
-              </a:rPr>
-              <a:t>have</a:t>
-            </a:r>
-            <a:r>
-              <a:rPr lang="it-IT" dirty="0">
-                <a:highlight>
-                  <a:srgbClr val="FFFF00"/>
-                </a:highlight>
-              </a:rPr>
-              <a:t> an action «</a:t>
-            </a:r>
-            <a:r>
-              <a:rPr lang="it-IT" dirty="0" err="1">
-                <a:highlight>
-                  <a:srgbClr val="FFFF00"/>
-                </a:highlight>
-              </a:rPr>
-              <a:t>keep</a:t>
-            </a:r>
-            <a:r>
-              <a:rPr lang="it-IT" dirty="0">
-                <a:highlight>
-                  <a:srgbClr val="FFFF00"/>
-                </a:highlight>
-              </a:rPr>
-              <a:t>» (</a:t>
-            </a:r>
-            <a:r>
-              <a:rPr lang="it-IT" dirty="0" err="1">
-                <a:highlight>
-                  <a:srgbClr val="FFFF00"/>
-                </a:highlight>
-              </a:rPr>
-              <a:t>potentially</a:t>
-            </a:r>
-            <a:r>
-              <a:rPr lang="it-IT" dirty="0">
-                <a:highlight>
-                  <a:srgbClr val="FFFF00"/>
-                </a:highlight>
-              </a:rPr>
-              <a:t> innovative)</a:t>
-            </a:r>
+              <a:t>done</a:t>
+            </a:r>
+            <a:endParaRPr lang="it-IT" strike="sngStrike" dirty="0">
+              <a:highlight>
+                <a:srgbClr val="FFFF00"/>
+              </a:highlight>
+            </a:endParaRPr>
           </a:p>
           <a:p>
             <a:r>
@@ -5630,7 +5821,7 @@
             </a:r>
             <a:r>
               <a:rPr lang="it-IT" dirty="0" err="1"/>
-              <a:t>resent</a:t>
+              <a:t>present</a:t>
             </a:r>
             <a:r>
               <a:rPr lang="it-IT" dirty="0"/>
@@ -7497,171 +7688,171 @@
           <a:lstStyle/>
           <a:p>
             <a:r>
-              <a:rPr lang="it-IT" dirty="0"/>
+              <a:rPr lang="it-IT" strike="sngStrike" dirty="0"/>
               <a:t>04/12 </a:t>
             </a:r>
             <a:r>
-              <a:rPr lang="it-IT" dirty="0" err="1"/>
+              <a:rPr lang="it-IT" strike="sngStrike" dirty="0" err="1"/>
               <a:t>fixed</a:t>
             </a:r>
             <a:r>
-              <a:rPr lang="it-IT" dirty="0"/>
+              <a:rPr lang="it-IT" strike="sngStrike" dirty="0"/>
               <a:t> to </a:t>
             </a:r>
             <a:r>
-              <a:rPr lang="it-IT" dirty="0" err="1"/>
+              <a:rPr lang="it-IT" strike="sngStrike" dirty="0" err="1"/>
               <a:t>reinforce</a:t>
             </a:r>
             <a:r>
-              <a:rPr lang="it-IT" dirty="0"/>
+              <a:rPr lang="it-IT" strike="sngStrike" dirty="0"/>
               <a:t> with baseline, </a:t>
             </a:r>
             <a:r>
-              <a:rPr lang="it-IT" dirty="0" err="1"/>
+              <a:rPr lang="it-IT" strike="sngStrike" dirty="0" err="1"/>
               <a:t>critic</a:t>
             </a:r>
             <a:r>
-              <a:rPr lang="it-IT" dirty="0"/>
-              <a:t> </a:t>
-            </a:r>
-            <a:r>
-              <a:rPr lang="it-IT" dirty="0" err="1"/>
+              <a:rPr lang="it-IT" strike="sngStrike" dirty="0"/>
+              <a:t> </a:t>
+            </a:r>
+            <a:r>
+              <a:rPr lang="it-IT" strike="sngStrike" dirty="0" err="1"/>
               <a:t>is</a:t>
             </a:r>
             <a:r>
-              <a:rPr lang="it-IT" dirty="0"/>
-              <a:t> </a:t>
-            </a:r>
-            <a:r>
-              <a:rPr lang="it-IT" dirty="0" err="1"/>
+              <a:rPr lang="it-IT" strike="sngStrike" dirty="0"/>
+              <a:t> </a:t>
+            </a:r>
+            <a:r>
+              <a:rPr lang="it-IT" strike="sngStrike" dirty="0" err="1"/>
               <a:t>only</a:t>
             </a:r>
             <a:r>
-              <a:rPr lang="it-IT" dirty="0"/>
-              <a:t> </a:t>
-            </a:r>
-            <a:r>
-              <a:rPr lang="it-IT" dirty="0" err="1"/>
+              <a:rPr lang="it-IT" strike="sngStrike" dirty="0"/>
+              <a:t> </a:t>
+            </a:r>
+            <a:r>
+              <a:rPr lang="it-IT" strike="sngStrike" dirty="0" err="1"/>
               <a:t>updating</a:t>
             </a:r>
             <a:r>
-              <a:rPr lang="it-IT" dirty="0"/>
-              <a:t> </a:t>
-            </a:r>
-            <a:r>
-              <a:rPr lang="it-IT" dirty="0" err="1"/>
+              <a:rPr lang="it-IT" strike="sngStrike" dirty="0"/>
+              <a:t> </a:t>
+            </a:r>
+            <a:r>
+              <a:rPr lang="it-IT" strike="sngStrike" dirty="0" err="1"/>
               <a:t>at</a:t>
             </a:r>
             <a:r>
-              <a:rPr lang="it-IT" dirty="0"/>
-              <a:t> </a:t>
-            </a:r>
-            <a:r>
-              <a:rPr lang="it-IT" dirty="0" err="1"/>
+              <a:rPr lang="it-IT" strike="sngStrike" dirty="0"/>
+              <a:t> </a:t>
+            </a:r>
+            <a:r>
+              <a:rPr lang="it-IT" strike="sngStrike" dirty="0" err="1"/>
               <a:t>each</a:t>
             </a:r>
             <a:r>
-              <a:rPr lang="it-IT" dirty="0"/>
-              <a:t> </a:t>
-            </a:r>
-            <a:r>
-              <a:rPr lang="it-IT" dirty="0" err="1"/>
+              <a:rPr lang="it-IT" strike="sngStrike" dirty="0"/>
+              <a:t> </a:t>
+            </a:r>
+            <a:r>
+              <a:rPr lang="it-IT" strike="sngStrike" dirty="0" err="1"/>
               <a:t>trajectory</a:t>
             </a:r>
             <a:r>
-              <a:rPr lang="it-IT" dirty="0"/>
+              <a:rPr lang="it-IT" strike="sngStrike" dirty="0"/>
               <a:t> step, </a:t>
             </a:r>
             <a:r>
-              <a:rPr lang="it-IT" dirty="0" err="1"/>
+              <a:rPr lang="it-IT" strike="sngStrike" dirty="0" err="1"/>
               <a:t>it</a:t>
             </a:r>
             <a:r>
-              <a:rPr lang="it-IT" dirty="0"/>
-              <a:t> </a:t>
-            </a:r>
-            <a:r>
-              <a:rPr lang="it-IT" dirty="0" err="1"/>
+              <a:rPr lang="it-IT" strike="sngStrike" dirty="0"/>
+              <a:t> </a:t>
+            </a:r>
+            <a:r>
+              <a:rPr lang="it-IT" strike="sngStrike" dirty="0" err="1"/>
               <a:t>is</a:t>
             </a:r>
             <a:r>
-              <a:rPr lang="it-IT" dirty="0"/>
-              <a:t> </a:t>
-            </a:r>
-            <a:r>
-              <a:rPr lang="it-IT" dirty="0" err="1"/>
+              <a:rPr lang="it-IT" strike="sngStrike" dirty="0"/>
+              <a:t> </a:t>
+            </a:r>
+            <a:r>
+              <a:rPr lang="it-IT" strike="sngStrike" dirty="0" err="1"/>
               <a:t>still</a:t>
             </a:r>
             <a:r>
-              <a:rPr lang="it-IT" dirty="0"/>
-              <a:t> </a:t>
-            </a:r>
-            <a:r>
-              <a:rPr lang="it-IT" dirty="0" err="1"/>
+              <a:rPr lang="it-IT" strike="sngStrike" dirty="0"/>
+              <a:t> </a:t>
+            </a:r>
+            <a:r>
+              <a:rPr lang="it-IT" strike="sngStrike" dirty="0" err="1"/>
               <a:t>not</a:t>
             </a:r>
             <a:r>
-              <a:rPr lang="it-IT" dirty="0"/>
-              <a:t> </a:t>
-            </a:r>
-            <a:r>
-              <a:rPr lang="it-IT" dirty="0" err="1"/>
+              <a:rPr lang="it-IT" strike="sngStrike" dirty="0"/>
+              <a:t> </a:t>
+            </a:r>
+            <a:r>
+              <a:rPr lang="it-IT" strike="sngStrike" dirty="0" err="1"/>
               <a:t>implemented</a:t>
             </a:r>
             <a:r>
-              <a:rPr lang="it-IT" dirty="0"/>
+              <a:rPr lang="it-IT" strike="sngStrike" dirty="0"/>
               <a:t>, 05/12 </a:t>
             </a:r>
             <a:r>
-              <a:rPr lang="it-IT" dirty="0" err="1"/>
+              <a:rPr lang="it-IT" strike="sngStrike" dirty="0" err="1"/>
               <a:t>changed</a:t>
             </a:r>
             <a:r>
-              <a:rPr lang="it-IT" dirty="0"/>
+              <a:rPr lang="it-IT" strike="sngStrike" dirty="0"/>
               <a:t> to REINFORCE </a:t>
             </a:r>
             <a:r>
-              <a:rPr lang="it-IT" dirty="0" err="1"/>
+              <a:rPr lang="it-IT" strike="sngStrike" dirty="0" err="1"/>
               <a:t>Wwith</a:t>
             </a:r>
             <a:r>
-              <a:rPr lang="it-IT" dirty="0"/>
+              <a:rPr lang="it-IT" strike="sngStrike" dirty="0"/>
               <a:t> baseline, </a:t>
             </a:r>
             <a:r>
-              <a:rPr lang="it-IT" dirty="0" err="1"/>
+              <a:rPr lang="it-IT" strike="sngStrike" dirty="0" err="1"/>
               <a:t>where</a:t>
             </a:r>
             <a:r>
-              <a:rPr lang="it-IT" dirty="0"/>
+              <a:rPr lang="it-IT" strike="sngStrike" dirty="0"/>
               <a:t> b </a:t>
             </a:r>
             <a:r>
-              <a:rPr lang="it-IT" dirty="0" err="1"/>
+              <a:rPr lang="it-IT" strike="sngStrike" dirty="0" err="1"/>
               <a:t>is</a:t>
             </a:r>
             <a:r>
-              <a:rPr lang="it-IT" dirty="0"/>
+              <a:rPr lang="it-IT" strike="sngStrike" dirty="0"/>
               <a:t> just the </a:t>
             </a:r>
             <a:r>
-              <a:rPr lang="it-IT" dirty="0" err="1"/>
+              <a:rPr lang="it-IT" strike="sngStrike" dirty="0" err="1"/>
               <a:t>mean</a:t>
             </a:r>
             <a:r>
-              <a:rPr lang="it-IT" dirty="0"/>
+              <a:rPr lang="it-IT" strike="sngStrike" dirty="0"/>
               <a:t> of the </a:t>
             </a:r>
             <a:r>
-              <a:rPr lang="it-IT" dirty="0" err="1"/>
+              <a:rPr lang="it-IT" strike="sngStrike" dirty="0" err="1"/>
               <a:t>rewards</a:t>
             </a:r>
             <a:r>
-              <a:rPr lang="it-IT" dirty="0"/>
+              <a:rPr lang="it-IT" strike="sngStrike" dirty="0"/>
               <a:t> of </a:t>
             </a:r>
             <a:r>
-              <a:rPr lang="it-IT" dirty="0" err="1"/>
+              <a:rPr lang="it-IT" strike="sngStrike" dirty="0" err="1"/>
               <a:t>trajectories</a:t>
             </a:r>
             <a:endParaRPr lang="it-IT" strike="sngStrike" dirty="0"/>
@@ -8189,7 +8380,7 @@
           <p:cNvPr id="2" name="Title 1">
             <a:extLst>
               <a:ext uri="{FF2B5EF4-FFF2-40B4-BE49-F238E27FC236}">
-                <a16:creationId xmlns:a16="http://schemas.microsoft.com/office/drawing/2014/main" id="{C62DEE83-F338-FCF3-C0AA-C727352CBEC0}"/>
+                <a16:creationId xmlns:a16="http://schemas.microsoft.com/office/drawing/2014/main" id="{5C2FE687-A6F3-D343-F0D9-17EA460152D4}"/>
               </a:ext>
             </a:extLst>
           </p:cNvPr>
@@ -8206,12 +8397,8 @@
           <a:lstStyle/>
           <a:p>
             <a:r>
-              <a:rPr lang="it-IT" dirty="0" err="1"/>
-              <a:t>Useful</a:t>
-            </a:r>
-            <a:r>
-              <a:rPr lang="it-IT" dirty="0"/>
-              <a:t> link</a:t>
+              <a:rPr lang="it-IT" dirty="0"/>
+              <a:t>07/01/2024</a:t>
             </a:r>
             <a:endParaRPr lang="en-US" dirty="0"/>
           </a:p>
@@ -8222,7 +8409,7 @@
           <p:cNvPr id="3" name="Content Placeholder 2">
             <a:extLst>
               <a:ext uri="{FF2B5EF4-FFF2-40B4-BE49-F238E27FC236}">
-                <a16:creationId xmlns:a16="http://schemas.microsoft.com/office/drawing/2014/main" id="{01ECB57C-3C42-6CF2-F008-E255912D6037}"/>
+                <a16:creationId xmlns:a16="http://schemas.microsoft.com/office/drawing/2014/main" id="{34DE388D-C93F-E148-D95B-54C5764FAF31}"/>
               </a:ext>
             </a:extLst>
           </p:cNvPr>
@@ -8235,6 +8422,2060 @@
         </p:nvSpPr>
         <p:spPr/>
         <p:txBody>
+          <a:bodyPr>
+            <a:normAutofit fontScale="70000" lnSpcReduction="20000"/>
+          </a:bodyPr>
+          <a:lstStyle/>
+          <a:p>
+            <a:r>
+              <a:rPr lang="it-IT" dirty="0"/>
+              <a:t>TOP PRIORITY: PRETRAIN NEEDS TO HAPPEN ON POLICY, NOT JUST UPDATING POLICY THROUGH LOSS</a:t>
+            </a:r>
+          </a:p>
+          <a:p>
+            <a:r>
+              <a:rPr lang="it-IT" dirty="0"/>
+              <a:t>Fix </a:t>
+            </a:r>
+            <a:r>
+              <a:rPr lang="it-IT" dirty="0" err="1"/>
+              <a:t>actor-critic</a:t>
+            </a:r>
+            <a:r>
+              <a:rPr lang="it-IT" dirty="0"/>
+              <a:t> and </a:t>
+            </a:r>
+            <a:r>
+              <a:rPr lang="it-IT" dirty="0" err="1"/>
+              <a:t>retrain</a:t>
+            </a:r>
+            <a:r>
+              <a:rPr lang="it-IT" dirty="0"/>
+              <a:t> </a:t>
+            </a:r>
+            <a:r>
+              <a:rPr lang="it-IT" dirty="0" err="1"/>
+              <a:t>params</a:t>
+            </a:r>
+            <a:r>
+              <a:rPr lang="it-IT" dirty="0"/>
+              <a:t> </a:t>
+            </a:r>
+            <a:r>
+              <a:rPr lang="it-IT" dirty="0" err="1"/>
+              <a:t>at</a:t>
+            </a:r>
+            <a:r>
+              <a:rPr lang="it-IT" dirty="0"/>
+              <a:t> </a:t>
+            </a:r>
+            <a:r>
+              <a:rPr lang="it-IT" dirty="0" err="1"/>
+              <a:t>every</a:t>
+            </a:r>
+            <a:r>
+              <a:rPr lang="it-IT" dirty="0"/>
+              <a:t> step t of </a:t>
+            </a:r>
+            <a:r>
+              <a:rPr lang="it-IT" dirty="0" err="1"/>
+              <a:t>traj</a:t>
+            </a:r>
+            <a:r>
+              <a:rPr lang="it-IT" dirty="0"/>
+              <a:t> (</a:t>
+            </a:r>
+            <a:r>
+              <a:rPr lang="it-IT" dirty="0" err="1"/>
+              <a:t>would</a:t>
+            </a:r>
+            <a:r>
+              <a:rPr lang="it-IT" dirty="0"/>
+              <a:t> do </a:t>
+            </a:r>
+            <a:r>
+              <a:rPr lang="it-IT" dirty="0" err="1"/>
+              <a:t>this</a:t>
+            </a:r>
+            <a:r>
+              <a:rPr lang="it-IT" dirty="0"/>
+              <a:t> </a:t>
+            </a:r>
+            <a:r>
+              <a:rPr lang="it-IT" dirty="0" err="1"/>
+              <a:t>only</a:t>
+            </a:r>
+            <a:r>
+              <a:rPr lang="it-IT" dirty="0"/>
+              <a:t> </a:t>
+            </a:r>
+            <a:r>
+              <a:rPr lang="it-IT" dirty="0" err="1"/>
+              <a:t>if</a:t>
+            </a:r>
+            <a:r>
+              <a:rPr lang="it-IT" dirty="0"/>
+              <a:t> </a:t>
+            </a:r>
+            <a:r>
+              <a:rPr lang="it-IT" dirty="0" err="1"/>
+              <a:t>within</a:t>
+            </a:r>
+            <a:r>
+              <a:rPr lang="it-IT" dirty="0"/>
+              <a:t> MCAC)</a:t>
+            </a:r>
+          </a:p>
+          <a:p>
+            <a:r>
+              <a:rPr lang="it-IT" dirty="0" err="1"/>
+              <a:t>Reward</a:t>
+            </a:r>
+            <a:r>
+              <a:rPr lang="it-IT" dirty="0"/>
+              <a:t> engineering, or </a:t>
+            </a:r>
+            <a:r>
+              <a:rPr lang="it-IT" dirty="0" err="1"/>
+              <a:t>at</a:t>
+            </a:r>
+            <a:r>
+              <a:rPr lang="it-IT" dirty="0"/>
+              <a:t> </a:t>
+            </a:r>
+            <a:r>
+              <a:rPr lang="it-IT" dirty="0" err="1"/>
+              <a:t>least</a:t>
+            </a:r>
+            <a:r>
+              <a:rPr lang="it-IT" dirty="0"/>
+              <a:t> </a:t>
+            </a:r>
+            <a:r>
+              <a:rPr lang="it-IT" dirty="0" err="1"/>
+              <a:t>showing</a:t>
+            </a:r>
+            <a:r>
+              <a:rPr lang="it-IT" dirty="0"/>
+              <a:t> </a:t>
+            </a:r>
+            <a:r>
+              <a:rPr lang="it-IT" dirty="0" err="1"/>
+              <a:t>improvements</a:t>
+            </a:r>
+            <a:r>
+              <a:rPr lang="it-IT" dirty="0"/>
+              <a:t> (</a:t>
+            </a:r>
+            <a:r>
+              <a:rPr lang="it-IT" dirty="0" err="1"/>
+              <a:t>keepign</a:t>
+            </a:r>
+            <a:r>
+              <a:rPr lang="it-IT" dirty="0"/>
+              <a:t> an action, </a:t>
+            </a:r>
+            <a:r>
+              <a:rPr lang="it-IT" dirty="0" err="1"/>
+              <a:t>avoiding</a:t>
+            </a:r>
+            <a:r>
+              <a:rPr lang="it-IT" dirty="0"/>
+              <a:t> negative </a:t>
+            </a:r>
+            <a:r>
+              <a:rPr lang="it-IT" dirty="0" err="1"/>
+              <a:t>values</a:t>
+            </a:r>
+            <a:r>
+              <a:rPr lang="it-IT" dirty="0"/>
+              <a:t>…)</a:t>
+            </a:r>
+          </a:p>
+          <a:p>
+            <a:r>
+              <a:rPr lang="it-IT" dirty="0"/>
+              <a:t>Check from RL-LSTM </a:t>
+            </a:r>
+            <a:r>
+              <a:rPr lang="it-IT" dirty="0" err="1"/>
+              <a:t>eligibility</a:t>
+            </a:r>
+            <a:r>
+              <a:rPr lang="it-IT" dirty="0"/>
+              <a:t> </a:t>
+            </a:r>
+            <a:r>
+              <a:rPr lang="it-IT" dirty="0" err="1"/>
+              <a:t>traces</a:t>
+            </a:r>
+            <a:endParaRPr lang="it-IT" dirty="0"/>
+          </a:p>
+          <a:p>
+            <a:r>
+              <a:rPr lang="it-IT" dirty="0" err="1"/>
+              <a:t>Change</a:t>
+            </a:r>
+            <a:r>
+              <a:rPr lang="it-IT" dirty="0"/>
+              <a:t> input to Value NN</a:t>
+            </a:r>
+          </a:p>
+          <a:p>
+            <a:pPr marL="0" indent="0">
+              <a:buNone/>
+            </a:pPr>
+            <a:r>
+              <a:rPr lang="it-IT" dirty="0"/>
+              <a:t>Next days:</a:t>
+            </a:r>
+          </a:p>
+          <a:p>
+            <a:r>
+              <a:rPr lang="it-IT" strike="sngStrike" dirty="0" err="1"/>
+              <a:t>Pre-train</a:t>
+            </a:r>
+            <a:r>
+              <a:rPr lang="it-IT" strike="sngStrike" dirty="0"/>
+              <a:t> policy with </a:t>
+            </a:r>
+            <a:r>
+              <a:rPr lang="it-IT" strike="sngStrike" dirty="0" err="1"/>
+              <a:t>suboptimal</a:t>
+            </a:r>
+            <a:r>
+              <a:rPr lang="it-IT" strike="sngStrike" dirty="0"/>
+              <a:t> </a:t>
+            </a:r>
+            <a:r>
+              <a:rPr lang="it-IT" strike="sngStrike" dirty="0" err="1"/>
+              <a:t>trajectories</a:t>
+            </a:r>
+            <a:r>
+              <a:rPr lang="it-IT" strike="sngStrike" dirty="0"/>
+              <a:t>? </a:t>
+            </a:r>
+            <a:r>
+              <a:rPr lang="it-IT" dirty="0" err="1"/>
+              <a:t>Choose</a:t>
+            </a:r>
+            <a:r>
+              <a:rPr lang="it-IT" dirty="0"/>
+              <a:t> good </a:t>
+            </a:r>
+            <a:r>
+              <a:rPr lang="it-IT" dirty="0" err="1"/>
+              <a:t>ones</a:t>
+            </a:r>
+            <a:r>
+              <a:rPr lang="it-IT" dirty="0"/>
+              <a:t>..</a:t>
+            </a:r>
+            <a:r>
+              <a:rPr lang="it-IT" dirty="0" err="1"/>
+              <a:t>maybe</a:t>
+            </a:r>
+            <a:r>
+              <a:rPr lang="it-IT" dirty="0"/>
+              <a:t> </a:t>
+            </a:r>
+            <a:r>
+              <a:rPr lang="it-IT" dirty="0" err="1"/>
+              <a:t>try</a:t>
+            </a:r>
+            <a:r>
+              <a:rPr lang="it-IT" dirty="0"/>
+              <a:t> </a:t>
+            </a:r>
+            <a:r>
+              <a:rPr lang="it-IT" dirty="0" err="1"/>
+              <a:t>also</a:t>
+            </a:r>
+            <a:r>
+              <a:rPr lang="it-IT" dirty="0"/>
+              <a:t> MCAC https://drive.google.com/file/d/18kd9IvrNLeko6vYRPr2YFZMfOZGRM44g/view</a:t>
+            </a:r>
+          </a:p>
+          <a:p>
+            <a:r>
+              <a:rPr lang="it-IT" dirty="0" err="1"/>
+              <a:t>Since</a:t>
+            </a:r>
+            <a:r>
+              <a:rPr lang="it-IT" dirty="0"/>
+              <a:t> </a:t>
+            </a:r>
+            <a:r>
+              <a:rPr lang="it-IT" dirty="0" err="1"/>
+              <a:t>environment</a:t>
+            </a:r>
+            <a:r>
+              <a:rPr lang="it-IT" dirty="0"/>
+              <a:t> </a:t>
+            </a:r>
+            <a:r>
+              <a:rPr lang="it-IT" dirty="0" err="1"/>
+              <a:t>is</a:t>
+            </a:r>
+            <a:r>
+              <a:rPr lang="it-IT" dirty="0"/>
+              <a:t> </a:t>
+            </a:r>
+            <a:r>
+              <a:rPr lang="it-IT" dirty="0" err="1"/>
+              <a:t>present</a:t>
+            </a:r>
+            <a:r>
+              <a:rPr lang="it-IT" dirty="0"/>
+              <a:t> (</a:t>
+            </a:r>
+            <a:r>
+              <a:rPr lang="it-IT" dirty="0" err="1"/>
+              <a:t>not</a:t>
+            </a:r>
+            <a:r>
+              <a:rPr lang="it-IT" dirty="0"/>
+              <a:t> so accurate </a:t>
+            </a:r>
+            <a:r>
+              <a:rPr lang="it-IT" dirty="0" err="1"/>
+              <a:t>but</a:t>
+            </a:r>
+            <a:r>
+              <a:rPr lang="it-IT" dirty="0"/>
+              <a:t> ok), </a:t>
+            </a:r>
+            <a:r>
+              <a:rPr lang="it-IT" dirty="0" err="1"/>
+              <a:t>also</a:t>
+            </a:r>
+            <a:r>
+              <a:rPr lang="it-IT" dirty="0"/>
+              <a:t> the Transformer, </a:t>
+            </a:r>
+            <a:r>
+              <a:rPr lang="it-IT" dirty="0" err="1"/>
+              <a:t>stitching</a:t>
+            </a:r>
+            <a:r>
+              <a:rPr lang="it-IT" dirty="0"/>
+              <a:t> can be </a:t>
+            </a:r>
+            <a:r>
+              <a:rPr lang="it-IT" dirty="0" err="1"/>
+              <a:t>considered</a:t>
+            </a:r>
+            <a:r>
+              <a:rPr lang="it-IT" dirty="0"/>
+              <a:t> </a:t>
+            </a:r>
+            <a:r>
+              <a:rPr lang="it-IT" dirty="0" err="1"/>
+              <a:t>still</a:t>
+            </a:r>
+            <a:endParaRPr lang="it-IT" dirty="0"/>
+          </a:p>
+          <a:p>
+            <a:r>
+              <a:rPr lang="it-IT" dirty="0"/>
+              <a:t>Do Celani paper </a:t>
+            </a:r>
+            <a:r>
+              <a:rPr lang="en-US" dirty="0">
+                <a:hlinkClick r:id="rId2"/>
+              </a:rPr>
+              <a:t>2310.05808.pdf (arxiv.org)</a:t>
+            </a:r>
+            <a:endParaRPr lang="en-US" dirty="0"/>
+          </a:p>
+          <a:p>
+            <a:pPr marL="0" indent="0">
+              <a:buNone/>
+            </a:pPr>
+            <a:r>
+              <a:rPr lang="en-US" dirty="0"/>
+              <a:t>Idea: drop idea of RL, do </a:t>
+            </a:r>
+            <a:r>
+              <a:rPr lang="en-US" dirty="0" err="1"/>
+              <a:t>SysId</a:t>
+            </a:r>
+            <a:r>
+              <a:rPr lang="en-US" dirty="0"/>
+              <a:t> as thesis, cover apollo and peregrine</a:t>
+            </a:r>
+          </a:p>
+          <a:p>
+            <a:endParaRPr lang="en-US" dirty="0"/>
+          </a:p>
+        </p:txBody>
+      </p:sp>
+    </p:spTree>
+    <p:extLst>
+      <p:ext uri="{BB962C8B-B14F-4D97-AF65-F5344CB8AC3E}">
+        <p14:creationId xmlns:p14="http://schemas.microsoft.com/office/powerpoint/2010/main" val="723924714"/>
+      </p:ext>
+    </p:extLst>
+  </p:cSld>
+  <p:clrMapOvr>
+    <a:masterClrMapping/>
+  </p:clrMapOvr>
+</p:sld>
+</file>
+
+<file path=ppt/slides/slide21.xml><?xml version="1.0" encoding="utf-8"?>
+<p:sld xmlns:a="http://schemas.openxmlformats.org/drawingml/2006/main" xmlns:r="http://schemas.openxmlformats.org/officeDocument/2006/relationships" xmlns:p="http://schemas.openxmlformats.org/presentationml/2006/main">
+  <p:cSld>
+    <p:spTree>
+      <p:nvGrpSpPr>
+        <p:cNvPr id="1" name=""/>
+        <p:cNvGrpSpPr/>
+        <p:nvPr/>
+      </p:nvGrpSpPr>
+      <p:grpSpPr>
+        <a:xfrm>
+          <a:off x="0" y="0"/>
+          <a:ext cx="0" cy="0"/>
+          <a:chOff x="0" y="0"/>
+          <a:chExt cx="0" cy="0"/>
+        </a:xfrm>
+      </p:grpSpPr>
+      <p:sp>
+        <p:nvSpPr>
+          <p:cNvPr id="2" name="Title 1">
+            <a:extLst>
+              <a:ext uri="{FF2B5EF4-FFF2-40B4-BE49-F238E27FC236}">
+                <a16:creationId xmlns:a16="http://schemas.microsoft.com/office/drawing/2014/main" id="{5C2FE687-A6F3-D343-F0D9-17EA460152D4}"/>
+              </a:ext>
+            </a:extLst>
+          </p:cNvPr>
+          <p:cNvSpPr>
+            <a:spLocks noGrp="1"/>
+          </p:cNvSpPr>
+          <p:nvPr>
+            <p:ph type="title"/>
+          </p:nvPr>
+        </p:nvSpPr>
+        <p:spPr>
+          <a:xfrm>
+            <a:off x="838200" y="365126"/>
+            <a:ext cx="10515600" cy="730250"/>
+          </a:xfrm>
+        </p:spPr>
+        <p:txBody>
+          <a:bodyPr/>
+          <a:lstStyle/>
+          <a:p>
+            <a:r>
+              <a:rPr lang="it-IT" dirty="0"/>
+              <a:t>08/01/2024</a:t>
+            </a:r>
+            <a:endParaRPr lang="en-US" dirty="0"/>
+          </a:p>
+        </p:txBody>
+      </p:sp>
+      <p:sp>
+        <p:nvSpPr>
+          <p:cNvPr id="3" name="Content Placeholder 2">
+            <a:extLst>
+              <a:ext uri="{FF2B5EF4-FFF2-40B4-BE49-F238E27FC236}">
+                <a16:creationId xmlns:a16="http://schemas.microsoft.com/office/drawing/2014/main" id="{34DE388D-C93F-E148-D95B-54C5764FAF31}"/>
+              </a:ext>
+            </a:extLst>
+          </p:cNvPr>
+          <p:cNvSpPr>
+            <a:spLocks noGrp="1"/>
+          </p:cNvSpPr>
+          <p:nvPr>
+            <p:ph idx="1"/>
+          </p:nvPr>
+        </p:nvSpPr>
+        <p:spPr>
+          <a:xfrm>
+            <a:off x="838200" y="1181100"/>
+            <a:ext cx="10515600" cy="5457825"/>
+          </a:xfrm>
+        </p:spPr>
+        <p:txBody>
+          <a:bodyPr>
+            <a:normAutofit fontScale="47500" lnSpcReduction="20000"/>
+          </a:bodyPr>
+          <a:lstStyle/>
+          <a:p>
+            <a:r>
+              <a:rPr lang="it-IT" dirty="0"/>
+              <a:t>TOP PRIORITY: PRETRAIN NEEDS TO HAPPEN ON POLICY, NOT JUST UPDATING POLICY THROUGH LOSS</a:t>
+            </a:r>
+          </a:p>
+          <a:p>
+            <a:pPr lvl="1"/>
+            <a:r>
+              <a:rPr lang="it-IT" dirty="0"/>
+              <a:t>OFF-POLICY IMPORTANT SAMPLING</a:t>
+            </a:r>
+          </a:p>
+          <a:p>
+            <a:pPr lvl="1"/>
+            <a:r>
+              <a:rPr lang="it-IT" dirty="0"/>
+              <a:t>PRETRAIN </a:t>
+            </a:r>
+            <a:r>
+              <a:rPr lang="it-IT" dirty="0" err="1"/>
+              <a:t>BehavioralCloning</a:t>
+            </a:r>
+            <a:r>
+              <a:rPr lang="it-IT" dirty="0"/>
+              <a:t> (LIKE IN THE BEGINNING, PRETRAIN IDEA)</a:t>
+            </a:r>
+          </a:p>
+          <a:p>
+            <a:pPr lvl="1"/>
+            <a:r>
+              <a:rPr lang="it-IT" dirty="0" err="1"/>
+              <a:t>Path</a:t>
+            </a:r>
+            <a:r>
+              <a:rPr lang="it-IT" dirty="0"/>
+              <a:t> </a:t>
+            </a:r>
+            <a:r>
+              <a:rPr lang="it-IT" dirty="0" err="1"/>
+              <a:t>Consistency</a:t>
+            </a:r>
+            <a:r>
+              <a:rPr lang="it-IT" dirty="0"/>
+              <a:t> Learning</a:t>
+            </a:r>
+          </a:p>
+          <a:p>
+            <a:r>
+              <a:rPr lang="it-IT" strike="sngStrike" dirty="0"/>
+              <a:t>PRIORITY LIMIT ACTIONS TO 2 TYPES, DONT USE ALL FOUR POSSIBILITIES IN ONE TRAJECTORY </a:t>
+            </a:r>
+          </a:p>
+          <a:p>
+            <a:pPr lvl="1"/>
+            <a:r>
+              <a:rPr lang="en-US" b="0" dirty="0">
+                <a:solidFill>
+                  <a:srgbClr val="6A9955"/>
+                </a:solidFill>
+                <a:effectLst/>
+                <a:latin typeface="Consolas" panose="020B0609020204030204" pitchFamily="49" charset="0"/>
+              </a:rPr>
+              <a:t>excluded 1:[0,2400,1000], 3:[2300,0,1000]</a:t>
+            </a:r>
+          </a:p>
+          <a:p>
+            <a:pPr lvl="1"/>
+            <a:r>
+              <a:rPr lang="en-US" dirty="0">
+                <a:latin typeface="Consolas" panose="020B0609020204030204" pitchFamily="49" charset="0"/>
+              </a:rPr>
+              <a:t>Seems the train set contains more the 1 and 3 actions, but also noted that one of the first actions is usually 2, or 0</a:t>
+            </a:r>
+            <a:endParaRPr lang="it-IT" dirty="0"/>
+          </a:p>
+          <a:p>
+            <a:r>
+              <a:rPr lang="it-IT" strike="sngStrike" dirty="0" err="1"/>
+              <a:t>Normalize</a:t>
+            </a:r>
+            <a:r>
+              <a:rPr lang="it-IT" strike="sngStrike" dirty="0"/>
+              <a:t> input </a:t>
+            </a:r>
+            <a:r>
+              <a:rPr lang="it-IT" strike="sngStrike" dirty="0" err="1"/>
+              <a:t>sysmodel</a:t>
+            </a:r>
+            <a:endParaRPr lang="it-IT" strike="sngStrike" dirty="0"/>
+          </a:p>
+          <a:p>
+            <a:r>
+              <a:rPr lang="it-IT" strike="sngStrike" dirty="0"/>
+              <a:t>Eliminate last </a:t>
+            </a:r>
+            <a:r>
+              <a:rPr lang="it-IT" strike="sngStrike" dirty="0" err="1"/>
+              <a:t>states</a:t>
+            </a:r>
+            <a:r>
+              <a:rPr lang="it-IT" strike="sngStrike" dirty="0"/>
+              <a:t> from </a:t>
+            </a:r>
+            <a:r>
+              <a:rPr lang="it-IT" strike="sngStrike" dirty="0" err="1"/>
+              <a:t>each</a:t>
+            </a:r>
+            <a:r>
+              <a:rPr lang="it-IT" strike="sngStrike" dirty="0"/>
+              <a:t> batch </a:t>
+            </a:r>
+            <a:r>
+              <a:rPr lang="it-IT" strike="sngStrike" dirty="0" err="1"/>
+              <a:t>predicted</a:t>
+            </a:r>
+            <a:r>
+              <a:rPr lang="it-IT" strike="sngStrike" dirty="0"/>
+              <a:t>, </a:t>
+            </a:r>
+            <a:r>
+              <a:rPr lang="it-IT" strike="sngStrike" dirty="0" err="1"/>
+              <a:t>repeat</a:t>
+            </a:r>
+            <a:r>
+              <a:rPr lang="it-IT" strike="sngStrike" dirty="0"/>
+              <a:t> </a:t>
+            </a:r>
+            <a:r>
+              <a:rPr lang="it-IT" strike="sngStrike" dirty="0" err="1"/>
+              <a:t>instead</a:t>
+            </a:r>
+            <a:r>
+              <a:rPr lang="it-IT" strike="sngStrike" dirty="0"/>
+              <a:t> last </a:t>
+            </a:r>
+            <a:r>
+              <a:rPr lang="it-IT" strike="sngStrike" dirty="0" err="1"/>
+              <a:t>value</a:t>
+            </a:r>
+            <a:endParaRPr lang="it-IT" strike="sngStrike" dirty="0"/>
+          </a:p>
+          <a:p>
+            <a:r>
+              <a:rPr lang="it-IT" strike="sngStrike" dirty="0"/>
+              <a:t>Take </a:t>
+            </a:r>
+            <a:r>
+              <a:rPr lang="it-IT" strike="sngStrike" dirty="0" err="1"/>
+              <a:t>only</a:t>
+            </a:r>
+            <a:r>
+              <a:rPr lang="it-IT" strike="sngStrike" dirty="0"/>
+              <a:t> first </a:t>
+            </a:r>
+            <a:r>
+              <a:rPr lang="it-IT" strike="sngStrike" dirty="0" err="1"/>
+              <a:t>init</a:t>
+            </a:r>
+            <a:r>
+              <a:rPr lang="it-IT" strike="sngStrike" dirty="0"/>
+              <a:t> state </a:t>
+            </a:r>
+            <a:r>
+              <a:rPr lang="it-IT" strike="sngStrike" dirty="0">
+                <a:highlight>
+                  <a:srgbClr val="FF0000"/>
+                </a:highlight>
+              </a:rPr>
+              <a:t>BAD IDEA AND REVERTED 09/01</a:t>
+            </a:r>
+          </a:p>
+          <a:p>
+            <a:r>
+              <a:rPr lang="it-IT" strike="sngStrike" dirty="0" err="1"/>
+              <a:t>Fixed</a:t>
+            </a:r>
+            <a:r>
+              <a:rPr lang="it-IT" strike="sngStrike" dirty="0"/>
+              <a:t> </a:t>
+            </a:r>
+            <a:r>
+              <a:rPr lang="it-IT" strike="sngStrike" dirty="0" err="1"/>
+              <a:t>critic</a:t>
+            </a:r>
+            <a:r>
+              <a:rPr lang="it-IT" strike="sngStrike" dirty="0"/>
+              <a:t> MSE (</a:t>
+            </a:r>
+            <a:r>
+              <a:rPr lang="it-IT" strike="sngStrike" dirty="0" err="1"/>
+              <a:t>previously</a:t>
+            </a:r>
+            <a:r>
+              <a:rPr lang="it-IT" strike="sngStrike" dirty="0"/>
+              <a:t> </a:t>
+            </a:r>
+            <a:r>
+              <a:rPr lang="it-IT" strike="sngStrike" dirty="0" err="1"/>
+              <a:t>wasnt</a:t>
+            </a:r>
+            <a:r>
+              <a:rPr lang="it-IT" strike="sngStrike" dirty="0"/>
+              <a:t> the </a:t>
+            </a:r>
+            <a:r>
+              <a:rPr lang="it-IT" strike="sngStrike" dirty="0" err="1"/>
+              <a:t>mean</a:t>
+            </a:r>
+            <a:r>
+              <a:rPr lang="it-IT" strike="sngStrike" dirty="0"/>
+              <a:t> of more </a:t>
+            </a:r>
+            <a:r>
+              <a:rPr lang="it-IT" strike="sngStrike" dirty="0" err="1"/>
+              <a:t>trajectories</a:t>
+            </a:r>
+            <a:r>
+              <a:rPr lang="it-IT" strike="sngStrike" dirty="0"/>
+              <a:t>) PRIORITY FIX ALSO POLICY(09.01)</a:t>
+            </a:r>
+          </a:p>
+          <a:p>
+            <a:r>
+              <a:rPr lang="it-IT" dirty="0" err="1">
+                <a:solidFill>
+                  <a:srgbClr val="0563C1"/>
+                </a:solidFill>
+                <a:hlinkClick r:id="rId2">
+                  <a:extLst>
+                    <a:ext uri="{A12FA001-AC4F-418D-AE19-62706E023703}">
+                      <ahyp:hlinkClr xmlns:ahyp="http://schemas.microsoft.com/office/drawing/2018/hyperlinkcolor" val="tx"/>
+                    </a:ext>
+                  </a:extLst>
+                </a:hlinkClick>
+              </a:rPr>
+              <a:t>Normalize</a:t>
+            </a:r>
+            <a:r>
+              <a:rPr lang="it-IT" dirty="0">
+                <a:solidFill>
+                  <a:srgbClr val="0563C1"/>
+                </a:solidFill>
+                <a:hlinkClick r:id="rId2">
+                  <a:extLst>
+                    <a:ext uri="{A12FA001-AC4F-418D-AE19-62706E023703}">
+                      <ahyp:hlinkClr xmlns:ahyp="http://schemas.microsoft.com/office/drawing/2018/hyperlinkcolor" val="tx"/>
+                    </a:ext>
+                  </a:extLst>
+                </a:hlinkClick>
+              </a:rPr>
+              <a:t> </a:t>
+            </a:r>
+            <a:r>
+              <a:rPr lang="it-IT" dirty="0" err="1">
+                <a:solidFill>
+                  <a:srgbClr val="0563C1"/>
+                </a:solidFill>
+                <a:hlinkClick r:id="rId2">
+                  <a:extLst>
+                    <a:ext uri="{A12FA001-AC4F-418D-AE19-62706E023703}">
+                      <ahyp:hlinkClr xmlns:ahyp="http://schemas.microsoft.com/office/drawing/2018/hyperlinkcolor" val="tx"/>
+                    </a:ext>
+                  </a:extLst>
+                </a:hlinkClick>
+              </a:rPr>
+              <a:t>also</a:t>
+            </a:r>
+            <a:r>
+              <a:rPr lang="it-IT" dirty="0">
+                <a:solidFill>
+                  <a:srgbClr val="0563C1"/>
+                </a:solidFill>
+                <a:hlinkClick r:id="rId2">
+                  <a:extLst>
+                    <a:ext uri="{A12FA001-AC4F-418D-AE19-62706E023703}">
+                      <ahyp:hlinkClr xmlns:ahyp="http://schemas.microsoft.com/office/drawing/2018/hyperlinkcolor" val="tx"/>
+                    </a:ext>
+                  </a:extLst>
+                </a:hlinkClick>
+              </a:rPr>
+              <a:t> output of the </a:t>
+            </a:r>
+            <a:r>
+              <a:rPr lang="it-IT" dirty="0" err="1">
+                <a:solidFill>
+                  <a:srgbClr val="0563C1"/>
+                </a:solidFill>
+                <a:hlinkClick r:id="rId2">
+                  <a:extLst>
+                    <a:ext uri="{A12FA001-AC4F-418D-AE19-62706E023703}">
+                      <ahyp:hlinkClr xmlns:ahyp="http://schemas.microsoft.com/office/drawing/2018/hyperlinkcolor" val="tx"/>
+                    </a:ext>
+                  </a:extLst>
+                </a:hlinkClick>
+              </a:rPr>
+              <a:t>value</a:t>
+            </a:r>
+            <a:r>
+              <a:rPr lang="it-IT" dirty="0">
+                <a:solidFill>
+                  <a:srgbClr val="FF0000"/>
+                </a:solidFill>
+                <a:hlinkClick r:id="rId2">
+                  <a:extLst>
+                    <a:ext uri="{A12FA001-AC4F-418D-AE19-62706E023703}">
+                      <ahyp:hlinkClr xmlns:ahyp="http://schemas.microsoft.com/office/drawing/2018/hyperlinkcolor" val="tx"/>
+                    </a:ext>
+                  </a:extLst>
+                </a:hlinkClick>
+              </a:rPr>
+              <a:t> network  https://medium.com/mindboard/scaling-reward-values-for-improved-deep-reinforcement-learning-e9a89f89411d</a:t>
+            </a:r>
+            <a:r>
+              <a:rPr lang="it-IT" dirty="0">
+                <a:solidFill>
+                  <a:srgbClr val="FF0000"/>
+                </a:solidFill>
+              </a:rPr>
+              <a:t> </a:t>
+            </a:r>
+            <a:r>
+              <a:rPr lang="it-IT" dirty="0" err="1">
+                <a:solidFill>
+                  <a:srgbClr val="FF0000"/>
+                </a:solidFill>
+              </a:rPr>
+              <a:t>would</a:t>
+            </a:r>
+            <a:r>
+              <a:rPr lang="it-IT" dirty="0">
+                <a:solidFill>
+                  <a:srgbClr val="FF0000"/>
+                </a:solidFill>
+              </a:rPr>
+              <a:t> </a:t>
+            </a:r>
+            <a:r>
+              <a:rPr lang="it-IT" dirty="0" err="1">
+                <a:solidFill>
+                  <a:srgbClr val="FF0000"/>
+                </a:solidFill>
+              </a:rPr>
+              <a:t>need</a:t>
+            </a:r>
+            <a:r>
+              <a:rPr lang="it-IT" dirty="0">
+                <a:solidFill>
+                  <a:srgbClr val="FF0000"/>
+                </a:solidFill>
+              </a:rPr>
+              <a:t> to </a:t>
+            </a:r>
+            <a:r>
+              <a:rPr lang="it-IT" dirty="0" err="1">
+                <a:solidFill>
+                  <a:srgbClr val="FF0000"/>
+                </a:solidFill>
+              </a:rPr>
+              <a:t>fit</a:t>
+            </a:r>
+            <a:r>
+              <a:rPr lang="it-IT" dirty="0">
+                <a:solidFill>
+                  <a:srgbClr val="FF0000"/>
+                </a:solidFill>
+              </a:rPr>
+              <a:t> </a:t>
+            </a:r>
+            <a:r>
+              <a:rPr lang="it-IT" dirty="0" err="1">
+                <a:solidFill>
+                  <a:srgbClr val="FF0000"/>
+                </a:solidFill>
+              </a:rPr>
+              <a:t>scaler</a:t>
+            </a:r>
+            <a:r>
+              <a:rPr lang="it-IT" dirty="0">
+                <a:solidFill>
+                  <a:srgbClr val="FF0000"/>
+                </a:solidFill>
+              </a:rPr>
+              <a:t> on set of outputs NOT DONE</a:t>
+            </a:r>
+          </a:p>
+          <a:p>
+            <a:r>
+              <a:rPr lang="it-IT" dirty="0"/>
+              <a:t>Fix </a:t>
+            </a:r>
+            <a:r>
+              <a:rPr lang="it-IT" dirty="0" err="1"/>
+              <a:t>actor-critic</a:t>
+            </a:r>
+            <a:r>
+              <a:rPr lang="it-IT" dirty="0"/>
+              <a:t> and </a:t>
+            </a:r>
+            <a:r>
+              <a:rPr lang="it-IT" dirty="0" err="1"/>
+              <a:t>retrain</a:t>
+            </a:r>
+            <a:r>
+              <a:rPr lang="it-IT" dirty="0"/>
+              <a:t> </a:t>
+            </a:r>
+            <a:r>
+              <a:rPr lang="it-IT" dirty="0" err="1"/>
+              <a:t>params</a:t>
+            </a:r>
+            <a:r>
+              <a:rPr lang="it-IT" dirty="0"/>
+              <a:t> </a:t>
+            </a:r>
+            <a:r>
+              <a:rPr lang="it-IT" dirty="0" err="1"/>
+              <a:t>at</a:t>
+            </a:r>
+            <a:r>
+              <a:rPr lang="it-IT" dirty="0"/>
+              <a:t> </a:t>
+            </a:r>
+            <a:r>
+              <a:rPr lang="it-IT" dirty="0" err="1"/>
+              <a:t>every</a:t>
+            </a:r>
+            <a:r>
+              <a:rPr lang="it-IT" dirty="0"/>
+              <a:t> step t of </a:t>
+            </a:r>
+            <a:r>
+              <a:rPr lang="it-IT" dirty="0" err="1"/>
+              <a:t>traj</a:t>
+            </a:r>
+            <a:r>
+              <a:rPr lang="it-IT" dirty="0"/>
+              <a:t> (</a:t>
+            </a:r>
+            <a:r>
+              <a:rPr lang="it-IT" dirty="0" err="1"/>
+              <a:t>would</a:t>
+            </a:r>
+            <a:r>
+              <a:rPr lang="it-IT" dirty="0"/>
+              <a:t> do </a:t>
+            </a:r>
+            <a:r>
+              <a:rPr lang="it-IT" dirty="0" err="1"/>
+              <a:t>this</a:t>
+            </a:r>
+            <a:r>
+              <a:rPr lang="it-IT" dirty="0"/>
+              <a:t> </a:t>
+            </a:r>
+            <a:r>
+              <a:rPr lang="it-IT" dirty="0" err="1"/>
+              <a:t>only</a:t>
+            </a:r>
+            <a:r>
+              <a:rPr lang="it-IT" dirty="0"/>
+              <a:t> </a:t>
+            </a:r>
+            <a:r>
+              <a:rPr lang="it-IT" dirty="0" err="1"/>
+              <a:t>if</a:t>
+            </a:r>
+            <a:r>
+              <a:rPr lang="it-IT" dirty="0"/>
+              <a:t> </a:t>
+            </a:r>
+            <a:r>
+              <a:rPr lang="it-IT" dirty="0" err="1"/>
+              <a:t>within</a:t>
+            </a:r>
+            <a:r>
+              <a:rPr lang="it-IT" dirty="0"/>
+              <a:t> MCAC)</a:t>
+            </a:r>
+          </a:p>
+          <a:p>
+            <a:r>
+              <a:rPr lang="it-IT" dirty="0" err="1"/>
+              <a:t>Reward</a:t>
+            </a:r>
+            <a:r>
+              <a:rPr lang="it-IT" dirty="0"/>
+              <a:t> engineering, or </a:t>
+            </a:r>
+            <a:r>
+              <a:rPr lang="it-IT" dirty="0" err="1"/>
+              <a:t>at</a:t>
+            </a:r>
+            <a:r>
+              <a:rPr lang="it-IT" dirty="0"/>
+              <a:t> </a:t>
+            </a:r>
+            <a:r>
+              <a:rPr lang="it-IT" dirty="0" err="1"/>
+              <a:t>least</a:t>
+            </a:r>
+            <a:r>
+              <a:rPr lang="it-IT" dirty="0"/>
+              <a:t> </a:t>
+            </a:r>
+            <a:r>
+              <a:rPr lang="it-IT" dirty="0" err="1"/>
+              <a:t>showing</a:t>
+            </a:r>
+            <a:r>
+              <a:rPr lang="it-IT" dirty="0"/>
+              <a:t> </a:t>
+            </a:r>
+            <a:r>
+              <a:rPr lang="it-IT" dirty="0" err="1"/>
+              <a:t>improvements</a:t>
+            </a:r>
+            <a:r>
+              <a:rPr lang="it-IT" dirty="0"/>
+              <a:t> (keeping an action, </a:t>
+            </a:r>
+            <a:r>
+              <a:rPr lang="it-IT" dirty="0" err="1"/>
+              <a:t>avoiding</a:t>
+            </a:r>
+            <a:r>
+              <a:rPr lang="it-IT" dirty="0"/>
+              <a:t> negative </a:t>
+            </a:r>
+            <a:r>
+              <a:rPr lang="it-IT" dirty="0" err="1"/>
+              <a:t>values</a:t>
+            </a:r>
+            <a:r>
+              <a:rPr lang="it-IT" dirty="0"/>
+              <a:t>…) </a:t>
+            </a:r>
+            <a:r>
+              <a:rPr lang="it-IT" dirty="0" err="1"/>
+              <a:t>change</a:t>
+            </a:r>
+            <a:r>
+              <a:rPr lang="it-IT" dirty="0"/>
+              <a:t> </a:t>
+            </a:r>
+            <a:r>
+              <a:rPr lang="it-IT" dirty="0" err="1"/>
+              <a:t>order</a:t>
+            </a:r>
+            <a:r>
+              <a:rPr lang="it-IT" dirty="0"/>
+              <a:t> of </a:t>
+            </a:r>
+            <a:r>
+              <a:rPr lang="it-IT" dirty="0" err="1"/>
+              <a:t>magnitude</a:t>
+            </a:r>
+            <a:r>
+              <a:rPr lang="it-IT" dirty="0"/>
+              <a:t> of </a:t>
+            </a:r>
+            <a:r>
+              <a:rPr lang="it-IT" dirty="0" err="1"/>
+              <a:t>rewards</a:t>
+            </a:r>
+            <a:r>
+              <a:rPr lang="it-IT" dirty="0"/>
+              <a:t>?</a:t>
+            </a:r>
+          </a:p>
+          <a:p>
+            <a:r>
+              <a:rPr lang="it-IT" dirty="0"/>
+              <a:t>Check from RL-LSTM </a:t>
+            </a:r>
+            <a:r>
+              <a:rPr lang="it-IT" dirty="0" err="1"/>
+              <a:t>eligibility</a:t>
+            </a:r>
+            <a:r>
+              <a:rPr lang="it-IT" dirty="0"/>
+              <a:t> </a:t>
+            </a:r>
+            <a:r>
+              <a:rPr lang="it-IT" dirty="0" err="1"/>
+              <a:t>traces</a:t>
+            </a:r>
+            <a:r>
+              <a:rPr lang="it-IT" dirty="0"/>
+              <a:t> and </a:t>
+            </a:r>
+            <a:r>
+              <a:rPr lang="it-IT" dirty="0" err="1"/>
+              <a:t>prioritized</a:t>
+            </a:r>
+            <a:r>
+              <a:rPr lang="it-IT" dirty="0"/>
+              <a:t> </a:t>
+            </a:r>
+            <a:r>
+              <a:rPr lang="it-IT" dirty="0" err="1"/>
+              <a:t>eligibility</a:t>
+            </a:r>
+            <a:endParaRPr lang="it-IT" dirty="0"/>
+          </a:p>
+          <a:p>
+            <a:r>
+              <a:rPr lang="it-IT" dirty="0" err="1"/>
+              <a:t>Change</a:t>
+            </a:r>
+            <a:r>
+              <a:rPr lang="it-IT" dirty="0"/>
+              <a:t> input to Value NN, take max in </a:t>
+            </a:r>
+            <a:r>
+              <a:rPr lang="it-IT" dirty="0" err="1"/>
+              <a:t>regions</a:t>
+            </a:r>
+            <a:r>
+              <a:rPr lang="it-IT" dirty="0"/>
+              <a:t>, </a:t>
+            </a:r>
+            <a:r>
+              <a:rPr lang="it-IT" dirty="0" err="1"/>
+              <a:t>not</a:t>
+            </a:r>
+            <a:r>
+              <a:rPr lang="it-IT" dirty="0"/>
+              <a:t> </a:t>
+            </a:r>
+            <a:r>
+              <a:rPr lang="it-IT" dirty="0" err="1"/>
+              <a:t>mean</a:t>
+            </a:r>
+            <a:r>
+              <a:rPr lang="it-IT" dirty="0"/>
+              <a:t> for </a:t>
+            </a:r>
+            <a:r>
+              <a:rPr lang="it-IT" dirty="0" err="1"/>
+              <a:t>example</a:t>
+            </a:r>
+            <a:endParaRPr lang="it-IT" dirty="0"/>
+          </a:p>
+          <a:p>
+            <a:pPr marL="0" indent="0">
+              <a:buNone/>
+            </a:pPr>
+            <a:r>
+              <a:rPr lang="it-IT" dirty="0"/>
+              <a:t>Next days:</a:t>
+            </a:r>
+          </a:p>
+          <a:p>
+            <a:r>
+              <a:rPr lang="it-IT" strike="sngStrike" dirty="0" err="1"/>
+              <a:t>Pre-train</a:t>
+            </a:r>
+            <a:r>
+              <a:rPr lang="it-IT" strike="sngStrike" dirty="0"/>
+              <a:t> policy with </a:t>
+            </a:r>
+            <a:r>
+              <a:rPr lang="it-IT" strike="sngStrike" dirty="0" err="1"/>
+              <a:t>suboptimal</a:t>
+            </a:r>
+            <a:r>
+              <a:rPr lang="it-IT" strike="sngStrike" dirty="0"/>
+              <a:t> </a:t>
+            </a:r>
+            <a:r>
+              <a:rPr lang="it-IT" strike="sngStrike" dirty="0" err="1"/>
+              <a:t>trajectories</a:t>
+            </a:r>
+            <a:r>
+              <a:rPr lang="it-IT" strike="sngStrike" dirty="0"/>
+              <a:t>? </a:t>
+            </a:r>
+            <a:r>
+              <a:rPr lang="it-IT" dirty="0" err="1"/>
+              <a:t>Choose</a:t>
+            </a:r>
+            <a:r>
+              <a:rPr lang="it-IT" dirty="0"/>
+              <a:t> good </a:t>
+            </a:r>
+            <a:r>
+              <a:rPr lang="it-IT" dirty="0" err="1"/>
+              <a:t>ones</a:t>
+            </a:r>
+            <a:r>
+              <a:rPr lang="it-IT" dirty="0"/>
+              <a:t>..</a:t>
+            </a:r>
+            <a:r>
+              <a:rPr lang="it-IT" dirty="0" err="1"/>
+              <a:t>maybe</a:t>
+            </a:r>
+            <a:r>
+              <a:rPr lang="it-IT" dirty="0"/>
+              <a:t> </a:t>
+            </a:r>
+            <a:r>
+              <a:rPr lang="it-IT" dirty="0" err="1"/>
+              <a:t>try</a:t>
+            </a:r>
+            <a:r>
+              <a:rPr lang="it-IT" dirty="0"/>
+              <a:t> </a:t>
+            </a:r>
+            <a:r>
+              <a:rPr lang="it-IT" dirty="0" err="1"/>
+              <a:t>also</a:t>
+            </a:r>
+            <a:r>
+              <a:rPr lang="it-IT" dirty="0"/>
+              <a:t> MCAC https://drive.google.com/file/d/18kd9IvrNLeko6vYRPr2YFZMfOZGRM44g/view</a:t>
+            </a:r>
+          </a:p>
+          <a:p>
+            <a:r>
+              <a:rPr lang="it-IT" dirty="0" err="1"/>
+              <a:t>Since</a:t>
+            </a:r>
+            <a:r>
+              <a:rPr lang="it-IT" dirty="0"/>
+              <a:t> </a:t>
+            </a:r>
+            <a:r>
+              <a:rPr lang="it-IT" dirty="0" err="1"/>
+              <a:t>environment</a:t>
+            </a:r>
+            <a:r>
+              <a:rPr lang="it-IT" dirty="0"/>
+              <a:t> </a:t>
+            </a:r>
+            <a:r>
+              <a:rPr lang="it-IT" dirty="0" err="1"/>
+              <a:t>is</a:t>
+            </a:r>
+            <a:r>
+              <a:rPr lang="it-IT" dirty="0"/>
+              <a:t> </a:t>
+            </a:r>
+            <a:r>
+              <a:rPr lang="it-IT" dirty="0" err="1"/>
+              <a:t>present</a:t>
+            </a:r>
+            <a:r>
+              <a:rPr lang="it-IT" dirty="0"/>
+              <a:t> (</a:t>
+            </a:r>
+            <a:r>
+              <a:rPr lang="it-IT" dirty="0" err="1"/>
+              <a:t>not</a:t>
+            </a:r>
+            <a:r>
+              <a:rPr lang="it-IT" dirty="0"/>
+              <a:t> so accurate </a:t>
+            </a:r>
+            <a:r>
+              <a:rPr lang="it-IT" dirty="0" err="1"/>
+              <a:t>but</a:t>
+            </a:r>
+            <a:r>
+              <a:rPr lang="it-IT" dirty="0"/>
+              <a:t> ok), </a:t>
+            </a:r>
+            <a:r>
+              <a:rPr lang="it-IT" dirty="0" err="1"/>
+              <a:t>also</a:t>
+            </a:r>
+            <a:r>
+              <a:rPr lang="it-IT" dirty="0"/>
+              <a:t> the Transformer, </a:t>
+            </a:r>
+            <a:r>
+              <a:rPr lang="it-IT" dirty="0" err="1"/>
+              <a:t>stitching</a:t>
+            </a:r>
+            <a:r>
+              <a:rPr lang="it-IT" dirty="0"/>
+              <a:t> can be </a:t>
+            </a:r>
+            <a:r>
+              <a:rPr lang="it-IT" dirty="0" err="1"/>
+              <a:t>considered</a:t>
+            </a:r>
+            <a:r>
+              <a:rPr lang="it-IT" dirty="0"/>
+              <a:t> </a:t>
+            </a:r>
+            <a:r>
+              <a:rPr lang="it-IT" dirty="0" err="1"/>
+              <a:t>still</a:t>
+            </a:r>
+            <a:endParaRPr lang="it-IT" dirty="0"/>
+          </a:p>
+          <a:p>
+            <a:r>
+              <a:rPr lang="it-IT" dirty="0"/>
+              <a:t>Do Celani paper </a:t>
+            </a:r>
+            <a:r>
+              <a:rPr lang="en-US" dirty="0">
+                <a:hlinkClick r:id="rId3"/>
+              </a:rPr>
+              <a:t>2310.05808.pdf (arxiv.org)</a:t>
+            </a:r>
+            <a:endParaRPr lang="en-US" dirty="0"/>
+          </a:p>
+          <a:p>
+            <a:pPr marL="0" indent="0">
+              <a:buNone/>
+            </a:pPr>
+            <a:r>
+              <a:rPr lang="en-US" dirty="0"/>
+              <a:t>Idea: drop idea of RL, do </a:t>
+            </a:r>
+            <a:r>
+              <a:rPr lang="en-US" dirty="0" err="1"/>
+              <a:t>SysId</a:t>
+            </a:r>
+            <a:r>
+              <a:rPr lang="en-US" dirty="0"/>
+              <a:t> as thesis, cover apollo and peregrine</a:t>
+            </a:r>
+          </a:p>
+          <a:p>
+            <a:endParaRPr lang="en-US" dirty="0"/>
+          </a:p>
+        </p:txBody>
+      </p:sp>
+    </p:spTree>
+    <p:extLst>
+      <p:ext uri="{BB962C8B-B14F-4D97-AF65-F5344CB8AC3E}">
+        <p14:creationId xmlns:p14="http://schemas.microsoft.com/office/powerpoint/2010/main" val="590544887"/>
+      </p:ext>
+    </p:extLst>
+  </p:cSld>
+  <p:clrMapOvr>
+    <a:masterClrMapping/>
+  </p:clrMapOvr>
+</p:sld>
+</file>
+
+<file path=ppt/slides/slide22.xml><?xml version="1.0" encoding="utf-8"?>
+<p:sld xmlns:a="http://schemas.openxmlformats.org/drawingml/2006/main" xmlns:r="http://schemas.openxmlformats.org/officeDocument/2006/relationships" xmlns:p="http://schemas.openxmlformats.org/presentationml/2006/main">
+  <p:cSld>
+    <p:spTree>
+      <p:nvGrpSpPr>
+        <p:cNvPr id="1" name=""/>
+        <p:cNvGrpSpPr/>
+        <p:nvPr/>
+      </p:nvGrpSpPr>
+      <p:grpSpPr>
+        <a:xfrm>
+          <a:off x="0" y="0"/>
+          <a:ext cx="0" cy="0"/>
+          <a:chOff x="0" y="0"/>
+          <a:chExt cx="0" cy="0"/>
+        </a:xfrm>
+      </p:grpSpPr>
+      <p:sp>
+        <p:nvSpPr>
+          <p:cNvPr id="2" name="Title 1">
+            <a:extLst>
+              <a:ext uri="{FF2B5EF4-FFF2-40B4-BE49-F238E27FC236}">
+                <a16:creationId xmlns:a16="http://schemas.microsoft.com/office/drawing/2014/main" id="{5C2FE687-A6F3-D343-F0D9-17EA460152D4}"/>
+              </a:ext>
+            </a:extLst>
+          </p:cNvPr>
+          <p:cNvSpPr>
+            <a:spLocks noGrp="1"/>
+          </p:cNvSpPr>
+          <p:nvPr>
+            <p:ph type="title"/>
+          </p:nvPr>
+        </p:nvSpPr>
+        <p:spPr>
+          <a:xfrm>
+            <a:off x="838200" y="365126"/>
+            <a:ext cx="10515600" cy="730250"/>
+          </a:xfrm>
+        </p:spPr>
+        <p:txBody>
+          <a:bodyPr/>
+          <a:lstStyle/>
+          <a:p>
+            <a:r>
+              <a:rPr lang="it-IT" dirty="0"/>
+              <a:t>09/01/2024</a:t>
+            </a:r>
+            <a:endParaRPr lang="en-US" dirty="0"/>
+          </a:p>
+        </p:txBody>
+      </p:sp>
+      <p:sp>
+        <p:nvSpPr>
+          <p:cNvPr id="3" name="Content Placeholder 2">
+            <a:extLst>
+              <a:ext uri="{FF2B5EF4-FFF2-40B4-BE49-F238E27FC236}">
+                <a16:creationId xmlns:a16="http://schemas.microsoft.com/office/drawing/2014/main" id="{34DE388D-C93F-E148-D95B-54C5764FAF31}"/>
+              </a:ext>
+            </a:extLst>
+          </p:cNvPr>
+          <p:cNvSpPr>
+            <a:spLocks noGrp="1"/>
+          </p:cNvSpPr>
+          <p:nvPr>
+            <p:ph idx="1"/>
+          </p:nvPr>
+        </p:nvSpPr>
+        <p:spPr>
+          <a:xfrm>
+            <a:off x="838200" y="1181100"/>
+            <a:ext cx="10515600" cy="5457825"/>
+          </a:xfrm>
+        </p:spPr>
+        <p:txBody>
+          <a:bodyPr>
+            <a:normAutofit fontScale="62500" lnSpcReduction="20000"/>
+          </a:bodyPr>
+          <a:lstStyle/>
+          <a:p>
+            <a:r>
+              <a:rPr lang="it-IT" dirty="0"/>
+              <a:t>TOP PRIORITY: PRETRAIN NEEDS TO HAPPEN ON POLICY, NOT JUST UPDATING POLICY THROUGH LOSS</a:t>
+            </a:r>
+          </a:p>
+          <a:p>
+            <a:pPr lvl="1"/>
+            <a:r>
+              <a:rPr lang="it-IT" dirty="0"/>
+              <a:t>OFF-POLICY IMPORTANT SAMPLING</a:t>
+            </a:r>
+          </a:p>
+          <a:p>
+            <a:pPr lvl="1"/>
+            <a:r>
+              <a:rPr lang="it-IT" dirty="0"/>
+              <a:t>PRETRAIN </a:t>
+            </a:r>
+            <a:r>
+              <a:rPr lang="it-IT" dirty="0" err="1"/>
+              <a:t>BehavioralCloning</a:t>
+            </a:r>
+            <a:r>
+              <a:rPr lang="it-IT" dirty="0"/>
+              <a:t> (LIKE IN THE BEGINNING, PRETRAIN IDEA)</a:t>
+            </a:r>
+          </a:p>
+          <a:p>
+            <a:pPr lvl="1"/>
+            <a:r>
+              <a:rPr lang="it-IT" dirty="0" err="1"/>
+              <a:t>Path</a:t>
+            </a:r>
+            <a:r>
+              <a:rPr lang="it-IT" dirty="0"/>
+              <a:t> </a:t>
+            </a:r>
+            <a:r>
+              <a:rPr lang="it-IT" dirty="0" err="1"/>
+              <a:t>Consistency</a:t>
+            </a:r>
+            <a:r>
+              <a:rPr lang="it-IT" dirty="0"/>
+              <a:t> Learning</a:t>
+            </a:r>
+          </a:p>
+          <a:p>
+            <a:r>
+              <a:rPr lang="it-IT" strike="sngStrike" dirty="0"/>
+              <a:t>PRIORITY LIMIT ACTIONS TO 2 TYPES, DONT USE ALL FOUR POSSIBILITIES IN ONE TRAJECTORY </a:t>
+            </a:r>
+          </a:p>
+          <a:p>
+            <a:pPr lvl="1"/>
+            <a:r>
+              <a:rPr lang="en-US" b="0" dirty="0">
+                <a:solidFill>
+                  <a:srgbClr val="6A9955"/>
+                </a:solidFill>
+                <a:effectLst/>
+                <a:latin typeface="Consolas" panose="020B0609020204030204" pitchFamily="49" charset="0"/>
+              </a:rPr>
+              <a:t>excluded 1:[0,2400,1000], 3:[2300,0,1000]</a:t>
+            </a:r>
+          </a:p>
+          <a:p>
+            <a:pPr lvl="1"/>
+            <a:r>
+              <a:rPr lang="en-US" strike="sngStrike" dirty="0"/>
+              <a:t>Seems the train set contains more the 1 </a:t>
+            </a:r>
+            <a:r>
+              <a:rPr lang="it-IT" dirty="0"/>
+              <a:t>Fix </a:t>
+            </a:r>
+            <a:r>
+              <a:rPr lang="it-IT" dirty="0" err="1"/>
+              <a:t>actor-critic</a:t>
+            </a:r>
+            <a:r>
+              <a:rPr lang="it-IT" dirty="0"/>
+              <a:t> and </a:t>
+            </a:r>
+            <a:r>
+              <a:rPr lang="it-IT" dirty="0" err="1"/>
+              <a:t>retrain</a:t>
+            </a:r>
+            <a:r>
+              <a:rPr lang="it-IT" dirty="0"/>
+              <a:t> </a:t>
+            </a:r>
+            <a:r>
+              <a:rPr lang="it-IT" dirty="0" err="1"/>
+              <a:t>params</a:t>
+            </a:r>
+            <a:r>
+              <a:rPr lang="it-IT" dirty="0"/>
+              <a:t> </a:t>
+            </a:r>
+            <a:r>
+              <a:rPr lang="it-IT" dirty="0" err="1"/>
+              <a:t>at</a:t>
+            </a:r>
+            <a:r>
+              <a:rPr lang="it-IT" dirty="0"/>
+              <a:t> </a:t>
+            </a:r>
+            <a:r>
+              <a:rPr lang="it-IT" dirty="0" err="1"/>
+              <a:t>every</a:t>
+            </a:r>
+            <a:r>
+              <a:rPr lang="it-IT" dirty="0"/>
+              <a:t> step t of </a:t>
+            </a:r>
+            <a:r>
+              <a:rPr lang="it-IT" dirty="0" err="1"/>
+              <a:t>traj</a:t>
+            </a:r>
+            <a:r>
+              <a:rPr lang="it-IT" dirty="0"/>
+              <a:t> (</a:t>
+            </a:r>
+            <a:r>
+              <a:rPr lang="it-IT" dirty="0" err="1"/>
+              <a:t>would</a:t>
+            </a:r>
+            <a:r>
+              <a:rPr lang="it-IT" dirty="0"/>
+              <a:t> do </a:t>
+            </a:r>
+            <a:r>
+              <a:rPr lang="it-IT" dirty="0" err="1"/>
+              <a:t>this</a:t>
+            </a:r>
+            <a:r>
+              <a:rPr lang="it-IT" dirty="0"/>
+              <a:t> </a:t>
+            </a:r>
+            <a:r>
+              <a:rPr lang="it-IT" dirty="0" err="1"/>
+              <a:t>only</a:t>
+            </a:r>
+            <a:r>
+              <a:rPr lang="it-IT" dirty="0"/>
+              <a:t> </a:t>
+            </a:r>
+            <a:r>
+              <a:rPr lang="it-IT" dirty="0" err="1"/>
+              <a:t>if</a:t>
+            </a:r>
+            <a:r>
+              <a:rPr lang="it-IT" dirty="0"/>
+              <a:t> </a:t>
+            </a:r>
+            <a:r>
+              <a:rPr lang="it-IT" dirty="0" err="1"/>
+              <a:t>within</a:t>
+            </a:r>
+            <a:r>
+              <a:rPr lang="it-IT" dirty="0"/>
+              <a:t> MCAC)</a:t>
+            </a:r>
+            <a:r>
+              <a:rPr lang="en-US" strike="sngStrike" dirty="0"/>
+              <a:t> and 3 actions, but also noted that one of the first actions is usually 2, or 0 </a:t>
+            </a:r>
+            <a:r>
+              <a:rPr lang="en-US" dirty="0"/>
+              <a:t>done but added only 2x2 in the beginning, not helped, check how many usually</a:t>
+            </a:r>
+            <a:endParaRPr lang="it-IT" dirty="0"/>
+          </a:p>
+          <a:p>
+            <a:r>
+              <a:rPr lang="it-IT" dirty="0"/>
+              <a:t>Check outputs in </a:t>
+            </a:r>
+            <a:r>
+              <a:rPr lang="it-IT" dirty="0" err="1"/>
+              <a:t>matlab</a:t>
+            </a:r>
+            <a:r>
+              <a:rPr lang="it-IT" dirty="0"/>
+              <a:t> for actions </a:t>
+            </a:r>
+            <a:r>
+              <a:rPr lang="it-IT" dirty="0" err="1"/>
+              <a:t>sequences</a:t>
+            </a:r>
+            <a:endParaRPr lang="it-IT" dirty="0"/>
+          </a:p>
+          <a:p>
+            <a:r>
+              <a:rPr lang="it-IT" dirty="0" err="1"/>
+              <a:t>Reward</a:t>
+            </a:r>
+            <a:r>
+              <a:rPr lang="it-IT" dirty="0"/>
+              <a:t> engineering, or </a:t>
+            </a:r>
+            <a:r>
+              <a:rPr lang="it-IT" dirty="0" err="1"/>
+              <a:t>at</a:t>
+            </a:r>
+            <a:r>
+              <a:rPr lang="it-IT" dirty="0"/>
+              <a:t> </a:t>
+            </a:r>
+            <a:r>
+              <a:rPr lang="it-IT" dirty="0" err="1"/>
+              <a:t>least</a:t>
+            </a:r>
+            <a:r>
+              <a:rPr lang="it-IT" dirty="0"/>
+              <a:t> </a:t>
+            </a:r>
+            <a:r>
+              <a:rPr lang="it-IT" dirty="0" err="1"/>
+              <a:t>showing</a:t>
+            </a:r>
+            <a:r>
+              <a:rPr lang="it-IT" dirty="0"/>
+              <a:t> </a:t>
+            </a:r>
+            <a:r>
+              <a:rPr lang="it-IT" dirty="0" err="1"/>
+              <a:t>improvements</a:t>
+            </a:r>
+            <a:r>
+              <a:rPr lang="it-IT" dirty="0"/>
+              <a:t> (keeping an action, </a:t>
+            </a:r>
+            <a:r>
+              <a:rPr lang="it-IT" dirty="0" err="1"/>
+              <a:t>avoiding</a:t>
+            </a:r>
+            <a:r>
+              <a:rPr lang="it-IT" dirty="0"/>
+              <a:t> negative </a:t>
+            </a:r>
+            <a:r>
+              <a:rPr lang="it-IT" dirty="0" err="1"/>
+              <a:t>values</a:t>
+            </a:r>
+            <a:r>
+              <a:rPr lang="it-IT" dirty="0"/>
+              <a:t>…) </a:t>
+            </a:r>
+            <a:r>
+              <a:rPr lang="it-IT" dirty="0" err="1"/>
+              <a:t>change</a:t>
+            </a:r>
+            <a:r>
+              <a:rPr lang="it-IT" dirty="0"/>
+              <a:t> </a:t>
+            </a:r>
+            <a:r>
+              <a:rPr lang="it-IT" dirty="0" err="1"/>
+              <a:t>order</a:t>
+            </a:r>
+            <a:r>
+              <a:rPr lang="it-IT" dirty="0"/>
+              <a:t> of </a:t>
+            </a:r>
+            <a:r>
+              <a:rPr lang="it-IT" dirty="0" err="1"/>
+              <a:t>magnitude</a:t>
+            </a:r>
+            <a:r>
+              <a:rPr lang="it-IT" dirty="0"/>
+              <a:t> of </a:t>
+            </a:r>
+            <a:r>
+              <a:rPr lang="it-IT" dirty="0" err="1"/>
+              <a:t>rewards</a:t>
+            </a:r>
+            <a:r>
+              <a:rPr lang="it-IT" dirty="0"/>
+              <a:t>? </a:t>
+            </a:r>
+            <a:r>
+              <a:rPr lang="it-IT" dirty="0" err="1"/>
+              <a:t>Removed</a:t>
+            </a:r>
+            <a:r>
+              <a:rPr lang="it-IT" dirty="0"/>
+              <a:t> </a:t>
+            </a:r>
+            <a:r>
+              <a:rPr lang="it-IT" dirty="0" err="1"/>
+              <a:t>reward</a:t>
+            </a:r>
+            <a:r>
+              <a:rPr lang="it-IT" dirty="0"/>
+              <a:t> </a:t>
+            </a:r>
+            <a:r>
+              <a:rPr lang="it-IT"/>
+              <a:t>for keeping </a:t>
+            </a:r>
+            <a:r>
+              <a:rPr lang="it-IT" dirty="0"/>
+              <a:t>action</a:t>
+            </a:r>
+          </a:p>
+          <a:p>
+            <a:r>
+              <a:rPr lang="it-IT" dirty="0"/>
+              <a:t>Check from RL-LSTM </a:t>
+            </a:r>
+            <a:r>
+              <a:rPr lang="it-IT" dirty="0" err="1"/>
+              <a:t>eligibility</a:t>
+            </a:r>
+            <a:r>
+              <a:rPr lang="it-IT" dirty="0"/>
+              <a:t> </a:t>
+            </a:r>
+            <a:r>
+              <a:rPr lang="it-IT" dirty="0" err="1"/>
+              <a:t>traces</a:t>
+            </a:r>
+            <a:r>
+              <a:rPr lang="it-IT" dirty="0"/>
+              <a:t> and </a:t>
+            </a:r>
+            <a:r>
+              <a:rPr lang="it-IT" dirty="0" err="1"/>
+              <a:t>prioritized</a:t>
+            </a:r>
+            <a:r>
+              <a:rPr lang="it-IT" dirty="0"/>
+              <a:t> </a:t>
+            </a:r>
+            <a:r>
+              <a:rPr lang="it-IT" dirty="0" err="1"/>
+              <a:t>eligibility</a:t>
+            </a:r>
+            <a:endParaRPr lang="it-IT" dirty="0"/>
+          </a:p>
+          <a:p>
+            <a:r>
+              <a:rPr lang="it-IT" dirty="0" err="1"/>
+              <a:t>Change</a:t>
+            </a:r>
+            <a:r>
+              <a:rPr lang="it-IT" dirty="0"/>
+              <a:t> input to Value NN, take max in </a:t>
+            </a:r>
+            <a:r>
+              <a:rPr lang="it-IT" dirty="0" err="1"/>
+              <a:t>regions</a:t>
+            </a:r>
+            <a:r>
+              <a:rPr lang="it-IT" dirty="0"/>
+              <a:t>, </a:t>
+            </a:r>
+            <a:r>
+              <a:rPr lang="it-IT" dirty="0" err="1"/>
+              <a:t>not</a:t>
+            </a:r>
+            <a:r>
+              <a:rPr lang="it-IT" dirty="0"/>
+              <a:t> </a:t>
+            </a:r>
+            <a:r>
+              <a:rPr lang="it-IT" dirty="0" err="1"/>
+              <a:t>mean</a:t>
+            </a:r>
+            <a:r>
+              <a:rPr lang="it-IT" dirty="0"/>
+              <a:t> for </a:t>
+            </a:r>
+            <a:r>
+              <a:rPr lang="it-IT" dirty="0" err="1"/>
+              <a:t>example</a:t>
+            </a:r>
+            <a:endParaRPr lang="it-IT" dirty="0"/>
+          </a:p>
+          <a:p>
+            <a:pPr marL="0" indent="0">
+              <a:buNone/>
+            </a:pPr>
+            <a:r>
+              <a:rPr lang="it-IT" dirty="0"/>
+              <a:t>Next days:</a:t>
+            </a:r>
+          </a:p>
+          <a:p>
+            <a:r>
+              <a:rPr lang="it-IT" strike="sngStrike" dirty="0" err="1"/>
+              <a:t>Pre-train</a:t>
+            </a:r>
+            <a:r>
+              <a:rPr lang="it-IT" strike="sngStrike" dirty="0"/>
+              <a:t> policy with </a:t>
+            </a:r>
+            <a:r>
+              <a:rPr lang="it-IT" strike="sngStrike" dirty="0" err="1"/>
+              <a:t>suboptimal</a:t>
+            </a:r>
+            <a:r>
+              <a:rPr lang="it-IT" strike="sngStrike" dirty="0"/>
+              <a:t> </a:t>
+            </a:r>
+            <a:r>
+              <a:rPr lang="it-IT" strike="sngStrike" dirty="0" err="1"/>
+              <a:t>trajectories</a:t>
+            </a:r>
+            <a:r>
+              <a:rPr lang="it-IT" strike="sngStrike" dirty="0"/>
+              <a:t>? </a:t>
+            </a:r>
+            <a:r>
+              <a:rPr lang="it-IT" dirty="0" err="1"/>
+              <a:t>Choose</a:t>
+            </a:r>
+            <a:r>
+              <a:rPr lang="it-IT" dirty="0"/>
+              <a:t> good </a:t>
+            </a:r>
+            <a:r>
+              <a:rPr lang="it-IT" dirty="0" err="1"/>
+              <a:t>ones</a:t>
+            </a:r>
+            <a:r>
+              <a:rPr lang="it-IT" dirty="0"/>
+              <a:t>..</a:t>
+            </a:r>
+            <a:r>
+              <a:rPr lang="it-IT" dirty="0" err="1"/>
+              <a:t>maybe</a:t>
+            </a:r>
+            <a:r>
+              <a:rPr lang="it-IT" dirty="0"/>
+              <a:t> </a:t>
+            </a:r>
+            <a:r>
+              <a:rPr lang="it-IT" dirty="0" err="1"/>
+              <a:t>try</a:t>
+            </a:r>
+            <a:r>
+              <a:rPr lang="it-IT" dirty="0"/>
+              <a:t> </a:t>
+            </a:r>
+            <a:r>
+              <a:rPr lang="it-IT" dirty="0" err="1"/>
+              <a:t>also</a:t>
+            </a:r>
+            <a:r>
+              <a:rPr lang="it-IT" dirty="0"/>
+              <a:t> MCAC https://drive.google.com/file/d/18kd9IvrNLeko6vYRPr2YFZMfOZGRM44g/view</a:t>
+            </a:r>
+          </a:p>
+          <a:p>
+            <a:r>
+              <a:rPr lang="it-IT" dirty="0" err="1"/>
+              <a:t>Since</a:t>
+            </a:r>
+            <a:r>
+              <a:rPr lang="it-IT" dirty="0"/>
+              <a:t> </a:t>
+            </a:r>
+            <a:r>
+              <a:rPr lang="it-IT" dirty="0" err="1"/>
+              <a:t>environment</a:t>
+            </a:r>
+            <a:r>
+              <a:rPr lang="it-IT" dirty="0"/>
+              <a:t> </a:t>
+            </a:r>
+            <a:r>
+              <a:rPr lang="it-IT" dirty="0" err="1"/>
+              <a:t>is</a:t>
+            </a:r>
+            <a:r>
+              <a:rPr lang="it-IT" dirty="0"/>
+              <a:t> </a:t>
+            </a:r>
+            <a:r>
+              <a:rPr lang="it-IT" dirty="0" err="1"/>
+              <a:t>present</a:t>
+            </a:r>
+            <a:r>
+              <a:rPr lang="it-IT" dirty="0"/>
+              <a:t> (</a:t>
+            </a:r>
+            <a:r>
+              <a:rPr lang="it-IT" dirty="0" err="1"/>
+              <a:t>not</a:t>
+            </a:r>
+            <a:r>
+              <a:rPr lang="it-IT" dirty="0"/>
+              <a:t> so accurate </a:t>
+            </a:r>
+            <a:r>
+              <a:rPr lang="it-IT" dirty="0" err="1"/>
+              <a:t>but</a:t>
+            </a:r>
+            <a:r>
+              <a:rPr lang="it-IT" dirty="0"/>
+              <a:t> ok), </a:t>
+            </a:r>
+            <a:r>
+              <a:rPr lang="it-IT" dirty="0" err="1"/>
+              <a:t>also</a:t>
+            </a:r>
+            <a:r>
+              <a:rPr lang="it-IT" dirty="0"/>
+              <a:t> the Transformer, </a:t>
+            </a:r>
+            <a:r>
+              <a:rPr lang="it-IT" dirty="0" err="1"/>
+              <a:t>stitching</a:t>
+            </a:r>
+            <a:r>
+              <a:rPr lang="it-IT" dirty="0"/>
+              <a:t> can be </a:t>
+            </a:r>
+            <a:r>
+              <a:rPr lang="it-IT" dirty="0" err="1"/>
+              <a:t>considered</a:t>
+            </a:r>
+            <a:r>
+              <a:rPr lang="it-IT" dirty="0"/>
+              <a:t> </a:t>
+            </a:r>
+            <a:r>
+              <a:rPr lang="it-IT" dirty="0" err="1"/>
+              <a:t>still</a:t>
+            </a:r>
+            <a:endParaRPr lang="it-IT" dirty="0"/>
+          </a:p>
+          <a:p>
+            <a:r>
+              <a:rPr lang="it-IT" dirty="0"/>
+              <a:t>Do Celani paper </a:t>
+            </a:r>
+            <a:r>
+              <a:rPr lang="en-US" dirty="0">
+                <a:hlinkClick r:id="rId2"/>
+              </a:rPr>
+              <a:t>2310.05808.pdf (arxiv.org)</a:t>
+            </a:r>
+            <a:endParaRPr lang="en-US" dirty="0"/>
+          </a:p>
+          <a:p>
+            <a:pPr marL="0" indent="0">
+              <a:buNone/>
+            </a:pPr>
+            <a:r>
+              <a:rPr lang="en-US" dirty="0"/>
+              <a:t>Idea: drop idea of RL, do </a:t>
+            </a:r>
+            <a:r>
+              <a:rPr lang="en-US" dirty="0" err="1"/>
+              <a:t>SysId</a:t>
+            </a:r>
+            <a:r>
+              <a:rPr lang="en-US" dirty="0"/>
+              <a:t> as thesis, cover apollo and peregrine</a:t>
+            </a:r>
+          </a:p>
+          <a:p>
+            <a:endParaRPr lang="en-US" dirty="0"/>
+          </a:p>
+        </p:txBody>
+      </p:sp>
+    </p:spTree>
+    <p:extLst>
+      <p:ext uri="{BB962C8B-B14F-4D97-AF65-F5344CB8AC3E}">
+        <p14:creationId xmlns:p14="http://schemas.microsoft.com/office/powerpoint/2010/main" val="4063939360"/>
+      </p:ext>
+    </p:extLst>
+  </p:cSld>
+  <p:clrMapOvr>
+    <a:masterClrMapping/>
+  </p:clrMapOvr>
+</p:sld>
+</file>
+
+<file path=ppt/slides/slide23.xml><?xml version="1.0" encoding="utf-8"?>
+<p:sld xmlns:a="http://schemas.openxmlformats.org/drawingml/2006/main" xmlns:r="http://schemas.openxmlformats.org/officeDocument/2006/relationships" xmlns:p="http://schemas.openxmlformats.org/presentationml/2006/main">
+  <p:cSld>
+    <p:spTree>
+      <p:nvGrpSpPr>
+        <p:cNvPr id="1" name=""/>
+        <p:cNvGrpSpPr/>
+        <p:nvPr/>
+      </p:nvGrpSpPr>
+      <p:grpSpPr>
+        <a:xfrm>
+          <a:off x="0" y="0"/>
+          <a:ext cx="0" cy="0"/>
+          <a:chOff x="0" y="0"/>
+          <a:chExt cx="0" cy="0"/>
+        </a:xfrm>
+      </p:grpSpPr>
+      <p:sp>
+        <p:nvSpPr>
+          <p:cNvPr id="2" name="Title 1">
+            <a:extLst>
+              <a:ext uri="{FF2B5EF4-FFF2-40B4-BE49-F238E27FC236}">
+                <a16:creationId xmlns:a16="http://schemas.microsoft.com/office/drawing/2014/main" id="{C62DEE83-F338-FCF3-C0AA-C727352CBEC0}"/>
+              </a:ext>
+            </a:extLst>
+          </p:cNvPr>
+          <p:cNvSpPr>
+            <a:spLocks noGrp="1"/>
+          </p:cNvSpPr>
+          <p:nvPr>
+            <p:ph type="title"/>
+          </p:nvPr>
+        </p:nvSpPr>
+        <p:spPr/>
+        <p:txBody>
+          <a:bodyPr/>
+          <a:lstStyle/>
+          <a:p>
+            <a:r>
+              <a:rPr lang="it-IT" dirty="0" err="1"/>
+              <a:t>Useful</a:t>
+            </a:r>
+            <a:r>
+              <a:rPr lang="it-IT" dirty="0"/>
+              <a:t> link</a:t>
+            </a:r>
+            <a:endParaRPr lang="en-US" dirty="0"/>
+          </a:p>
+        </p:txBody>
+      </p:sp>
+      <p:sp>
+        <p:nvSpPr>
+          <p:cNvPr id="3" name="Content Placeholder 2">
+            <a:extLst>
+              <a:ext uri="{FF2B5EF4-FFF2-40B4-BE49-F238E27FC236}">
+                <a16:creationId xmlns:a16="http://schemas.microsoft.com/office/drawing/2014/main" id="{01ECB57C-3C42-6CF2-F008-E255912D6037}"/>
+              </a:ext>
+            </a:extLst>
+          </p:cNvPr>
+          <p:cNvSpPr>
+            <a:spLocks noGrp="1"/>
+          </p:cNvSpPr>
+          <p:nvPr>
+            <p:ph idx="1"/>
+          </p:nvPr>
+        </p:nvSpPr>
+        <p:spPr/>
+        <p:txBody>
           <a:bodyPr/>
           <a:lstStyle/>
           <a:p>
@@ -8264,9 +10505,22 @@
               </a:rPr>
               <a:t>https://spinningup.openai.com/en/latest/spinningup/keypapers.html</a:t>
             </a:r>
-            <a:r>
-              <a:rPr lang="it-IT" dirty="0"/>
-              <a:t> </a:t>
+            <a:endParaRPr lang="it-IT" dirty="0"/>
+          </a:p>
+          <a:p>
+            <a:r>
+              <a:rPr lang="it-IT" dirty="0"/>
+              <a:t>PPO SO </a:t>
+            </a:r>
+            <a:r>
+              <a:rPr lang="it-IT" dirty="0">
+                <a:hlinkClick r:id="rId3"/>
+              </a:rPr>
+              <a:t>https://stackoverflow.com/questions/46422845/what-is-the-way-to-understand-proximal-policy-optimization-algorithm-in-rl</a:t>
+            </a:r>
+            <a:r>
+              <a:rPr lang="it-IT" dirty="0"/>
+              <a:t>  </a:t>
             </a:r>
             <a:endParaRPr lang="en-US" dirty="0"/>
           </a:p>
@@ -8276,6 +10530,607 @@
     <p:extLst>
       <p:ext uri="{BB962C8B-B14F-4D97-AF65-F5344CB8AC3E}">
         <p14:creationId xmlns:p14="http://schemas.microsoft.com/office/powerpoint/2010/main" val="3287244550"/>
+      </p:ext>
+    </p:extLst>
+  </p:cSld>
+  <p:clrMapOvr>
+    <a:masterClrMapping/>
+  </p:clrMapOvr>
+</p:sld>
+</file>
+
+<file path=ppt/slides/slide24.xml><?xml version="1.0" encoding="utf-8"?>
+<p:sld xmlns:a="http://schemas.openxmlformats.org/drawingml/2006/main" xmlns:r="http://schemas.openxmlformats.org/officeDocument/2006/relationships" xmlns:p="http://schemas.openxmlformats.org/presentationml/2006/main">
+  <p:cSld>
+    <p:spTree>
+      <p:nvGrpSpPr>
+        <p:cNvPr id="1" name=""/>
+        <p:cNvGrpSpPr/>
+        <p:nvPr/>
+      </p:nvGrpSpPr>
+      <p:grpSpPr>
+        <a:xfrm>
+          <a:off x="0" y="0"/>
+          <a:ext cx="0" cy="0"/>
+          <a:chOff x="0" y="0"/>
+          <a:chExt cx="0" cy="0"/>
+        </a:xfrm>
+      </p:grpSpPr>
+      <p:sp>
+        <p:nvSpPr>
+          <p:cNvPr id="2" name="Title 1">
+            <a:extLst>
+              <a:ext uri="{FF2B5EF4-FFF2-40B4-BE49-F238E27FC236}">
+                <a16:creationId xmlns:a16="http://schemas.microsoft.com/office/drawing/2014/main" id="{BD9F4027-56CF-3C28-FCB5-D96FD646667F}"/>
+              </a:ext>
+            </a:extLst>
+          </p:cNvPr>
+          <p:cNvSpPr>
+            <a:spLocks noGrp="1"/>
+          </p:cNvSpPr>
+          <p:nvPr>
+            <p:ph type="title"/>
+          </p:nvPr>
+        </p:nvSpPr>
+        <p:spPr/>
+        <p:txBody>
+          <a:bodyPr/>
+          <a:lstStyle/>
+          <a:p>
+            <a:r>
+              <a:rPr lang="it-IT" dirty="0"/>
+              <a:t>Points to include</a:t>
+            </a:r>
+            <a:endParaRPr lang="en-US" dirty="0"/>
+          </a:p>
+        </p:txBody>
+      </p:sp>
+      <p:sp>
+        <p:nvSpPr>
+          <p:cNvPr id="3" name="Content Placeholder 2">
+            <a:extLst>
+              <a:ext uri="{FF2B5EF4-FFF2-40B4-BE49-F238E27FC236}">
+                <a16:creationId xmlns:a16="http://schemas.microsoft.com/office/drawing/2014/main" id="{8F37E306-7A68-2CCA-961F-A1F78B3EA49B}"/>
+              </a:ext>
+            </a:extLst>
+          </p:cNvPr>
+          <p:cNvSpPr>
+            <a:spLocks noGrp="1"/>
+          </p:cNvSpPr>
+          <p:nvPr>
+            <p:ph idx="1"/>
+          </p:nvPr>
+        </p:nvSpPr>
+        <p:spPr/>
+        <p:txBody>
+          <a:bodyPr>
+            <a:normAutofit fontScale="47500" lnSpcReduction="20000"/>
+          </a:bodyPr>
+          <a:lstStyle/>
+          <a:p>
+            <a:r>
+              <a:rPr lang="en-US" b="0" i="0" dirty="0">
+                <a:solidFill>
+                  <a:srgbClr val="242424"/>
+                </a:solidFill>
+                <a:effectLst/>
+                <a:latin typeface="source-serif-pro"/>
+              </a:rPr>
+              <a:t>or why we keep track of log probabilities instead of raw action probabilities, </a:t>
+            </a:r>
+            <a:r>
+              <a:rPr lang="en-US" b="0" i="0" u="sng" dirty="0">
+                <a:effectLst/>
+                <a:latin typeface="source-serif-pro"/>
+                <a:hlinkClick r:id="rId3"/>
+              </a:rPr>
+              <a:t>here</a:t>
+            </a:r>
+            <a:r>
+              <a:rPr lang="en-US" b="0" i="0" dirty="0">
+                <a:solidFill>
+                  <a:srgbClr val="242424"/>
+                </a:solidFill>
+                <a:effectLst/>
+                <a:latin typeface="source-serif-pro"/>
+              </a:rPr>
+              <a:t> is a resource that explains why and </a:t>
+            </a:r>
+            <a:r>
+              <a:rPr lang="en-US" b="0" i="0" u="sng" dirty="0">
+                <a:effectLst/>
+                <a:latin typeface="source-serif-pro"/>
+                <a:hlinkClick r:id="rId4"/>
+              </a:rPr>
+              <a:t>here</a:t>
+            </a:r>
+            <a:r>
+              <a:rPr lang="en-US" b="0" i="0" dirty="0">
+                <a:solidFill>
+                  <a:srgbClr val="242424"/>
+                </a:solidFill>
+                <a:effectLst/>
+                <a:latin typeface="source-serif-pro"/>
+              </a:rPr>
+              <a:t> is another.</a:t>
+            </a:r>
+          </a:p>
+          <a:p>
+            <a:r>
+              <a:rPr lang="en-US" dirty="0">
+                <a:solidFill>
+                  <a:srgbClr val="242424"/>
+                </a:solidFill>
+                <a:latin typeface="source-serif-pro"/>
+              </a:rPr>
+              <a:t>PPO Importance sampling, TRPO KL divergence</a:t>
+            </a:r>
+          </a:p>
+          <a:p>
+            <a:r>
+              <a:rPr lang="en-US" dirty="0">
+                <a:solidFill>
+                  <a:srgbClr val="242424"/>
+                </a:solidFill>
+                <a:latin typeface="source-serif-pro"/>
+              </a:rPr>
+              <a:t>That in this review </a:t>
+            </a:r>
+            <a:r>
+              <a:rPr lang="en-US" dirty="0" err="1">
+                <a:solidFill>
+                  <a:srgbClr val="242424"/>
+                </a:solidFill>
+                <a:latin typeface="source-serif-pro"/>
+              </a:rPr>
+              <a:t>hvac</a:t>
+            </a:r>
+            <a:r>
+              <a:rPr lang="en-US" dirty="0">
+                <a:solidFill>
+                  <a:srgbClr val="242424"/>
+                </a:solidFill>
+                <a:latin typeface="source-serif-pro"/>
+              </a:rPr>
+              <a:t> is usually for setpoint </a:t>
+            </a:r>
+            <a:r>
+              <a:rPr lang="en-US" dirty="0" err="1">
+                <a:solidFill>
+                  <a:srgbClr val="242424"/>
+                </a:solidFill>
+                <a:latin typeface="source-serif-pro"/>
+              </a:rPr>
+              <a:t>tem</a:t>
+            </a:r>
+            <a:r>
+              <a:rPr lang="en-US" dirty="0">
+                <a:solidFill>
+                  <a:srgbClr val="242424"/>
+                </a:solidFill>
+                <a:latin typeface="source-serif-pro"/>
+              </a:rPr>
+              <a:t>, actions heat vs cool, </a:t>
+            </a:r>
+            <a:r>
+              <a:rPr lang="en-US" dirty="0">
+                <a:solidFill>
+                  <a:srgbClr val="242424"/>
+                </a:solidFill>
+                <a:latin typeface="source-serif-pro"/>
+                <a:hlinkClick r:id="rId5"/>
+              </a:rPr>
+              <a:t>https://www.mdpi.com/1996-1073/15/10/3526</a:t>
+            </a:r>
+            <a:r>
+              <a:rPr lang="en-US" dirty="0">
+                <a:solidFill>
+                  <a:srgbClr val="242424"/>
+                </a:solidFill>
+                <a:latin typeface="source-serif-pro"/>
+              </a:rPr>
+              <a:t> (notes on sheet of paper) instead article saved in work laptop which is on actuators actions</a:t>
+            </a:r>
+          </a:p>
+          <a:p>
+            <a:r>
+              <a:rPr lang="en-US" dirty="0">
+                <a:hlinkClick r:id="rId6"/>
+              </a:rPr>
+              <a:t>https://www.jmlr.org/papers/volume6/ernst05a/ernst05a.pdf</a:t>
+            </a:r>
+            <a:r>
+              <a:rPr lang="en-US" dirty="0">
+                <a:solidFill>
+                  <a:srgbClr val="242424"/>
+                </a:solidFill>
+                <a:latin typeface="source-serif-pro"/>
+              </a:rPr>
+              <a:t> tree based algorithms</a:t>
+            </a:r>
+          </a:p>
+          <a:p>
+            <a:r>
+              <a:rPr lang="en-US" dirty="0"/>
+              <a:t>semi Markov Decision Processes to induce duration of single action </a:t>
+            </a:r>
+            <a:r>
+              <a:rPr lang="en-US" dirty="0">
+                <a:hlinkClick r:id="rId7"/>
+              </a:rPr>
+              <a:t>https://repositori.upf.edu/bitstream/handle/10230/49225/TFM_Sayan.pdf?sequence=1&amp;isAllowed=y</a:t>
+            </a:r>
+            <a:r>
+              <a:rPr lang="en-US" dirty="0"/>
+              <a:t> , </a:t>
+            </a:r>
+            <a:r>
+              <a:rPr lang="en-US" dirty="0">
+                <a:hlinkClick r:id="rId8"/>
+              </a:rPr>
+              <a:t>https://people.cs.umass.edu/~barto/courses/cs687/Sutton-Precup-Singh-AIJ99.pdf</a:t>
+            </a:r>
+            <a:r>
+              <a:rPr lang="en-US" dirty="0"/>
+              <a:t> , </a:t>
+            </a:r>
+            <a:r>
+              <a:rPr lang="en-US" dirty="0">
+                <a:hlinkClick r:id="rId9"/>
+              </a:rPr>
+              <a:t>https://www.youtube.com/watch?v=1nuTmzqKQyE&amp;ab_channel=PascalPoupart</a:t>
+            </a:r>
+            <a:r>
+              <a:rPr lang="en-US" dirty="0"/>
+              <a:t>  options concept: </a:t>
+            </a:r>
+            <a:r>
+              <a:rPr lang="en-US" dirty="0">
+                <a:hlinkClick r:id="rId10"/>
+              </a:rPr>
+              <a:t>https://pierrelucbacon.com/deliberation-29oct2015.pdf</a:t>
+            </a:r>
+            <a:r>
+              <a:rPr lang="en-US" dirty="0"/>
+              <a:t>  </a:t>
+            </a:r>
+          </a:p>
+          <a:p>
+            <a:r>
+              <a:rPr lang="en-US" dirty="0"/>
+              <a:t>Deal with differences model based vs model free</a:t>
+            </a:r>
+          </a:p>
+          <a:p>
+            <a:pPr lvl="1"/>
+            <a:r>
+              <a:rPr lang="en-US" dirty="0"/>
+              <a:t>Learn pessimistic model MDP </a:t>
+            </a:r>
+            <a:r>
+              <a:rPr lang="en-US" dirty="0">
+                <a:hlinkClick r:id="rId11"/>
+              </a:rPr>
+              <a:t>https://proceedings.neurips.cc/paper/2020/file/f7efa4f864ae9b88d43527f4b14f750f-Paper.pdf</a:t>
+            </a:r>
+            <a:r>
+              <a:rPr lang="en-US" dirty="0"/>
+              <a:t> and then offline</a:t>
+            </a:r>
+          </a:p>
+          <a:p>
+            <a:pPr lvl="1"/>
+            <a:r>
+              <a:rPr lang="en-US" dirty="0">
+                <a:hlinkClick r:id="rId12"/>
+              </a:rPr>
+              <a:t>https://openreview.net/pdf?id=wiSgdeJ29ee</a:t>
+            </a:r>
+            <a:endParaRPr lang="en-US" dirty="0"/>
+          </a:p>
+          <a:p>
+            <a:r>
+              <a:rPr lang="en-US" dirty="0">
+                <a:hlinkClick r:id="rId13"/>
+              </a:rPr>
+              <a:t>https://offline-rl-neurips.github.io/pdf/37.pdf</a:t>
+            </a:r>
+            <a:r>
+              <a:rPr lang="en-US" dirty="0"/>
+              <a:t> pre-collected datasets to obtain policies without costly, risky, active exploration. However, commonly used </a:t>
+            </a:r>
+            <a:r>
+              <a:rPr lang="en-US" dirty="0" err="1"/>
+              <a:t>offpolicy</a:t>
+            </a:r>
+            <a:r>
+              <a:rPr lang="en-US" dirty="0"/>
+              <a:t> algorithms based on Q-learning or actor-critic perform poorly when learning from a static dataset. In this work, we study why off-policy RL methods fail to learn in offline setting from the value function view, and we propose a novel offline RL algorithm that we call Pessimistic Offline Policy Optimization (POPO), which learns a pessimistic value function to get a strong policy. </a:t>
+            </a:r>
+          </a:p>
+          <a:p>
+            <a:r>
+              <a:rPr lang="en-US" dirty="0"/>
+              <a:t>Sparse vs dense rewards</a:t>
+            </a:r>
+          </a:p>
+          <a:p>
+            <a:pPr lvl="1"/>
+            <a:r>
+              <a:rPr lang="en-US" b="0" i="0" dirty="0">
+                <a:solidFill>
+                  <a:srgbClr val="242424"/>
+                </a:solidFill>
+                <a:effectLst/>
+                <a:latin typeface="source-serif-pro"/>
+              </a:rPr>
+              <a:t>The rewards are unitless scalar values</a:t>
+            </a:r>
+            <a:endParaRPr lang="en-US" dirty="0"/>
+          </a:p>
+        </p:txBody>
+      </p:sp>
+    </p:spTree>
+    <p:extLst>
+      <p:ext uri="{BB962C8B-B14F-4D97-AF65-F5344CB8AC3E}">
+        <p14:creationId xmlns:p14="http://schemas.microsoft.com/office/powerpoint/2010/main" val="3269739818"/>
+      </p:ext>
+    </p:extLst>
+  </p:cSld>
+  <p:clrMapOvr>
+    <a:masterClrMapping/>
+  </p:clrMapOvr>
+</p:sld>
+</file>
+
+<file path=ppt/slides/slide25.xml><?xml version="1.0" encoding="utf-8"?>
+<p:sld xmlns:a="http://schemas.openxmlformats.org/drawingml/2006/main" xmlns:r="http://schemas.openxmlformats.org/officeDocument/2006/relationships" xmlns:p="http://schemas.openxmlformats.org/presentationml/2006/main">
+  <p:cSld>
+    <p:spTree>
+      <p:nvGrpSpPr>
+        <p:cNvPr id="1" name=""/>
+        <p:cNvGrpSpPr/>
+        <p:nvPr/>
+      </p:nvGrpSpPr>
+      <p:grpSpPr>
+        <a:xfrm>
+          <a:off x="0" y="0"/>
+          <a:ext cx="0" cy="0"/>
+          <a:chOff x="0" y="0"/>
+          <a:chExt cx="0" cy="0"/>
+        </a:xfrm>
+      </p:grpSpPr>
+      <p:sp>
+        <p:nvSpPr>
+          <p:cNvPr id="2" name="Title 1">
+            <a:extLst>
+              <a:ext uri="{FF2B5EF4-FFF2-40B4-BE49-F238E27FC236}">
+                <a16:creationId xmlns:a16="http://schemas.microsoft.com/office/drawing/2014/main" id="{83C28CD5-E262-537C-C7AB-6DE599222323}"/>
+              </a:ext>
+            </a:extLst>
+          </p:cNvPr>
+          <p:cNvSpPr>
+            <a:spLocks noGrp="1"/>
+          </p:cNvSpPr>
+          <p:nvPr>
+            <p:ph type="title"/>
+          </p:nvPr>
+        </p:nvSpPr>
+        <p:spPr/>
+        <p:txBody>
+          <a:bodyPr/>
+          <a:lstStyle/>
+          <a:p>
+            <a:r>
+              <a:rPr lang="it-IT" dirty="0"/>
+              <a:t>Digital twins, </a:t>
+            </a:r>
+            <a:r>
+              <a:rPr lang="it-IT" dirty="0" err="1"/>
+              <a:t>heat</a:t>
+            </a:r>
+            <a:r>
+              <a:rPr lang="it-IT" dirty="0"/>
+              <a:t> transfer </a:t>
+            </a:r>
+            <a:r>
+              <a:rPr lang="it-IT" dirty="0" err="1"/>
+              <a:t>sys</a:t>
+            </a:r>
+            <a:r>
+              <a:rPr lang="it-IT" dirty="0"/>
+              <a:t> models</a:t>
+            </a:r>
+            <a:endParaRPr lang="en-US" dirty="0"/>
+          </a:p>
+        </p:txBody>
+      </p:sp>
+      <p:sp>
+        <p:nvSpPr>
+          <p:cNvPr id="3" name="Content Placeholder 2">
+            <a:extLst>
+              <a:ext uri="{FF2B5EF4-FFF2-40B4-BE49-F238E27FC236}">
+                <a16:creationId xmlns:a16="http://schemas.microsoft.com/office/drawing/2014/main" id="{05693E86-2D5E-870C-4B2F-B0BD7FF3BC18}"/>
+              </a:ext>
+            </a:extLst>
+          </p:cNvPr>
+          <p:cNvSpPr>
+            <a:spLocks noGrp="1"/>
+          </p:cNvSpPr>
+          <p:nvPr>
+            <p:ph idx="1"/>
+          </p:nvPr>
+        </p:nvSpPr>
+        <p:spPr/>
+        <p:txBody>
+          <a:bodyPr/>
+          <a:lstStyle/>
+          <a:p>
+            <a:r>
+              <a:rPr lang="en-US" dirty="0">
+                <a:hlinkClick r:id="rId2"/>
+              </a:rPr>
+              <a:t>https://www.cmcc.it/projects/intertwin-an-interdisciplinary-digital-twin-engine-for-science</a:t>
+            </a:r>
+            <a:r>
+              <a:rPr lang="en-US" dirty="0"/>
+              <a:t> </a:t>
+            </a:r>
+          </a:p>
+          <a:p>
+            <a:r>
+              <a:rPr lang="en-US" dirty="0"/>
+              <a:t>https://www.mdpi.com/2227-9717/10/1/21</a:t>
+            </a:r>
+          </a:p>
+        </p:txBody>
+      </p:sp>
+    </p:spTree>
+    <p:extLst>
+      <p:ext uri="{BB962C8B-B14F-4D97-AF65-F5344CB8AC3E}">
+        <p14:creationId xmlns:p14="http://schemas.microsoft.com/office/powerpoint/2010/main" val="2582095935"/>
+      </p:ext>
+    </p:extLst>
+  </p:cSld>
+  <p:clrMapOvr>
+    <a:masterClrMapping/>
+  </p:clrMapOvr>
+</p:sld>
+</file>
+
+<file path=ppt/slides/slide26.xml><?xml version="1.0" encoding="utf-8"?>
+<p:sld xmlns:a="http://schemas.openxmlformats.org/drawingml/2006/main" xmlns:r="http://schemas.openxmlformats.org/officeDocument/2006/relationships" xmlns:p="http://schemas.openxmlformats.org/presentationml/2006/main">
+  <p:cSld>
+    <p:spTree>
+      <p:nvGrpSpPr>
+        <p:cNvPr id="1" name=""/>
+        <p:cNvGrpSpPr/>
+        <p:nvPr/>
+      </p:nvGrpSpPr>
+      <p:grpSpPr>
+        <a:xfrm>
+          <a:off x="0" y="0"/>
+          <a:ext cx="0" cy="0"/>
+          <a:chOff x="0" y="0"/>
+          <a:chExt cx="0" cy="0"/>
+        </a:xfrm>
+      </p:grpSpPr>
+      <p:sp>
+        <p:nvSpPr>
+          <p:cNvPr id="2" name="Title 1">
+            <a:extLst>
+              <a:ext uri="{FF2B5EF4-FFF2-40B4-BE49-F238E27FC236}">
+                <a16:creationId xmlns:a16="http://schemas.microsoft.com/office/drawing/2014/main" id="{8A506C0E-5C73-F3DE-D20D-24655AB91572}"/>
+              </a:ext>
+            </a:extLst>
+          </p:cNvPr>
+          <p:cNvSpPr>
+            <a:spLocks noGrp="1"/>
+          </p:cNvSpPr>
+          <p:nvPr>
+            <p:ph type="title"/>
+          </p:nvPr>
+        </p:nvSpPr>
+        <p:spPr/>
+        <p:txBody>
+          <a:bodyPr/>
+          <a:lstStyle/>
+          <a:p>
+            <a:r>
+              <a:rPr lang="it-IT" dirty="0"/>
+              <a:t>Text </a:t>
+            </a:r>
+            <a:r>
+              <a:rPr lang="it-IT" dirty="0" err="1"/>
+              <a:t>material</a:t>
+            </a:r>
+            <a:r>
+              <a:rPr lang="it-IT" dirty="0"/>
+              <a:t>, tech concepts</a:t>
+            </a:r>
+            <a:endParaRPr lang="en-US" dirty="0"/>
+          </a:p>
+        </p:txBody>
+      </p:sp>
+      <p:sp>
+        <p:nvSpPr>
+          <p:cNvPr id="3" name="Content Placeholder 2">
+            <a:extLst>
+              <a:ext uri="{FF2B5EF4-FFF2-40B4-BE49-F238E27FC236}">
+                <a16:creationId xmlns:a16="http://schemas.microsoft.com/office/drawing/2014/main" id="{C33CF72A-293B-73BB-BEB1-754D59696184}"/>
+              </a:ext>
+            </a:extLst>
+          </p:cNvPr>
+          <p:cNvSpPr>
+            <a:spLocks noGrp="1"/>
+          </p:cNvSpPr>
+          <p:nvPr>
+            <p:ph idx="1"/>
+          </p:nvPr>
+        </p:nvSpPr>
+        <p:spPr/>
+        <p:txBody>
+          <a:bodyPr/>
+          <a:lstStyle/>
+          <a:p>
+            <a:r>
+              <a:rPr lang="it-IT" dirty="0"/>
+              <a:t>Tesi </a:t>
+            </a:r>
+            <a:r>
+              <a:rPr lang="it-IT" dirty="0">
+                <a:hlinkClick r:id="rId2"/>
+              </a:rPr>
+              <a:t>https://bccdev.ime.usp.br/tccs/2021/artursantos/tcc.pdf</a:t>
+            </a:r>
+            <a:r>
+              <a:rPr lang="it-IT" dirty="0"/>
+              <a:t> </a:t>
+            </a:r>
+            <a:r>
+              <a:rPr lang="it-IT" dirty="0" err="1"/>
+              <a:t>OfflineRL</a:t>
+            </a:r>
+            <a:r>
+              <a:rPr lang="it-IT" dirty="0"/>
+              <a:t> 2021</a:t>
+            </a:r>
+          </a:p>
+          <a:p>
+            <a:r>
+              <a:rPr lang="it-IT" dirty="0" err="1"/>
+              <a:t>Prudencio</a:t>
+            </a:r>
+            <a:r>
+              <a:rPr lang="it-IT" dirty="0"/>
+              <a:t> Survey </a:t>
+            </a:r>
+            <a:r>
+              <a:rPr lang="it-IT" dirty="0" err="1"/>
+              <a:t>OfflineRL</a:t>
+            </a:r>
+            <a:r>
+              <a:rPr lang="it-IT" dirty="0"/>
+              <a:t> 2022 </a:t>
+            </a:r>
+            <a:r>
+              <a:rPr lang="it-IT" dirty="0">
+                <a:hlinkClick r:id="rId3"/>
+              </a:rPr>
+              <a:t>https://arxiv.org/ftp/arxiv/papers/2203/2203.01387.pdf</a:t>
+            </a:r>
+            <a:r>
+              <a:rPr lang="it-IT" dirty="0"/>
+              <a:t> </a:t>
+            </a:r>
+            <a:endParaRPr lang="en-US" dirty="0"/>
+          </a:p>
+        </p:txBody>
+      </p:sp>
+    </p:spTree>
+    <p:extLst>
+      <p:ext uri="{BB962C8B-B14F-4D97-AF65-F5344CB8AC3E}">
+        <p14:creationId xmlns:p14="http://schemas.microsoft.com/office/powerpoint/2010/main" val="2211108553"/>
       </p:ext>
     </p:extLst>
   </p:cSld>
